--- a/for_school/[4팀] 최종발표.pptx
+++ b/for_school/[4팀] 최종발표.pptx
@@ -5,22 +5,24 @@
     <p:sldMasterId id="2147483648" r:id="rId1"/>
   </p:sldMasterIdLst>
   <p:notesMasterIdLst>
-    <p:notesMasterId r:id="rId15"/>
+    <p:notesMasterId r:id="rId17"/>
   </p:notesMasterIdLst>
   <p:sldIdLst>
     <p:sldId id="271" r:id="rId2"/>
     <p:sldId id="272" r:id="rId3"/>
-    <p:sldId id="273" r:id="rId4"/>
-    <p:sldId id="281" r:id="rId5"/>
-    <p:sldId id="276" r:id="rId6"/>
-    <p:sldId id="295" r:id="rId7"/>
-    <p:sldId id="279" r:id="rId8"/>
-    <p:sldId id="277" r:id="rId9"/>
-    <p:sldId id="292" r:id="rId10"/>
-    <p:sldId id="283" r:id="rId11"/>
-    <p:sldId id="293" r:id="rId12"/>
-    <p:sldId id="294" r:id="rId13"/>
-    <p:sldId id="265" r:id="rId14"/>
+    <p:sldId id="281" r:id="rId4"/>
+    <p:sldId id="296" r:id="rId5"/>
+    <p:sldId id="298" r:id="rId6"/>
+    <p:sldId id="299" r:id="rId7"/>
+    <p:sldId id="300" r:id="rId8"/>
+    <p:sldId id="301" r:id="rId9"/>
+    <p:sldId id="302" r:id="rId10"/>
+    <p:sldId id="303" r:id="rId11"/>
+    <p:sldId id="304" r:id="rId12"/>
+    <p:sldId id="305" r:id="rId13"/>
+    <p:sldId id="306" r:id="rId14"/>
+    <p:sldId id="294" r:id="rId15"/>
+    <p:sldId id="265" r:id="rId16"/>
   </p:sldIdLst>
   <p:sldSz cx="12192000" cy="6858000"/>
   <p:notesSz cx="6858000" cy="9144000"/>
@@ -220,7 +222,7 @@
           <a:p>
             <a:fld id="{827246CF-372A-4D3B-8E3A-C9BABED26AD8}" type="datetimeFigureOut">
               <a:rPr lang="ko-KR" altLang="en-US" smtClean="0"/>
-              <a:t>2024-05-22</a:t>
+              <a:t>2024-05-23</a:t>
             </a:fld>
             <a:endParaRPr lang="ko-KR" altLang="en-US"/>
           </a:p>
@@ -487,174 +489,6 @@
 </p:notesMaster>
 </file>
 
-<file path=ppt/notesSlides/notesSlide1.xml><?xml version="1.0" encoding="utf-8"?>
-<p:notes xmlns:a="http://schemas.openxmlformats.org/drawingml/2006/main" xmlns:r="http://schemas.openxmlformats.org/officeDocument/2006/relationships" xmlns:p="http://schemas.openxmlformats.org/presentationml/2006/main">
-  <p:cSld>
-    <p:spTree>
-      <p:nvGrpSpPr>
-        <p:cNvPr id="1" name=""/>
-        <p:cNvGrpSpPr/>
-        <p:nvPr/>
-      </p:nvGrpSpPr>
-      <p:grpSpPr>
-        <a:xfrm>
-          <a:off x="0" y="0"/>
-          <a:ext cx="0" cy="0"/>
-          <a:chOff x="0" y="0"/>
-          <a:chExt cx="0" cy="0"/>
-        </a:xfrm>
-      </p:grpSpPr>
-      <p:sp>
-        <p:nvSpPr>
-          <p:cNvPr id="2" name="슬라이드 이미지 개체 틀 1"/>
-          <p:cNvSpPr>
-            <a:spLocks noGrp="1" noRot="1" noChangeAspect="1"/>
-          </p:cNvSpPr>
-          <p:nvPr>
-            <p:ph type="sldImg"/>
-          </p:nvPr>
-        </p:nvSpPr>
-        <p:spPr/>
-      </p:sp>
-      <p:sp>
-        <p:nvSpPr>
-          <p:cNvPr id="3" name="슬라이드 노트 개체 틀 2"/>
-          <p:cNvSpPr>
-            <a:spLocks noGrp="1"/>
-          </p:cNvSpPr>
-          <p:nvPr>
-            <p:ph type="body" idx="1"/>
-          </p:nvPr>
-        </p:nvSpPr>
-        <p:spPr/>
-        <p:txBody>
-          <a:bodyPr/>
-          <a:lstStyle/>
-          <a:p>
-            <a:endParaRPr lang="ko-KR" altLang="en-US" dirty="0"/>
-          </a:p>
-        </p:txBody>
-      </p:sp>
-      <p:sp>
-        <p:nvSpPr>
-          <p:cNvPr id="4" name="슬라이드 번호 개체 틀 3"/>
-          <p:cNvSpPr>
-            <a:spLocks noGrp="1"/>
-          </p:cNvSpPr>
-          <p:nvPr>
-            <p:ph type="sldNum" sz="quarter" idx="5"/>
-          </p:nvPr>
-        </p:nvSpPr>
-        <p:spPr/>
-        <p:txBody>
-          <a:bodyPr/>
-          <a:lstStyle/>
-          <a:p>
-            <a:fld id="{9F947134-3A95-4DFF-97AF-B527124DF248}" type="slidenum">
-              <a:rPr lang="ko-KR" altLang="en-US" smtClean="0"/>
-              <a:t>5</a:t>
-            </a:fld>
-            <a:endParaRPr lang="ko-KR" altLang="en-US"/>
-          </a:p>
-        </p:txBody>
-      </p:sp>
-    </p:spTree>
-    <p:extLst>
-      <p:ext uri="{BB962C8B-B14F-4D97-AF65-F5344CB8AC3E}">
-        <p14:creationId xmlns:p14="http://schemas.microsoft.com/office/powerpoint/2010/main" val="2485962818"/>
-      </p:ext>
-    </p:extLst>
-  </p:cSld>
-  <p:clrMapOvr>
-    <a:masterClrMapping/>
-  </p:clrMapOvr>
-</p:notes>
-</file>
-
-<file path=ppt/notesSlides/notesSlide2.xml><?xml version="1.0" encoding="utf-8"?>
-<p:notes xmlns:a="http://schemas.openxmlformats.org/drawingml/2006/main" xmlns:r="http://schemas.openxmlformats.org/officeDocument/2006/relationships" xmlns:p="http://schemas.openxmlformats.org/presentationml/2006/main">
-  <p:cSld>
-    <p:spTree>
-      <p:nvGrpSpPr>
-        <p:cNvPr id="1" name=""/>
-        <p:cNvGrpSpPr/>
-        <p:nvPr/>
-      </p:nvGrpSpPr>
-      <p:grpSpPr>
-        <a:xfrm>
-          <a:off x="0" y="0"/>
-          <a:ext cx="0" cy="0"/>
-          <a:chOff x="0" y="0"/>
-          <a:chExt cx="0" cy="0"/>
-        </a:xfrm>
-      </p:grpSpPr>
-      <p:sp>
-        <p:nvSpPr>
-          <p:cNvPr id="2" name="슬라이드 이미지 개체 틀 1"/>
-          <p:cNvSpPr>
-            <a:spLocks noGrp="1" noRot="1" noChangeAspect="1"/>
-          </p:cNvSpPr>
-          <p:nvPr>
-            <p:ph type="sldImg"/>
-          </p:nvPr>
-        </p:nvSpPr>
-        <p:spPr/>
-      </p:sp>
-      <p:sp>
-        <p:nvSpPr>
-          <p:cNvPr id="3" name="슬라이드 노트 개체 틀 2"/>
-          <p:cNvSpPr>
-            <a:spLocks noGrp="1"/>
-          </p:cNvSpPr>
-          <p:nvPr>
-            <p:ph type="body" idx="1"/>
-          </p:nvPr>
-        </p:nvSpPr>
-        <p:spPr/>
-        <p:txBody>
-          <a:bodyPr/>
-          <a:lstStyle/>
-          <a:p>
-            <a:endParaRPr lang="ko-KR" altLang="en-US" dirty="0"/>
-          </a:p>
-        </p:txBody>
-      </p:sp>
-      <p:sp>
-        <p:nvSpPr>
-          <p:cNvPr id="4" name="슬라이드 번호 개체 틀 3"/>
-          <p:cNvSpPr>
-            <a:spLocks noGrp="1"/>
-          </p:cNvSpPr>
-          <p:nvPr>
-            <p:ph type="sldNum" sz="quarter" idx="5"/>
-          </p:nvPr>
-        </p:nvSpPr>
-        <p:spPr/>
-        <p:txBody>
-          <a:bodyPr/>
-          <a:lstStyle/>
-          <a:p>
-            <a:fld id="{9F947134-3A95-4DFF-97AF-B527124DF248}" type="slidenum">
-              <a:rPr lang="ko-KR" altLang="en-US" smtClean="0"/>
-              <a:t>6</a:t>
-            </a:fld>
-            <a:endParaRPr lang="ko-KR" altLang="en-US"/>
-          </a:p>
-        </p:txBody>
-      </p:sp>
-    </p:spTree>
-    <p:extLst>
-      <p:ext uri="{BB962C8B-B14F-4D97-AF65-F5344CB8AC3E}">
-        <p14:creationId xmlns:p14="http://schemas.microsoft.com/office/powerpoint/2010/main" val="3503139810"/>
-      </p:ext>
-    </p:extLst>
-  </p:cSld>
-  <p:clrMapOvr>
-    <a:masterClrMapping/>
-  </p:clrMapOvr>
-</p:notes>
-</file>
-
 <file path=ppt/slideLayouts/slideLayout1.xml><?xml version="1.0" encoding="utf-8"?>
 <p:sldLayout xmlns:a="http://schemas.openxmlformats.org/drawingml/2006/main" xmlns:r="http://schemas.openxmlformats.org/officeDocument/2006/relationships" xmlns:p="http://schemas.openxmlformats.org/presentationml/2006/main" type="blank" preserve="1">
   <p:cSld name="빈 화면">
@@ -802,7 +636,7 @@
           <a:p>
             <a:fld id="{772F5193-41CD-4063-B0C7-05E32D5C3CCF}" type="datetimeFigureOut">
               <a:rPr lang="ko-KR" altLang="en-US" smtClean="0"/>
-              <a:t>2024-05-22</a:t>
+              <a:t>2024-05-23</a:t>
             </a:fld>
             <a:endParaRPr lang="ko-KR" altLang="en-US"/>
           </a:p>
@@ -1004,7 +838,7 @@
           <a:p>
             <a:fld id="{772F5193-41CD-4063-B0C7-05E32D5C3CCF}" type="datetimeFigureOut">
               <a:rPr lang="ko-KR" altLang="en-US" smtClean="0"/>
-              <a:t>2024-05-22</a:t>
+              <a:t>2024-05-23</a:t>
             </a:fld>
             <a:endParaRPr lang="ko-KR" altLang="en-US"/>
           </a:p>
@@ -1245,7 +1079,7 @@
           <a:p>
             <a:fld id="{772F5193-41CD-4063-B0C7-05E32D5C3CCF}" type="datetimeFigureOut">
               <a:rPr lang="ko-KR" altLang="en-US" smtClean="0"/>
-              <a:t>2024-05-22</a:t>
+              <a:t>2024-05-23</a:t>
             </a:fld>
             <a:endParaRPr lang="ko-KR" altLang="en-US"/>
           </a:p>
@@ -1845,14 +1679,6 @@
 <file path=ppt/slides/slide10.xml><?xml version="1.0" encoding="utf-8"?>
 <p:sld xmlns:a="http://schemas.openxmlformats.org/drawingml/2006/main" xmlns:r="http://schemas.openxmlformats.org/officeDocument/2006/relationships" xmlns:p="http://schemas.openxmlformats.org/presentationml/2006/main">
   <p:cSld>
-    <p:bg>
-      <p:bgPr>
-        <a:solidFill>
-          <a:schemeClr val="accent1"/>
-        </a:solidFill>
-        <a:effectLst/>
-      </p:bgPr>
-    </p:bg>
     <p:spTree>
       <p:nvGrpSpPr>
         <p:cNvPr id="1" name=""/>
@@ -1867,205 +1693,482 @@
           <a:chExt cx="0" cy="0"/>
         </a:xfrm>
       </p:grpSpPr>
-      <p:grpSp>
-        <p:nvGrpSpPr>
-          <p:cNvPr id="7" name="그룹 6">
-            <a:extLst>
-              <a:ext uri="{FF2B5EF4-FFF2-40B4-BE49-F238E27FC236}">
-                <a16:creationId xmlns:a16="http://schemas.microsoft.com/office/drawing/2014/main" id="{ADC16E78-8819-8219-C770-75C3BD1E4D45}"/>
-              </a:ext>
-            </a:extLst>
-          </p:cNvPr>
-          <p:cNvGrpSpPr/>
-          <p:nvPr/>
-        </p:nvGrpSpPr>
-        <p:grpSpPr>
-          <a:xfrm>
-            <a:off x="6817895" y="872277"/>
-            <a:ext cx="5374105" cy="4483771"/>
-            <a:chOff x="6817895" y="310803"/>
-            <a:chExt cx="5374105" cy="4483771"/>
-          </a:xfrm>
-        </p:grpSpPr>
-        <p:sp>
-          <p:nvSpPr>
-            <p:cNvPr id="2" name="TextBox 1">
-              <a:extLst>
-                <a:ext uri="{FF2B5EF4-FFF2-40B4-BE49-F238E27FC236}">
-                  <a16:creationId xmlns:a16="http://schemas.microsoft.com/office/drawing/2014/main" id="{1E4D379F-0D7A-E10A-C2FD-B3F877B38412}"/>
-                </a:ext>
-              </a:extLst>
-            </p:cNvPr>
-            <p:cNvSpPr txBox="1"/>
-            <p:nvPr/>
-          </p:nvSpPr>
-          <p:spPr>
-            <a:xfrm>
-              <a:off x="6817895" y="310803"/>
-              <a:ext cx="1854995" cy="3154710"/>
-            </a:xfrm>
-            <a:prstGeom prst="rect">
-              <a:avLst/>
-            </a:prstGeom>
-            <a:noFill/>
-          </p:spPr>
-          <p:txBody>
-            <a:bodyPr wrap="none" rtlCol="0">
-              <a:spAutoFit/>
-            </a:bodyPr>
-            <a:lstStyle/>
-            <a:p>
-              <a:r>
-                <a:rPr lang="en-US" altLang="ko-KR" sz="19900" b="1" dirty="0">
-                  <a:solidFill>
-                    <a:schemeClr val="bg1"/>
-                  </a:solidFill>
-                  <a:latin typeface="+mj-ea"/>
-                  <a:ea typeface="+mj-ea"/>
-                </a:rPr>
-                <a:t>3</a:t>
-              </a:r>
-              <a:endParaRPr lang="ko-KR" altLang="en-US" sz="19900" b="1" dirty="0">
-                <a:solidFill>
-                  <a:schemeClr val="bg1"/>
-                </a:solidFill>
-                <a:latin typeface="+mj-ea"/>
-                <a:ea typeface="+mj-ea"/>
-              </a:endParaRPr>
-            </a:p>
-          </p:txBody>
-        </p:sp>
-        <p:sp>
-          <p:nvSpPr>
-            <p:cNvPr id="3" name="TextBox 2">
-              <a:extLst>
-                <a:ext uri="{FF2B5EF4-FFF2-40B4-BE49-F238E27FC236}">
-                  <a16:creationId xmlns:a16="http://schemas.microsoft.com/office/drawing/2014/main" id="{773F2969-8E1F-0403-B6B6-037C4B0D5DB2}"/>
-                </a:ext>
-              </a:extLst>
-            </p:cNvPr>
-            <p:cNvSpPr txBox="1"/>
-            <p:nvPr/>
-          </p:nvSpPr>
-          <p:spPr>
-            <a:xfrm>
-              <a:off x="6817895" y="3350782"/>
-              <a:ext cx="2593980" cy="830997"/>
-            </a:xfrm>
-            <a:prstGeom prst="rect">
-              <a:avLst/>
-            </a:prstGeom>
-            <a:noFill/>
-          </p:spPr>
-          <p:txBody>
-            <a:bodyPr wrap="none" rtlCol="0">
-              <a:spAutoFit/>
-            </a:bodyPr>
-            <a:lstStyle/>
-            <a:p>
-              <a:r>
-                <a:rPr lang="ko-KR" altLang="en-US" sz="4800" b="1" spc="-300" dirty="0">
-                  <a:solidFill>
-                    <a:schemeClr val="bg1"/>
-                  </a:solidFill>
-                  <a:latin typeface="+mn-ea"/>
-                </a:rPr>
-                <a:t>향후 계획</a:t>
-              </a:r>
-            </a:p>
-          </p:txBody>
-        </p:sp>
-        <p:cxnSp>
-          <p:nvCxnSpPr>
-            <p:cNvPr id="4" name="직선 연결선 3">
-              <a:extLst>
-                <a:ext uri="{FF2B5EF4-FFF2-40B4-BE49-F238E27FC236}">
-                  <a16:creationId xmlns:a16="http://schemas.microsoft.com/office/drawing/2014/main" id="{F9894119-F233-DC33-68F5-7374CF0E569E}"/>
-                </a:ext>
-              </a:extLst>
-            </p:cNvPr>
-            <p:cNvCxnSpPr>
-              <a:cxnSpLocks/>
-            </p:cNvCxnSpPr>
-            <p:nvPr/>
-          </p:nvCxnSpPr>
-          <p:spPr>
-            <a:xfrm>
-              <a:off x="6817895" y="4545921"/>
-              <a:ext cx="5374105" cy="0"/>
-            </a:xfrm>
-            <a:prstGeom prst="line">
-              <a:avLst/>
-            </a:prstGeom>
-            <a:ln w="76200">
+      <p:cxnSp>
+        <p:nvCxnSpPr>
+          <p:cNvPr id="3" name="직선 연결선 2">
+            <a:extLst>
+              <a:ext uri="{FF2B5EF4-FFF2-40B4-BE49-F238E27FC236}">
+                <a16:creationId xmlns:a16="http://schemas.microsoft.com/office/drawing/2014/main" id="{E3FBA607-E7FC-B7F8-2868-BC448F31F790}"/>
+              </a:ext>
+            </a:extLst>
+          </p:cNvPr>
+          <p:cNvCxnSpPr/>
+          <p:nvPr/>
+        </p:nvCxnSpPr>
+        <p:spPr>
+          <a:xfrm>
+            <a:off x="144378" y="160422"/>
+            <a:ext cx="12060000" cy="0"/>
+          </a:xfrm>
+          <a:prstGeom prst="line">
+            <a:avLst/>
+          </a:prstGeom>
+          <a:ln w="76200">
+            <a:solidFill>
+              <a:schemeClr val="accent1"/>
+            </a:solidFill>
+          </a:ln>
+        </p:spPr>
+        <p:style>
+          <a:lnRef idx="1">
+            <a:schemeClr val="accent1"/>
+          </a:lnRef>
+          <a:fillRef idx="0">
+            <a:schemeClr val="accent1"/>
+          </a:fillRef>
+          <a:effectRef idx="0">
+            <a:schemeClr val="accent1"/>
+          </a:effectRef>
+          <a:fontRef idx="minor">
+            <a:schemeClr val="tx1"/>
+          </a:fontRef>
+        </p:style>
+      </p:cxnSp>
+      <p:sp>
+        <p:nvSpPr>
+          <p:cNvPr id="4" name="TextBox 3">
+            <a:extLst>
+              <a:ext uri="{FF2B5EF4-FFF2-40B4-BE49-F238E27FC236}">
+                <a16:creationId xmlns:a16="http://schemas.microsoft.com/office/drawing/2014/main" id="{B8326A7D-F71C-ED1C-CBFD-93F557654D2A}"/>
+              </a:ext>
+            </a:extLst>
+          </p:cNvPr>
+          <p:cNvSpPr txBox="1"/>
+          <p:nvPr/>
+        </p:nvSpPr>
+        <p:spPr>
+          <a:xfrm>
+            <a:off x="144378" y="272716"/>
+            <a:ext cx="675570" cy="338554"/>
+          </a:xfrm>
+          <a:prstGeom prst="rect">
+            <a:avLst/>
+          </a:prstGeom>
+          <a:noFill/>
+        </p:spPr>
+        <p:txBody>
+          <a:bodyPr wrap="none" rtlCol="0">
+            <a:spAutoFit/>
+          </a:bodyPr>
+          <a:lstStyle/>
+          <a:p>
+            <a:r>
+              <a:rPr lang="en-US" altLang="ko-KR" sz="1600" dirty="0">
+                <a:solidFill>
+                  <a:schemeClr val="accent1"/>
+                </a:solidFill>
+              </a:rPr>
+              <a:t>Part 5</a:t>
+            </a:r>
+            <a:endParaRPr lang="ko-KR" altLang="en-US" sz="1600" dirty="0">
               <a:solidFill>
-                <a:schemeClr val="bg1"/>
+                <a:schemeClr val="accent1"/>
               </a:solidFill>
-            </a:ln>
-          </p:spPr>
-          <p:style>
-            <a:lnRef idx="1">
+            </a:endParaRPr>
+          </a:p>
+        </p:txBody>
+      </p:sp>
+      <p:sp>
+        <p:nvSpPr>
+          <p:cNvPr id="5" name="TextBox 4">
+            <a:extLst>
+              <a:ext uri="{FF2B5EF4-FFF2-40B4-BE49-F238E27FC236}">
+                <a16:creationId xmlns:a16="http://schemas.microsoft.com/office/drawing/2014/main" id="{3251639B-29EB-6E9D-733B-6F917838F571}"/>
+              </a:ext>
+            </a:extLst>
+          </p:cNvPr>
+          <p:cNvSpPr txBox="1"/>
+          <p:nvPr/>
+        </p:nvSpPr>
+        <p:spPr>
+          <a:xfrm>
+            <a:off x="1163052" y="272716"/>
+            <a:ext cx="1510350" cy="523220"/>
+          </a:xfrm>
+          <a:prstGeom prst="rect">
+            <a:avLst/>
+          </a:prstGeom>
+          <a:noFill/>
+        </p:spPr>
+        <p:txBody>
+          <a:bodyPr wrap="none" rtlCol="0">
+            <a:spAutoFit/>
+          </a:bodyPr>
+          <a:lstStyle/>
+          <a:p>
+            <a:r>
+              <a:rPr lang="ko-KR" altLang="en-US" sz="2800" b="1" spc="-300" dirty="0">
+                <a:solidFill>
+                  <a:schemeClr val="accent1"/>
+                </a:solidFill>
+              </a:rPr>
+              <a:t>실행 결과</a:t>
+            </a:r>
+          </a:p>
+        </p:txBody>
+      </p:sp>
+      <p:cxnSp>
+        <p:nvCxnSpPr>
+          <p:cNvPr id="6" name="직선 연결선 5">
+            <a:extLst>
+              <a:ext uri="{FF2B5EF4-FFF2-40B4-BE49-F238E27FC236}">
+                <a16:creationId xmlns:a16="http://schemas.microsoft.com/office/drawing/2014/main" id="{227D3D02-66A7-B0C0-2CF2-A0900C18861C}"/>
+              </a:ext>
+            </a:extLst>
+          </p:cNvPr>
+          <p:cNvCxnSpPr/>
+          <p:nvPr/>
+        </p:nvCxnSpPr>
+        <p:spPr>
+          <a:xfrm>
+            <a:off x="144378" y="6737685"/>
+            <a:ext cx="12060000" cy="0"/>
+          </a:xfrm>
+          <a:prstGeom prst="line">
+            <a:avLst/>
+          </a:prstGeom>
+          <a:ln w="3175">
+            <a:solidFill>
               <a:schemeClr val="accent1"/>
-            </a:lnRef>
-            <a:fillRef idx="0">
-              <a:schemeClr val="accent1"/>
-            </a:fillRef>
-            <a:effectRef idx="0">
-              <a:schemeClr val="accent1"/>
-            </a:effectRef>
-            <a:fontRef idx="minor">
-              <a:schemeClr val="tx1"/>
-            </a:fontRef>
-          </p:style>
-        </p:cxnSp>
-        <p:cxnSp>
-          <p:nvCxnSpPr>
-            <p:cNvPr id="6" name="직선 연결선 5">
-              <a:extLst>
-                <a:ext uri="{FF2B5EF4-FFF2-40B4-BE49-F238E27FC236}">
-                  <a16:creationId xmlns:a16="http://schemas.microsoft.com/office/drawing/2014/main" id="{01021128-BA25-D6FF-656C-87D086ADE451}"/>
-                </a:ext>
-              </a:extLst>
-            </p:cNvPr>
-            <p:cNvCxnSpPr>
-              <a:cxnSpLocks/>
-            </p:cNvCxnSpPr>
-            <p:nvPr/>
-          </p:nvCxnSpPr>
-          <p:spPr>
-            <a:xfrm>
-              <a:off x="6817895" y="4794574"/>
-              <a:ext cx="5374105" cy="0"/>
-            </a:xfrm>
-            <a:prstGeom prst="line">
-              <a:avLst/>
-            </a:prstGeom>
-            <a:ln w="3175">
-              <a:solidFill>
-                <a:schemeClr val="bg1"/>
-              </a:solidFill>
-            </a:ln>
-          </p:spPr>
-          <p:style>
-            <a:lnRef idx="1">
-              <a:schemeClr val="accent1"/>
-            </a:lnRef>
-            <a:fillRef idx="0">
-              <a:schemeClr val="accent1"/>
-            </a:fillRef>
-            <a:effectRef idx="0">
-              <a:schemeClr val="accent1"/>
-            </a:effectRef>
-            <a:fontRef idx="minor">
-              <a:schemeClr val="tx1"/>
-            </a:fontRef>
-          </p:style>
-        </p:cxnSp>
-      </p:grpSp>
+            </a:solidFill>
+          </a:ln>
+        </p:spPr>
+        <p:style>
+          <a:lnRef idx="1">
+            <a:schemeClr val="accent1"/>
+          </a:lnRef>
+          <a:fillRef idx="0">
+            <a:schemeClr val="accent1"/>
+          </a:fillRef>
+          <a:effectRef idx="0">
+            <a:schemeClr val="accent1"/>
+          </a:effectRef>
+          <a:fontRef idx="minor">
+            <a:schemeClr val="tx1"/>
+          </a:fontRef>
+        </p:style>
+      </p:cxnSp>
+      <p:sp>
+        <p:nvSpPr>
+          <p:cNvPr id="11" name="양쪽 대괄호 10">
+            <a:extLst>
+              <a:ext uri="{FF2B5EF4-FFF2-40B4-BE49-F238E27FC236}">
+                <a16:creationId xmlns:a16="http://schemas.microsoft.com/office/drawing/2014/main" id="{BB84A156-89D3-24C7-611D-EAAE09E85E87}"/>
+              </a:ext>
+            </a:extLst>
+          </p:cNvPr>
+          <p:cNvSpPr/>
+          <p:nvPr/>
+        </p:nvSpPr>
+        <p:spPr>
+          <a:xfrm>
+            <a:off x="825479" y="1307847"/>
+            <a:ext cx="10697797" cy="3171785"/>
+          </a:xfrm>
+          <a:prstGeom prst="bracketPair">
+            <a:avLst>
+              <a:gd name="adj" fmla="val 12319"/>
+            </a:avLst>
+          </a:prstGeom>
+        </p:spPr>
+        <p:style>
+          <a:lnRef idx="1">
+            <a:schemeClr val="accent1"/>
+          </a:lnRef>
+          <a:fillRef idx="0">
+            <a:schemeClr val="accent1"/>
+          </a:fillRef>
+          <a:effectRef idx="0">
+            <a:schemeClr val="accent1"/>
+          </a:effectRef>
+          <a:fontRef idx="minor">
+            <a:schemeClr val="tx1"/>
+          </a:fontRef>
+        </p:style>
+        <p:txBody>
+          <a:bodyPr rtlCol="0" anchor="ctr"/>
+          <a:lstStyle/>
+          <a:p>
+            <a:pPr algn="ctr"/>
+            <a:endParaRPr lang="ko-KR" altLang="en-US"/>
+          </a:p>
+        </p:txBody>
+      </p:sp>
+      <p:sp>
+        <p:nvSpPr>
+          <p:cNvPr id="14" name="TextBox 13">
+            <a:extLst>
+              <a:ext uri="{FF2B5EF4-FFF2-40B4-BE49-F238E27FC236}">
+                <a16:creationId xmlns:a16="http://schemas.microsoft.com/office/drawing/2014/main" id="{22C4C9CA-FF2A-9FA9-7B1E-C6740F416733}"/>
+              </a:ext>
+            </a:extLst>
+          </p:cNvPr>
+          <p:cNvSpPr txBox="1"/>
+          <p:nvPr/>
+        </p:nvSpPr>
+        <p:spPr>
+          <a:xfrm>
+            <a:off x="3612155" y="5626905"/>
+            <a:ext cx="4967690" cy="707886"/>
+          </a:xfrm>
+          <a:prstGeom prst="rect">
+            <a:avLst/>
+          </a:prstGeom>
+          <a:noFill/>
+        </p:spPr>
+        <p:txBody>
+          <a:bodyPr wrap="square" rtlCol="0">
+            <a:spAutoFit/>
+          </a:bodyPr>
+          <a:lstStyle/>
+          <a:p>
+            <a:pPr algn="ctr"/>
+            <a:r>
+              <a:rPr lang="en-US" altLang="ko-KR" sz="2000" dirty="0"/>
+              <a:t>Canvas</a:t>
+            </a:r>
+            <a:r>
+              <a:rPr lang="ko-KR" altLang="en-US" sz="2000" dirty="0"/>
+              <a:t>의 버튼 작동을 관리하는 </a:t>
+            </a:r>
+            <a:r>
+              <a:rPr lang="en-US" altLang="ko-KR" sz="2000" dirty="0" err="1"/>
+              <a:t>ButtonController</a:t>
+            </a:r>
+            <a:endParaRPr lang="ko-KR" altLang="en-US" sz="2000" dirty="0"/>
+          </a:p>
+        </p:txBody>
+      </p:sp>
+      <p:pic>
+        <p:nvPicPr>
+          <p:cNvPr id="7" name="그림 6">
+            <a:extLst>
+              <a:ext uri="{FF2B5EF4-FFF2-40B4-BE49-F238E27FC236}">
+                <a16:creationId xmlns:a16="http://schemas.microsoft.com/office/drawing/2014/main" id="{06B02F14-DC4B-D02C-4DF9-31AB3129384B}"/>
+              </a:ext>
+            </a:extLst>
+          </p:cNvPr>
+          <p:cNvPicPr>
+            <a:picLocks noChangeAspect="1"/>
+          </p:cNvPicPr>
+          <p:nvPr/>
+        </p:nvPicPr>
+        <p:blipFill>
+          <a:blip r:embed="rId2"/>
+          <a:stretch>
+            <a:fillRect/>
+          </a:stretch>
+        </p:blipFill>
+        <p:spPr>
+          <a:xfrm>
+            <a:off x="1575898" y="1267650"/>
+            <a:ext cx="3121295" cy="1541693"/>
+          </a:xfrm>
+          <a:prstGeom prst="rect">
+            <a:avLst/>
+          </a:prstGeom>
+        </p:spPr>
+      </p:pic>
+      <p:sp>
+        <p:nvSpPr>
+          <p:cNvPr id="9" name="TextBox 8">
+            <a:extLst>
+              <a:ext uri="{FF2B5EF4-FFF2-40B4-BE49-F238E27FC236}">
+                <a16:creationId xmlns:a16="http://schemas.microsoft.com/office/drawing/2014/main" id="{6241DB5C-FFFB-A96E-E571-C8ACA919F2AE}"/>
+              </a:ext>
+            </a:extLst>
+          </p:cNvPr>
+          <p:cNvSpPr txBox="1"/>
+          <p:nvPr/>
+        </p:nvSpPr>
+        <p:spPr>
+          <a:xfrm>
+            <a:off x="5177890" y="1838441"/>
+            <a:ext cx="5296145" cy="400110"/>
+          </a:xfrm>
+          <a:prstGeom prst="rect">
+            <a:avLst/>
+          </a:prstGeom>
+          <a:noFill/>
+        </p:spPr>
+        <p:txBody>
+          <a:bodyPr wrap="square" rtlCol="0">
+            <a:spAutoFit/>
+          </a:bodyPr>
+          <a:lstStyle/>
+          <a:p>
+            <a:r>
+              <a:rPr lang="en-US" altLang="ko-KR" sz="2000" dirty="0"/>
+              <a:t>-</a:t>
+            </a:r>
+            <a:r>
+              <a:rPr lang="ko-KR" altLang="en-US" sz="2000" dirty="0"/>
+              <a:t> 화면의 어디든 </a:t>
+            </a:r>
+            <a:r>
+              <a:rPr lang="ko-KR" altLang="en-US" sz="2000" dirty="0" err="1"/>
+              <a:t>클릭시</a:t>
+            </a:r>
+            <a:r>
+              <a:rPr lang="ko-KR" altLang="en-US" sz="2000" dirty="0"/>
+              <a:t> </a:t>
+            </a:r>
+            <a:r>
+              <a:rPr lang="en-US" altLang="ko-KR" sz="2000" dirty="0"/>
+              <a:t>Dialogue</a:t>
+            </a:r>
+            <a:r>
+              <a:rPr lang="ko-KR" altLang="en-US" sz="2000" dirty="0"/>
+              <a:t>가 넘어가도록</a:t>
+            </a:r>
+          </a:p>
+        </p:txBody>
+      </p:sp>
+      <p:pic>
+        <p:nvPicPr>
+          <p:cNvPr id="13" name="그림 12">
+            <a:extLst>
+              <a:ext uri="{FF2B5EF4-FFF2-40B4-BE49-F238E27FC236}">
+                <a16:creationId xmlns:a16="http://schemas.microsoft.com/office/drawing/2014/main" id="{4EB6385B-6417-1CBA-FFFF-FD88FB7B5719}"/>
+              </a:ext>
+            </a:extLst>
+          </p:cNvPr>
+          <p:cNvPicPr>
+            <a:picLocks noChangeAspect="1"/>
+          </p:cNvPicPr>
+          <p:nvPr/>
+        </p:nvPicPr>
+        <p:blipFill>
+          <a:blip r:embed="rId3"/>
+          <a:stretch>
+            <a:fillRect/>
+          </a:stretch>
+        </p:blipFill>
+        <p:spPr>
+          <a:xfrm>
+            <a:off x="1389785" y="3053989"/>
+            <a:ext cx="2840468" cy="1861357"/>
+          </a:xfrm>
+          <a:prstGeom prst="rect">
+            <a:avLst/>
+          </a:prstGeom>
+        </p:spPr>
+      </p:pic>
+      <p:pic>
+        <p:nvPicPr>
+          <p:cNvPr id="16" name="그림 15">
+            <a:extLst>
+              <a:ext uri="{FF2B5EF4-FFF2-40B4-BE49-F238E27FC236}">
+                <a16:creationId xmlns:a16="http://schemas.microsoft.com/office/drawing/2014/main" id="{32C7B0E1-9BFE-AEAE-E810-0F2263EFF593}"/>
+              </a:ext>
+            </a:extLst>
+          </p:cNvPr>
+          <p:cNvPicPr>
+            <a:picLocks noChangeAspect="1"/>
+          </p:cNvPicPr>
+          <p:nvPr/>
+        </p:nvPicPr>
+        <p:blipFill>
+          <a:blip r:embed="rId4"/>
+          <a:stretch>
+            <a:fillRect/>
+          </a:stretch>
+        </p:blipFill>
+        <p:spPr>
+          <a:xfrm>
+            <a:off x="4393394" y="3053470"/>
+            <a:ext cx="2293733" cy="1861876"/>
+          </a:xfrm>
+          <a:prstGeom prst="rect">
+            <a:avLst/>
+          </a:prstGeom>
+        </p:spPr>
+      </p:pic>
+      <p:sp>
+        <p:nvSpPr>
+          <p:cNvPr id="17" name="TextBox 16">
+            <a:extLst>
+              <a:ext uri="{FF2B5EF4-FFF2-40B4-BE49-F238E27FC236}">
+                <a16:creationId xmlns:a16="http://schemas.microsoft.com/office/drawing/2014/main" id="{B410990F-AEDA-69E9-E09B-9B620C620773}"/>
+              </a:ext>
+            </a:extLst>
+          </p:cNvPr>
+          <p:cNvSpPr txBox="1"/>
+          <p:nvPr/>
+        </p:nvSpPr>
+        <p:spPr>
+          <a:xfrm>
+            <a:off x="6761018" y="3591017"/>
+            <a:ext cx="4230255" cy="1015663"/>
+          </a:xfrm>
+          <a:prstGeom prst="rect">
+            <a:avLst/>
+          </a:prstGeom>
+          <a:noFill/>
+        </p:spPr>
+        <p:txBody>
+          <a:bodyPr wrap="square" rtlCol="0">
+            <a:spAutoFit/>
+          </a:bodyPr>
+          <a:lstStyle/>
+          <a:p>
+            <a:r>
+              <a:rPr lang="en-US" altLang="ko-KR" sz="2000" dirty="0"/>
+              <a:t>-Dialogue</a:t>
+            </a:r>
+            <a:r>
+              <a:rPr lang="ko-KR" altLang="en-US" sz="2000" dirty="0"/>
+              <a:t>가 끝났을 때 </a:t>
+            </a:r>
+            <a:r>
+              <a:rPr lang="en-US" altLang="ko-KR" sz="2000" dirty="0"/>
+              <a:t>Event</a:t>
+            </a:r>
+            <a:r>
+              <a:rPr lang="ko-KR" altLang="en-US" sz="2000" dirty="0"/>
+              <a:t>에 맞는 </a:t>
+            </a:r>
+            <a:r>
+              <a:rPr lang="en-US" altLang="ko-KR" sz="2000" dirty="0"/>
+              <a:t>Option </a:t>
+            </a:r>
+            <a:r>
+              <a:rPr lang="ko-KR" altLang="en-US" sz="2000" dirty="0"/>
+              <a:t>선택 버튼 등장</a:t>
+            </a:r>
+            <a:endParaRPr lang="en-US" altLang="ko-KR" sz="2000" dirty="0"/>
+          </a:p>
+          <a:p>
+            <a:r>
+              <a:rPr lang="en-US" altLang="ko-KR" sz="2000" dirty="0"/>
+              <a:t>- Option </a:t>
+            </a:r>
+            <a:r>
+              <a:rPr lang="ko-KR" altLang="en-US" sz="2000" dirty="0"/>
+              <a:t>선택 시 발동하는 </a:t>
+            </a:r>
+            <a:r>
+              <a:rPr lang="en-US" altLang="ko-KR" sz="2000" dirty="0"/>
+              <a:t>Action</a:t>
+            </a:r>
+            <a:endParaRPr lang="ko-KR" altLang="en-US" sz="2000" dirty="0"/>
+          </a:p>
+        </p:txBody>
+      </p:sp>
     </p:spTree>
     <p:extLst>
       <p:ext uri="{BB962C8B-B14F-4D97-AF65-F5344CB8AC3E}">
-        <p14:creationId xmlns:p14="http://schemas.microsoft.com/office/powerpoint/2010/main" val="3984252838"/>
+        <p14:creationId xmlns:p14="http://schemas.microsoft.com/office/powerpoint/2010/main" val="1224308999"/>
       </p:ext>
     </p:extLst>
   </p:cSld>
@@ -2167,7 +2270,7 @@
                   <a:schemeClr val="accent1"/>
                 </a:solidFill>
               </a:rPr>
-              <a:t>Part 3</a:t>
+              <a:t>Part 5</a:t>
             </a:r>
             <a:endParaRPr lang="ko-KR" altLang="en-US" sz="1600" dirty="0">
               <a:solidFill>
@@ -2211,7 +2314,7 @@
                   <a:schemeClr val="accent1"/>
                 </a:solidFill>
               </a:rPr>
-              <a:t>향후 계획</a:t>
+              <a:t>실행 결과</a:t>
             </a:r>
           </a:p>
         </p:txBody>
@@ -2259,10 +2362,10 @@
       </p:cxnSp>
       <p:sp>
         <p:nvSpPr>
-          <p:cNvPr id="7" name="직사각형 6">
-            <a:extLst>
-              <a:ext uri="{FF2B5EF4-FFF2-40B4-BE49-F238E27FC236}">
-                <a16:creationId xmlns:a16="http://schemas.microsoft.com/office/drawing/2014/main" id="{111F077E-5315-8B71-4652-0253205F28AB}"/>
+          <p:cNvPr id="11" name="양쪽 대괄호 10">
+            <a:extLst>
+              <a:ext uri="{FF2B5EF4-FFF2-40B4-BE49-F238E27FC236}">
+                <a16:creationId xmlns:a16="http://schemas.microsoft.com/office/drawing/2014/main" id="{BB84A156-89D3-24C7-611D-EAAE09E85E87}"/>
               </a:ext>
             </a:extLst>
           </p:cNvPr>
@@ -2271,35 +2374,27 @@
         </p:nvSpPr>
         <p:spPr>
           <a:xfrm>
-            <a:off x="928225" y="2036558"/>
-            <a:ext cx="2041451" cy="3508786"/>
-          </a:xfrm>
-          <a:prstGeom prst="rect">
-            <a:avLst/>
-          </a:prstGeom>
-          <a:solidFill>
-            <a:schemeClr val="bg1">
-              <a:lumMod val="95000"/>
-            </a:schemeClr>
-          </a:solidFill>
-          <a:ln>
-            <a:noFill/>
-          </a:ln>
+            <a:off x="825479" y="1307847"/>
+            <a:ext cx="10697797" cy="3171785"/>
+          </a:xfrm>
+          <a:prstGeom prst="bracketPair">
+            <a:avLst>
+              <a:gd name="adj" fmla="val 12319"/>
+            </a:avLst>
+          </a:prstGeom>
         </p:spPr>
         <p:style>
-          <a:lnRef idx="2">
-            <a:schemeClr val="accent1">
-              <a:shade val="50000"/>
-            </a:schemeClr>
+          <a:lnRef idx="1">
+            <a:schemeClr val="accent1"/>
           </a:lnRef>
-          <a:fillRef idx="1">
+          <a:fillRef idx="0">
             <a:schemeClr val="accent1"/>
           </a:fillRef>
           <a:effectRef idx="0">
             <a:schemeClr val="accent1"/>
           </a:effectRef>
           <a:fontRef idx="minor">
-            <a:schemeClr val="lt1"/>
+            <a:schemeClr val="tx1"/>
           </a:fontRef>
         </p:style>
         <p:txBody>
@@ -2313,224 +2408,10 @@
       </p:sp>
       <p:sp>
         <p:nvSpPr>
-          <p:cNvPr id="8" name="직사각형 7">
-            <a:extLst>
-              <a:ext uri="{FF2B5EF4-FFF2-40B4-BE49-F238E27FC236}">
-                <a16:creationId xmlns:a16="http://schemas.microsoft.com/office/drawing/2014/main" id="{CB14CA69-AC0A-08E9-4F23-7BB79665F08E}"/>
-              </a:ext>
-            </a:extLst>
-          </p:cNvPr>
-          <p:cNvSpPr/>
-          <p:nvPr/>
-        </p:nvSpPr>
-        <p:spPr>
-          <a:xfrm>
-            <a:off x="928225" y="2036556"/>
-            <a:ext cx="2041451" cy="604280"/>
-          </a:xfrm>
-          <a:prstGeom prst="rect">
-            <a:avLst/>
-          </a:prstGeom>
-          <a:solidFill>
-            <a:schemeClr val="accent1"/>
-          </a:solidFill>
-          <a:ln>
-            <a:noFill/>
-          </a:ln>
-        </p:spPr>
-        <p:style>
-          <a:lnRef idx="2">
-            <a:schemeClr val="accent1">
-              <a:shade val="50000"/>
-            </a:schemeClr>
-          </a:lnRef>
-          <a:fillRef idx="1">
-            <a:schemeClr val="accent1"/>
-          </a:fillRef>
-          <a:effectRef idx="0">
-            <a:schemeClr val="accent1"/>
-          </a:effectRef>
-          <a:fontRef idx="minor">
-            <a:schemeClr val="lt1"/>
-          </a:fontRef>
-        </p:style>
-        <p:txBody>
-          <a:bodyPr rtlCol="0" anchor="ctr"/>
-          <a:lstStyle/>
-          <a:p>
-            <a:pPr algn="ctr"/>
-            <a:endParaRPr lang="ko-KR" altLang="en-US"/>
-          </a:p>
-        </p:txBody>
-      </p:sp>
-      <p:sp>
-        <p:nvSpPr>
-          <p:cNvPr id="12" name="직사각형 11">
-            <a:extLst>
-              <a:ext uri="{FF2B5EF4-FFF2-40B4-BE49-F238E27FC236}">
-                <a16:creationId xmlns:a16="http://schemas.microsoft.com/office/drawing/2014/main" id="{725BD0A7-993A-AECA-DDB1-59A77F7EDFD9}"/>
-              </a:ext>
-            </a:extLst>
-          </p:cNvPr>
-          <p:cNvSpPr/>
-          <p:nvPr/>
-        </p:nvSpPr>
-        <p:spPr>
-          <a:xfrm>
-            <a:off x="9203900" y="2036558"/>
-            <a:ext cx="2041451" cy="3508786"/>
-          </a:xfrm>
-          <a:prstGeom prst="rect">
-            <a:avLst/>
-          </a:prstGeom>
-          <a:solidFill>
-            <a:schemeClr val="bg1">
-              <a:lumMod val="95000"/>
-            </a:schemeClr>
-          </a:solidFill>
-          <a:ln>
-            <a:noFill/>
-          </a:ln>
-        </p:spPr>
-        <p:style>
-          <a:lnRef idx="2">
-            <a:schemeClr val="accent1">
-              <a:shade val="50000"/>
-            </a:schemeClr>
-          </a:lnRef>
-          <a:fillRef idx="1">
-            <a:schemeClr val="accent1"/>
-          </a:fillRef>
-          <a:effectRef idx="0">
-            <a:schemeClr val="accent1"/>
-          </a:effectRef>
-          <a:fontRef idx="minor">
-            <a:schemeClr val="lt1"/>
-          </a:fontRef>
-        </p:style>
-        <p:txBody>
-          <a:bodyPr rtlCol="0" anchor="ctr"/>
-          <a:lstStyle/>
-          <a:p>
-            <a:pPr algn="ctr"/>
-            <a:endParaRPr lang="ko-KR" altLang="en-US"/>
-          </a:p>
-        </p:txBody>
-      </p:sp>
-      <p:sp>
-        <p:nvSpPr>
-          <p:cNvPr id="15" name="직사각형 14">
-            <a:extLst>
-              <a:ext uri="{FF2B5EF4-FFF2-40B4-BE49-F238E27FC236}">
-                <a16:creationId xmlns:a16="http://schemas.microsoft.com/office/drawing/2014/main" id="{CED7BA80-AEE4-BB6C-4C7F-C064BF9116A8}"/>
-              </a:ext>
-            </a:extLst>
-          </p:cNvPr>
-          <p:cNvSpPr/>
-          <p:nvPr/>
-        </p:nvSpPr>
-        <p:spPr>
-          <a:xfrm>
-            <a:off x="3686783" y="2036558"/>
-            <a:ext cx="2041451" cy="3508786"/>
-          </a:xfrm>
-          <a:prstGeom prst="rect">
-            <a:avLst/>
-          </a:prstGeom>
-          <a:solidFill>
-            <a:schemeClr val="bg1">
-              <a:lumMod val="95000"/>
-            </a:schemeClr>
-          </a:solidFill>
-          <a:ln>
-            <a:noFill/>
-          </a:ln>
-        </p:spPr>
-        <p:style>
-          <a:lnRef idx="2">
-            <a:schemeClr val="accent1">
-              <a:shade val="50000"/>
-            </a:schemeClr>
-          </a:lnRef>
-          <a:fillRef idx="1">
-            <a:schemeClr val="accent1"/>
-          </a:fillRef>
-          <a:effectRef idx="0">
-            <a:schemeClr val="accent1"/>
-          </a:effectRef>
-          <a:fontRef idx="minor">
-            <a:schemeClr val="lt1"/>
-          </a:fontRef>
-        </p:style>
-        <p:txBody>
-          <a:bodyPr rtlCol="0" anchor="ctr"/>
-          <a:lstStyle/>
-          <a:p>
-            <a:pPr algn="ctr"/>
-            <a:endParaRPr lang="ko-KR" altLang="en-US"/>
-          </a:p>
-        </p:txBody>
-      </p:sp>
-      <p:sp>
-        <p:nvSpPr>
-          <p:cNvPr id="16" name="직사각형 15">
-            <a:extLst>
-              <a:ext uri="{FF2B5EF4-FFF2-40B4-BE49-F238E27FC236}">
-                <a16:creationId xmlns:a16="http://schemas.microsoft.com/office/drawing/2014/main" id="{58A95604-B5F4-104D-A859-3B9A5FD76EE6}"/>
-              </a:ext>
-            </a:extLst>
-          </p:cNvPr>
-          <p:cNvSpPr/>
-          <p:nvPr/>
-        </p:nvSpPr>
-        <p:spPr>
-          <a:xfrm>
-            <a:off x="6445341" y="2036558"/>
-            <a:ext cx="2041451" cy="3508786"/>
-          </a:xfrm>
-          <a:prstGeom prst="rect">
-            <a:avLst/>
-          </a:prstGeom>
-          <a:solidFill>
-            <a:schemeClr val="bg1">
-              <a:lumMod val="95000"/>
-            </a:schemeClr>
-          </a:solidFill>
-          <a:ln>
-            <a:noFill/>
-          </a:ln>
-        </p:spPr>
-        <p:style>
-          <a:lnRef idx="2">
-            <a:schemeClr val="accent1">
-              <a:shade val="50000"/>
-            </a:schemeClr>
-          </a:lnRef>
-          <a:fillRef idx="1">
-            <a:schemeClr val="accent1"/>
-          </a:fillRef>
-          <a:effectRef idx="0">
-            <a:schemeClr val="accent1"/>
-          </a:effectRef>
-          <a:fontRef idx="minor">
-            <a:schemeClr val="lt1"/>
-          </a:fontRef>
-        </p:style>
-        <p:txBody>
-          <a:bodyPr rtlCol="0" anchor="ctr"/>
-          <a:lstStyle/>
-          <a:p>
-            <a:pPr algn="ctr"/>
-            <a:endParaRPr lang="ko-KR" altLang="en-US"/>
-          </a:p>
-        </p:txBody>
-      </p:sp>
-      <p:sp>
-        <p:nvSpPr>
-          <p:cNvPr id="20" name="TextBox 19">
-            <a:extLst>
-              <a:ext uri="{FF2B5EF4-FFF2-40B4-BE49-F238E27FC236}">
-                <a16:creationId xmlns:a16="http://schemas.microsoft.com/office/drawing/2014/main" id="{460E2841-6380-7431-9648-D825435012F9}"/>
+          <p:cNvPr id="14" name="TextBox 13">
+            <a:extLst>
+              <a:ext uri="{FF2B5EF4-FFF2-40B4-BE49-F238E27FC236}">
+                <a16:creationId xmlns:a16="http://schemas.microsoft.com/office/drawing/2014/main" id="{22C4C9CA-FF2A-9FA9-7B1E-C6740F416733}"/>
               </a:ext>
             </a:extLst>
           </p:cNvPr>
@@ -2539,330 +2420,8 @@
         </p:nvSpPr>
         <p:spPr>
           <a:xfrm>
-            <a:off x="1223913" y="2151529"/>
-            <a:ext cx="1418978" cy="369332"/>
-          </a:xfrm>
-          <a:prstGeom prst="rect">
-            <a:avLst/>
-          </a:prstGeom>
-          <a:noFill/>
-        </p:spPr>
-        <p:txBody>
-          <a:bodyPr wrap="none" rtlCol="0">
-            <a:spAutoFit/>
-          </a:bodyPr>
-          <a:lstStyle/>
-          <a:p>
-            <a:pPr algn="ctr"/>
-            <a:r>
-              <a:rPr lang="ko-KR" altLang="en-US" dirty="0">
-                <a:solidFill>
-                  <a:schemeClr val="bg1">
-                    <a:lumMod val="95000"/>
-                  </a:schemeClr>
-                </a:solidFill>
-              </a:rPr>
-              <a:t>기초 </a:t>
-            </a:r>
-            <a:r>
-              <a:rPr lang="en-US" altLang="ko-KR" dirty="0">
-                <a:solidFill>
-                  <a:schemeClr val="bg1">
-                    <a:lumMod val="95000"/>
-                  </a:schemeClr>
-                </a:solidFill>
-              </a:rPr>
-              <a:t>UI </a:t>
-            </a:r>
-            <a:r>
-              <a:rPr lang="ko-KR" altLang="en-US" dirty="0">
-                <a:solidFill>
-                  <a:schemeClr val="bg1">
-                    <a:lumMod val="95000"/>
-                  </a:schemeClr>
-                </a:solidFill>
-              </a:rPr>
-              <a:t>제작</a:t>
-            </a:r>
-          </a:p>
-        </p:txBody>
-      </p:sp>
-      <p:sp>
-        <p:nvSpPr>
-          <p:cNvPr id="21" name="직사각형 20">
-            <a:extLst>
-              <a:ext uri="{FF2B5EF4-FFF2-40B4-BE49-F238E27FC236}">
-                <a16:creationId xmlns:a16="http://schemas.microsoft.com/office/drawing/2014/main" id="{C0A21319-7872-29B1-B806-B0001D41BE08}"/>
-              </a:ext>
-            </a:extLst>
-          </p:cNvPr>
-          <p:cNvSpPr/>
-          <p:nvPr/>
-        </p:nvSpPr>
-        <p:spPr>
-          <a:xfrm>
-            <a:off x="3686782" y="2036556"/>
-            <a:ext cx="2041451" cy="604280"/>
-          </a:xfrm>
-          <a:prstGeom prst="rect">
-            <a:avLst/>
-          </a:prstGeom>
-          <a:solidFill>
-            <a:schemeClr val="accent1"/>
-          </a:solidFill>
-          <a:ln>
-            <a:noFill/>
-          </a:ln>
-        </p:spPr>
-        <p:style>
-          <a:lnRef idx="2">
-            <a:schemeClr val="accent1">
-              <a:shade val="50000"/>
-            </a:schemeClr>
-          </a:lnRef>
-          <a:fillRef idx="1">
-            <a:schemeClr val="accent1"/>
-          </a:fillRef>
-          <a:effectRef idx="0">
-            <a:schemeClr val="accent1"/>
-          </a:effectRef>
-          <a:fontRef idx="minor">
-            <a:schemeClr val="lt1"/>
-          </a:fontRef>
-        </p:style>
-        <p:txBody>
-          <a:bodyPr rtlCol="0" anchor="ctr"/>
-          <a:lstStyle/>
-          <a:p>
-            <a:pPr algn="ctr"/>
-            <a:endParaRPr lang="ko-KR" altLang="en-US"/>
-          </a:p>
-        </p:txBody>
-      </p:sp>
-      <p:sp>
-        <p:nvSpPr>
-          <p:cNvPr id="22" name="TextBox 21">
-            <a:extLst>
-              <a:ext uri="{FF2B5EF4-FFF2-40B4-BE49-F238E27FC236}">
-                <a16:creationId xmlns:a16="http://schemas.microsoft.com/office/drawing/2014/main" id="{AB0B2700-3A77-5AF5-7D1D-988C3845819C}"/>
-              </a:ext>
-            </a:extLst>
-          </p:cNvPr>
-          <p:cNvSpPr txBox="1"/>
-          <p:nvPr/>
-        </p:nvSpPr>
-        <p:spPr>
-          <a:xfrm>
-            <a:off x="3903922" y="2151529"/>
-            <a:ext cx="1622560" cy="369332"/>
-          </a:xfrm>
-          <a:prstGeom prst="rect">
-            <a:avLst/>
-          </a:prstGeom>
-          <a:noFill/>
-        </p:spPr>
-        <p:txBody>
-          <a:bodyPr wrap="none" rtlCol="0">
-            <a:spAutoFit/>
-          </a:bodyPr>
-          <a:lstStyle/>
-          <a:p>
-            <a:pPr algn="ctr"/>
-            <a:r>
-              <a:rPr lang="ko-KR" altLang="en-US" dirty="0">
-                <a:solidFill>
-                  <a:schemeClr val="bg1">
-                    <a:lumMod val="95000"/>
-                  </a:schemeClr>
-                </a:solidFill>
-              </a:rPr>
-              <a:t>스크립트 제작</a:t>
-            </a:r>
-          </a:p>
-        </p:txBody>
-      </p:sp>
-      <p:sp>
-        <p:nvSpPr>
-          <p:cNvPr id="23" name="직사각형 22">
-            <a:extLst>
-              <a:ext uri="{FF2B5EF4-FFF2-40B4-BE49-F238E27FC236}">
-                <a16:creationId xmlns:a16="http://schemas.microsoft.com/office/drawing/2014/main" id="{0A85EB65-0003-2F17-542A-CC9E84B04303}"/>
-              </a:ext>
-            </a:extLst>
-          </p:cNvPr>
-          <p:cNvSpPr/>
-          <p:nvPr/>
-        </p:nvSpPr>
-        <p:spPr>
-          <a:xfrm>
-            <a:off x="6445339" y="2036556"/>
-            <a:ext cx="2041451" cy="604280"/>
-          </a:xfrm>
-          <a:prstGeom prst="rect">
-            <a:avLst/>
-          </a:prstGeom>
-          <a:solidFill>
-            <a:schemeClr val="accent1"/>
-          </a:solidFill>
-          <a:ln>
-            <a:noFill/>
-          </a:ln>
-        </p:spPr>
-        <p:style>
-          <a:lnRef idx="2">
-            <a:schemeClr val="accent1">
-              <a:shade val="50000"/>
-            </a:schemeClr>
-          </a:lnRef>
-          <a:fillRef idx="1">
-            <a:schemeClr val="accent1"/>
-          </a:fillRef>
-          <a:effectRef idx="0">
-            <a:schemeClr val="accent1"/>
-          </a:effectRef>
-          <a:fontRef idx="minor">
-            <a:schemeClr val="lt1"/>
-          </a:fontRef>
-        </p:style>
-        <p:txBody>
-          <a:bodyPr rtlCol="0" anchor="ctr"/>
-          <a:lstStyle/>
-          <a:p>
-            <a:pPr algn="ctr"/>
-            <a:endParaRPr lang="ko-KR" altLang="en-US"/>
-          </a:p>
-        </p:txBody>
-      </p:sp>
-      <p:sp>
-        <p:nvSpPr>
-          <p:cNvPr id="24" name="TextBox 23">
-            <a:extLst>
-              <a:ext uri="{FF2B5EF4-FFF2-40B4-BE49-F238E27FC236}">
-                <a16:creationId xmlns:a16="http://schemas.microsoft.com/office/drawing/2014/main" id="{BCD0F507-8F25-C68A-53F8-B015418C19AD}"/>
-              </a:ext>
-            </a:extLst>
-          </p:cNvPr>
-          <p:cNvSpPr txBox="1"/>
-          <p:nvPr/>
-        </p:nvSpPr>
-        <p:spPr>
-          <a:xfrm>
-            <a:off x="6592396" y="2151529"/>
-            <a:ext cx="1764330" cy="369332"/>
-          </a:xfrm>
-          <a:prstGeom prst="rect">
-            <a:avLst/>
-          </a:prstGeom>
-          <a:noFill/>
-        </p:spPr>
-        <p:txBody>
-          <a:bodyPr wrap="none" rtlCol="0">
-            <a:spAutoFit/>
-          </a:bodyPr>
-          <a:lstStyle/>
-          <a:p>
-            <a:pPr algn="ctr"/>
-            <a:r>
-              <a:rPr lang="ko-KR" altLang="en-US" dirty="0">
-                <a:solidFill>
-                  <a:schemeClr val="bg1">
-                    <a:lumMod val="95000"/>
-                  </a:schemeClr>
-                </a:solidFill>
-              </a:rPr>
-              <a:t>필요 </a:t>
-            </a:r>
-            <a:r>
-              <a:rPr lang="en-US" altLang="ko-KR" dirty="0">
-                <a:solidFill>
-                  <a:schemeClr val="bg1">
-                    <a:lumMod val="95000"/>
-                  </a:schemeClr>
-                </a:solidFill>
-              </a:rPr>
-              <a:t>Sprite </a:t>
-            </a:r>
-            <a:r>
-              <a:rPr lang="ko-KR" altLang="en-US" dirty="0">
-                <a:solidFill>
-                  <a:schemeClr val="bg1">
-                    <a:lumMod val="95000"/>
-                  </a:schemeClr>
-                </a:solidFill>
-              </a:rPr>
-              <a:t>제작</a:t>
-            </a:r>
-          </a:p>
-        </p:txBody>
-      </p:sp>
-      <p:sp>
-        <p:nvSpPr>
-          <p:cNvPr id="25" name="직사각형 24">
-            <a:extLst>
-              <a:ext uri="{FF2B5EF4-FFF2-40B4-BE49-F238E27FC236}">
-                <a16:creationId xmlns:a16="http://schemas.microsoft.com/office/drawing/2014/main" id="{B5773847-1711-DAE2-301F-57551C85F016}"/>
-              </a:ext>
-            </a:extLst>
-          </p:cNvPr>
-          <p:cNvSpPr/>
-          <p:nvPr/>
-        </p:nvSpPr>
-        <p:spPr>
-          <a:xfrm>
-            <a:off x="9203896" y="2036556"/>
-            <a:ext cx="2041451" cy="604280"/>
-          </a:xfrm>
-          <a:prstGeom prst="rect">
-            <a:avLst/>
-          </a:prstGeom>
-          <a:solidFill>
-            <a:schemeClr val="accent1"/>
-          </a:solidFill>
-          <a:ln>
-            <a:noFill/>
-          </a:ln>
-        </p:spPr>
-        <p:style>
-          <a:lnRef idx="2">
-            <a:schemeClr val="accent1">
-              <a:shade val="50000"/>
-            </a:schemeClr>
-          </a:lnRef>
-          <a:fillRef idx="1">
-            <a:schemeClr val="accent1"/>
-          </a:fillRef>
-          <a:effectRef idx="0">
-            <a:schemeClr val="accent1"/>
-          </a:effectRef>
-          <a:fontRef idx="minor">
-            <a:schemeClr val="lt1"/>
-          </a:fontRef>
-        </p:style>
-        <p:txBody>
-          <a:bodyPr rtlCol="0" anchor="ctr"/>
-          <a:lstStyle/>
-          <a:p>
-            <a:pPr algn="ctr"/>
-            <a:endParaRPr lang="ko-KR" altLang="en-US"/>
-          </a:p>
-        </p:txBody>
-      </p:sp>
-      <p:sp>
-        <p:nvSpPr>
-          <p:cNvPr id="26" name="TextBox 25">
-            <a:extLst>
-              <a:ext uri="{FF2B5EF4-FFF2-40B4-BE49-F238E27FC236}">
-                <a16:creationId xmlns:a16="http://schemas.microsoft.com/office/drawing/2014/main" id="{B1830B27-BD51-F594-81A0-C2ED8BE0B631}"/>
-              </a:ext>
-            </a:extLst>
-          </p:cNvPr>
-          <p:cNvSpPr txBox="1"/>
-          <p:nvPr/>
-        </p:nvSpPr>
-        <p:spPr>
-          <a:xfrm>
-            <a:off x="9316710" y="2106499"/>
-            <a:ext cx="1815819" cy="461665"/>
+            <a:off x="3556910" y="5749391"/>
+            <a:ext cx="4967690" cy="404396"/>
           </a:xfrm>
           <a:prstGeom prst="rect">
             <a:avLst/>
@@ -2877,44 +2436,91 @@
           <a:p>
             <a:pPr algn="ctr"/>
             <a:r>
-              <a:rPr lang="ko-KR" altLang="en-US" sz="1200" dirty="0">
-                <a:solidFill>
-                  <a:schemeClr val="bg1">
-                    <a:lumMod val="95000"/>
-                  </a:schemeClr>
-                </a:solidFill>
-              </a:rPr>
-              <a:t>스토리</a:t>
-            </a:r>
-            <a:r>
-              <a:rPr lang="en-US" altLang="ko-KR" sz="1200" dirty="0">
-                <a:solidFill>
-                  <a:schemeClr val="bg1">
-                    <a:lumMod val="95000"/>
-                  </a:schemeClr>
-                </a:solidFill>
-              </a:rPr>
-              <a:t>, </a:t>
-            </a:r>
-            <a:r>
-              <a:rPr lang="ko-KR" altLang="en-US" sz="1200" dirty="0">
-                <a:solidFill>
-                  <a:schemeClr val="bg1">
-                    <a:lumMod val="95000"/>
-                  </a:schemeClr>
-                </a:solidFill>
-              </a:rPr>
-              <a:t>대사 등의 추가 요소 삽입</a:t>
-            </a:r>
-          </a:p>
-        </p:txBody>
-      </p:sp>
-      <p:sp>
-        <p:nvSpPr>
-          <p:cNvPr id="27" name="TextBox 26">
-            <a:extLst>
-              <a:ext uri="{FF2B5EF4-FFF2-40B4-BE49-F238E27FC236}">
-                <a16:creationId xmlns:a16="http://schemas.microsoft.com/office/drawing/2014/main" id="{A85073FC-1677-79D5-56A0-42129B4F2F45}"/>
+              <a:rPr lang="ko-KR" altLang="en-US" sz="2000" dirty="0"/>
+              <a:t>게임 </a:t>
+            </a:r>
+            <a:r>
+              <a:rPr lang="en-US" altLang="ko-KR" sz="2000" dirty="0"/>
+              <a:t>Event</a:t>
+            </a:r>
+            <a:r>
+              <a:rPr lang="ko-KR" altLang="en-US" sz="2000" dirty="0"/>
+              <a:t>를 관리하는 </a:t>
+            </a:r>
+            <a:r>
+              <a:rPr lang="en-US" altLang="ko-KR" sz="2000" dirty="0" err="1"/>
+              <a:t>EventHandler</a:t>
+            </a:r>
+            <a:endParaRPr lang="ko-KR" altLang="en-US" sz="2000" dirty="0"/>
+          </a:p>
+        </p:txBody>
+      </p:sp>
+      <p:pic>
+        <p:nvPicPr>
+          <p:cNvPr id="7" name="그림 6">
+            <a:extLst>
+              <a:ext uri="{FF2B5EF4-FFF2-40B4-BE49-F238E27FC236}">
+                <a16:creationId xmlns:a16="http://schemas.microsoft.com/office/drawing/2014/main" id="{536D4AAA-0703-604F-22CA-28FB0DD64EA1}"/>
+              </a:ext>
+            </a:extLst>
+          </p:cNvPr>
+          <p:cNvPicPr>
+            <a:picLocks noChangeAspect="1"/>
+          </p:cNvPicPr>
+          <p:nvPr/>
+        </p:nvPicPr>
+        <p:blipFill>
+          <a:blip r:embed="rId2"/>
+          <a:stretch>
+            <a:fillRect/>
+          </a:stretch>
+        </p:blipFill>
+        <p:spPr>
+          <a:xfrm>
+            <a:off x="1485013" y="1307847"/>
+            <a:ext cx="1951001" cy="1513954"/>
+          </a:xfrm>
+          <a:prstGeom prst="rect">
+            <a:avLst/>
+          </a:prstGeom>
+        </p:spPr>
+      </p:pic>
+      <p:pic>
+        <p:nvPicPr>
+          <p:cNvPr id="12" name="그림 11">
+            <a:extLst>
+              <a:ext uri="{FF2B5EF4-FFF2-40B4-BE49-F238E27FC236}">
+                <a16:creationId xmlns:a16="http://schemas.microsoft.com/office/drawing/2014/main" id="{8C67459E-0719-488B-AACD-EF972999537B}"/>
+              </a:ext>
+            </a:extLst>
+          </p:cNvPr>
+          <p:cNvPicPr>
+            <a:picLocks noChangeAspect="1"/>
+          </p:cNvPicPr>
+          <p:nvPr/>
+        </p:nvPicPr>
+        <p:blipFill>
+          <a:blip r:embed="rId3"/>
+          <a:stretch>
+            <a:fillRect/>
+          </a:stretch>
+        </p:blipFill>
+        <p:spPr>
+          <a:xfrm>
+            <a:off x="3838050" y="1307848"/>
+            <a:ext cx="1164116" cy="1513954"/>
+          </a:xfrm>
+          <a:prstGeom prst="rect">
+            <a:avLst/>
+          </a:prstGeom>
+        </p:spPr>
+      </p:pic>
+      <p:sp>
+        <p:nvSpPr>
+          <p:cNvPr id="13" name="TextBox 12">
+            <a:extLst>
+              <a:ext uri="{FF2B5EF4-FFF2-40B4-BE49-F238E27FC236}">
+                <a16:creationId xmlns:a16="http://schemas.microsoft.com/office/drawing/2014/main" id="{02237640-E2F9-DFF2-0A21-12B4B3E55C5C}"/>
               </a:ext>
             </a:extLst>
           </p:cNvPr>
@@ -2923,8 +2529,8 @@
         </p:nvSpPr>
         <p:spPr>
           <a:xfrm>
-            <a:off x="1097950" y="3273238"/>
-            <a:ext cx="1682895" cy="1624547"/>
+            <a:off x="5279491" y="1710590"/>
+            <a:ext cx="5296145" cy="707886"/>
           </a:xfrm>
           <a:prstGeom prst="rect">
             <a:avLst/>
@@ -2937,127 +2543,111 @@
           </a:bodyPr>
           <a:lstStyle/>
           <a:p>
-            <a:pPr algn="just">
-              <a:lnSpc>
-                <a:spcPct val="120000"/>
-              </a:lnSpc>
-            </a:pPr>
-            <a:r>
-              <a:rPr lang="ko-KR" altLang="en-US" sz="1400" dirty="0">
-                <a:solidFill>
-                  <a:schemeClr val="tx1">
-                    <a:lumMod val="75000"/>
-                    <a:lumOff val="25000"/>
-                  </a:schemeClr>
-                </a:solidFill>
-                <a:latin typeface="+mn-ea"/>
-              </a:rPr>
-              <a:t>대략적으로 예상되는 </a:t>
-            </a:r>
-            <a:r>
-              <a:rPr lang="en-US" altLang="ko-KR" sz="1400" dirty="0">
-                <a:solidFill>
-                  <a:schemeClr val="tx1">
-                    <a:lumMod val="75000"/>
-                    <a:lumOff val="25000"/>
-                  </a:schemeClr>
-                </a:solidFill>
-                <a:latin typeface="+mn-ea"/>
-              </a:rPr>
-              <a:t>Scene</a:t>
-            </a:r>
-            <a:r>
-              <a:rPr lang="ko-KR" altLang="en-US" sz="1400" dirty="0">
-                <a:solidFill>
-                  <a:schemeClr val="tx1">
-                    <a:lumMod val="75000"/>
-                    <a:lumOff val="25000"/>
-                  </a:schemeClr>
-                </a:solidFill>
-                <a:latin typeface="+mn-ea"/>
-              </a:rPr>
-              <a:t>의 수</a:t>
-            </a:r>
-            <a:r>
-              <a:rPr lang="en-US" altLang="ko-KR" sz="1400" dirty="0">
-                <a:solidFill>
-                  <a:schemeClr val="tx1">
-                    <a:lumMod val="75000"/>
-                    <a:lumOff val="25000"/>
-                  </a:schemeClr>
-                </a:solidFill>
-                <a:latin typeface="+mn-ea"/>
-              </a:rPr>
-              <a:t>: 5~ 10</a:t>
-            </a:r>
-          </a:p>
-          <a:p>
-            <a:pPr algn="just">
-              <a:lnSpc>
-                <a:spcPct val="120000"/>
-              </a:lnSpc>
-            </a:pPr>
-            <a:endParaRPr lang="en-US" altLang="ko-KR" sz="1400" dirty="0">
-              <a:solidFill>
-                <a:schemeClr val="tx1">
-                  <a:lumMod val="75000"/>
-                  <a:lumOff val="25000"/>
-                </a:schemeClr>
-              </a:solidFill>
-              <a:latin typeface="+mn-ea"/>
-            </a:endParaRPr>
-          </a:p>
-          <a:p>
-            <a:pPr algn="just">
-              <a:lnSpc>
-                <a:spcPct val="120000"/>
-              </a:lnSpc>
-            </a:pPr>
-            <a:r>
-              <a:rPr lang="ko-KR" altLang="en-US" sz="1400" dirty="0">
-                <a:solidFill>
-                  <a:schemeClr val="tx1">
-                    <a:lumMod val="75000"/>
-                    <a:lumOff val="25000"/>
-                  </a:schemeClr>
-                </a:solidFill>
-                <a:latin typeface="+mn-ea"/>
-              </a:rPr>
-              <a:t>해당 </a:t>
-            </a:r>
-            <a:r>
-              <a:rPr lang="en-US" altLang="ko-KR" sz="1400" dirty="0">
-                <a:solidFill>
-                  <a:schemeClr val="tx1">
-                    <a:lumMod val="75000"/>
-                    <a:lumOff val="25000"/>
-                  </a:schemeClr>
-                </a:solidFill>
-                <a:latin typeface="+mn-ea"/>
-              </a:rPr>
-              <a:t>Scene </a:t>
-            </a:r>
-            <a:r>
-              <a:rPr lang="ko-KR" altLang="en-US" sz="1400" dirty="0">
-                <a:solidFill>
-                  <a:schemeClr val="tx1">
-                    <a:lumMod val="75000"/>
-                    <a:lumOff val="25000"/>
-                  </a:schemeClr>
-                </a:solidFill>
-                <a:latin typeface="+mn-ea"/>
-              </a:rPr>
-              <a:t>들의 제작</a:t>
-            </a:r>
-          </a:p>
-        </p:txBody>
-      </p:sp>
-      <p:sp>
-        <p:nvSpPr>
-          <p:cNvPr id="29" name="TextBox 28">
-            <a:extLst>
-              <a:ext uri="{FF2B5EF4-FFF2-40B4-BE49-F238E27FC236}">
-                <a16:creationId xmlns:a16="http://schemas.microsoft.com/office/drawing/2014/main" id="{BEE35F72-1B20-8DBA-CA93-8C7F15DCBFCA}"/>
+            <a:r>
+              <a:rPr lang="en-US" altLang="ko-KR" sz="2000" dirty="0"/>
+              <a:t>- Json </a:t>
+            </a:r>
+            <a:r>
+              <a:rPr lang="ko-KR" altLang="en-US" sz="2000" dirty="0"/>
+              <a:t>파일에서 </a:t>
+            </a:r>
+            <a:r>
+              <a:rPr lang="en-US" altLang="ko-KR" sz="2000" dirty="0"/>
+              <a:t>Event</a:t>
+            </a:r>
+            <a:r>
+              <a:rPr lang="ko-KR" altLang="en-US" sz="2000" dirty="0"/>
+              <a:t>를 읽어 </a:t>
+            </a:r>
+            <a:r>
+              <a:rPr lang="en-US" altLang="ko-KR" sz="2000" dirty="0"/>
+              <a:t>List</a:t>
+            </a:r>
+            <a:r>
+              <a:rPr lang="ko-KR" altLang="en-US" sz="2000" dirty="0"/>
+              <a:t>화 시킴</a:t>
+            </a:r>
+            <a:r>
+              <a:rPr lang="en-US" altLang="ko-KR" sz="2000" dirty="0"/>
+              <a:t>, </a:t>
+            </a:r>
+            <a:r>
+              <a:rPr lang="en-US" altLang="ko-KR" sz="2000" dirty="0" err="1"/>
+              <a:t>CurrentEvent</a:t>
+            </a:r>
+            <a:r>
+              <a:rPr lang="ko-KR" altLang="en-US" sz="2000" dirty="0"/>
+              <a:t>로 설정</a:t>
+            </a:r>
+          </a:p>
+        </p:txBody>
+      </p:sp>
+      <p:pic>
+        <p:nvPicPr>
+          <p:cNvPr id="16" name="그림 15">
+            <a:extLst>
+              <a:ext uri="{FF2B5EF4-FFF2-40B4-BE49-F238E27FC236}">
+                <a16:creationId xmlns:a16="http://schemas.microsoft.com/office/drawing/2014/main" id="{37F5E4C8-881B-5608-0805-BE9FFCE2D31D}"/>
+              </a:ext>
+            </a:extLst>
+          </p:cNvPr>
+          <p:cNvPicPr>
+            <a:picLocks noChangeAspect="1"/>
+          </p:cNvPicPr>
+          <p:nvPr/>
+        </p:nvPicPr>
+        <p:blipFill>
+          <a:blip r:embed="rId4"/>
+          <a:stretch>
+            <a:fillRect/>
+          </a:stretch>
+        </p:blipFill>
+        <p:spPr>
+          <a:xfrm>
+            <a:off x="1537275" y="3169379"/>
+            <a:ext cx="1824762" cy="1442957"/>
+          </a:xfrm>
+          <a:prstGeom prst="rect">
+            <a:avLst/>
+          </a:prstGeom>
+        </p:spPr>
+      </p:pic>
+      <p:pic>
+        <p:nvPicPr>
+          <p:cNvPr id="18" name="그림 17">
+            <a:extLst>
+              <a:ext uri="{FF2B5EF4-FFF2-40B4-BE49-F238E27FC236}">
+                <a16:creationId xmlns:a16="http://schemas.microsoft.com/office/drawing/2014/main" id="{7335EF01-04E5-196D-39AD-766763E1A1F5}"/>
+              </a:ext>
+            </a:extLst>
+          </p:cNvPr>
+          <p:cNvPicPr>
+            <a:picLocks noChangeAspect="1"/>
+          </p:cNvPicPr>
+          <p:nvPr/>
+        </p:nvPicPr>
+        <p:blipFill>
+          <a:blip r:embed="rId5"/>
+          <a:stretch>
+            <a:fillRect/>
+          </a:stretch>
+        </p:blipFill>
+        <p:spPr>
+          <a:xfrm>
+            <a:off x="9912542" y="1335904"/>
+            <a:ext cx="1164116" cy="1586268"/>
+          </a:xfrm>
+          <a:prstGeom prst="rect">
+            <a:avLst/>
+          </a:prstGeom>
+        </p:spPr>
+      </p:pic>
+      <p:sp>
+        <p:nvSpPr>
+          <p:cNvPr id="19" name="TextBox 18">
+            <a:extLst>
+              <a:ext uri="{FF2B5EF4-FFF2-40B4-BE49-F238E27FC236}">
+                <a16:creationId xmlns:a16="http://schemas.microsoft.com/office/drawing/2014/main" id="{2F9796FE-B27E-03A4-AB9E-B49EBD573EE4}"/>
               </a:ext>
             </a:extLst>
           </p:cNvPr>
@@ -3066,8 +2656,8 @@
         </p:nvSpPr>
         <p:spPr>
           <a:xfrm>
-            <a:off x="6615067" y="3273238"/>
-            <a:ext cx="1682895" cy="1883080"/>
+            <a:off x="9936746" y="2946551"/>
+            <a:ext cx="3699167" cy="246221"/>
           </a:xfrm>
           <a:prstGeom prst="rect">
             <a:avLst/>
@@ -3080,169 +2670,36 @@
           </a:bodyPr>
           <a:lstStyle/>
           <a:p>
-            <a:pPr algn="just">
-              <a:lnSpc>
-                <a:spcPct val="120000"/>
-              </a:lnSpc>
-            </a:pPr>
-            <a:r>
-              <a:rPr lang="ko-KR" altLang="en-US" sz="1400" dirty="0">
-                <a:solidFill>
-                  <a:schemeClr val="tx1">
-                    <a:lumMod val="75000"/>
-                    <a:lumOff val="25000"/>
-                  </a:schemeClr>
-                </a:solidFill>
-                <a:latin typeface="+mn-ea"/>
-              </a:rPr>
-              <a:t>다양한 </a:t>
-            </a:r>
-            <a:r>
-              <a:rPr lang="en-US" altLang="ko-KR" sz="1400" dirty="0" err="1">
-                <a:solidFill>
-                  <a:schemeClr val="tx1">
-                    <a:lumMod val="75000"/>
-                    <a:lumOff val="25000"/>
-                  </a:schemeClr>
-                </a:solidFill>
-                <a:latin typeface="+mn-ea"/>
-              </a:rPr>
-              <a:t>GameObject</a:t>
-            </a:r>
-            <a:r>
-              <a:rPr lang="ko-KR" altLang="en-US" sz="1400" dirty="0">
-                <a:solidFill>
-                  <a:schemeClr val="tx1">
-                    <a:lumMod val="75000"/>
-                    <a:lumOff val="25000"/>
-                  </a:schemeClr>
-                </a:solidFill>
-                <a:latin typeface="+mn-ea"/>
-              </a:rPr>
-              <a:t>들에 사용될 </a:t>
-            </a:r>
-            <a:r>
-              <a:rPr lang="en-US" altLang="ko-KR" sz="1400" dirty="0">
-                <a:solidFill>
-                  <a:schemeClr val="tx1">
-                    <a:lumMod val="75000"/>
-                    <a:lumOff val="25000"/>
-                  </a:schemeClr>
-                </a:solidFill>
-                <a:latin typeface="+mn-ea"/>
-              </a:rPr>
-              <a:t>Sprite</a:t>
-            </a:r>
-            <a:r>
-              <a:rPr lang="ko-KR" altLang="en-US" sz="1400" dirty="0">
-                <a:solidFill>
-                  <a:schemeClr val="tx1">
-                    <a:lumMod val="75000"/>
-                    <a:lumOff val="25000"/>
-                  </a:schemeClr>
-                </a:solidFill>
-                <a:latin typeface="+mn-ea"/>
-              </a:rPr>
-              <a:t>의 제작</a:t>
-            </a:r>
-            <a:endParaRPr lang="en-US" altLang="ko-KR" sz="1400" dirty="0">
-              <a:solidFill>
-                <a:schemeClr val="tx1">
-                  <a:lumMod val="75000"/>
-                  <a:lumOff val="25000"/>
-                </a:schemeClr>
-              </a:solidFill>
-              <a:latin typeface="+mn-ea"/>
-            </a:endParaRPr>
-          </a:p>
-          <a:p>
-            <a:pPr algn="just">
-              <a:lnSpc>
-                <a:spcPct val="120000"/>
-              </a:lnSpc>
-            </a:pPr>
-            <a:endParaRPr lang="en-US" altLang="ko-KR" sz="1400" dirty="0">
-              <a:solidFill>
-                <a:schemeClr val="tx1">
-                  <a:lumMod val="75000"/>
-                  <a:lumOff val="25000"/>
-                </a:schemeClr>
-              </a:solidFill>
-              <a:latin typeface="+mn-ea"/>
-            </a:endParaRPr>
-          </a:p>
-          <a:p>
-            <a:pPr algn="just">
-              <a:lnSpc>
-                <a:spcPct val="120000"/>
-              </a:lnSpc>
-            </a:pPr>
-            <a:r>
-              <a:rPr lang="ko-KR" altLang="en-US" sz="1400" dirty="0">
-                <a:solidFill>
-                  <a:schemeClr val="tx1">
-                    <a:lumMod val="75000"/>
-                    <a:lumOff val="25000"/>
-                  </a:schemeClr>
-                </a:solidFill>
-                <a:latin typeface="+mn-ea"/>
-              </a:rPr>
-              <a:t>픽셀 아트 제작 프로그램인 </a:t>
-            </a:r>
-            <a:r>
-              <a:rPr lang="en-US" altLang="ko-KR" sz="1400" dirty="0" err="1">
-                <a:solidFill>
-                  <a:schemeClr val="tx1">
-                    <a:lumMod val="75000"/>
-                    <a:lumOff val="25000"/>
-                  </a:schemeClr>
-                </a:solidFill>
-                <a:latin typeface="+mn-ea"/>
-              </a:rPr>
-              <a:t>Aseprite</a:t>
-            </a:r>
-            <a:r>
-              <a:rPr lang="ko-KR" altLang="en-US" sz="1400" dirty="0">
-                <a:solidFill>
-                  <a:schemeClr val="tx1">
-                    <a:lumMod val="75000"/>
-                    <a:lumOff val="25000"/>
-                  </a:schemeClr>
-                </a:solidFill>
-                <a:latin typeface="+mn-ea"/>
-              </a:rPr>
-              <a:t>를 이용할 예정</a:t>
-            </a:r>
-            <a:r>
-              <a:rPr lang="en-US" altLang="ko-KR" sz="1400" dirty="0">
-                <a:solidFill>
-                  <a:schemeClr val="tx1">
-                    <a:lumMod val="75000"/>
-                    <a:lumOff val="25000"/>
-                  </a:schemeClr>
-                </a:solidFill>
-                <a:latin typeface="+mn-ea"/>
-              </a:rPr>
-              <a:t> </a:t>
-            </a:r>
-            <a:endParaRPr lang="ko-KR" altLang="en-US" sz="1400" dirty="0">
-              <a:solidFill>
-                <a:schemeClr val="tx1">
-                  <a:lumMod val="75000"/>
-                  <a:lumOff val="25000"/>
-                </a:schemeClr>
-              </a:solidFill>
-              <a:latin typeface="+mn-ea"/>
-            </a:endParaRPr>
-          </a:p>
-        </p:txBody>
-      </p:sp>
-      <p:sp>
-        <p:nvSpPr>
-          <p:cNvPr id="32" name="TextBox 31">
-            <a:extLst>
-              <a:ext uri="{FF2B5EF4-FFF2-40B4-BE49-F238E27FC236}">
-                <a16:creationId xmlns:a16="http://schemas.microsoft.com/office/drawing/2014/main" id="{42888356-0D6A-7FA8-841A-6AAB6F2BEA6A}"/>
+            <a:r>
+              <a:rPr lang="en-US" altLang="ko-KR" sz="1000" dirty="0"/>
+              <a:t>Event</a:t>
+            </a:r>
+            <a:r>
+              <a:rPr lang="ko-KR" altLang="en-US" sz="1000" dirty="0"/>
+              <a:t>의 </a:t>
+            </a:r>
+            <a:r>
+              <a:rPr lang="en-US" altLang="ko-KR" sz="1000" dirty="0"/>
+              <a:t>Json </a:t>
+            </a:r>
+            <a:r>
+              <a:rPr lang="ko-KR" altLang="en-US" sz="1000" dirty="0"/>
+              <a:t>파일</a:t>
+            </a:r>
+            <a:r>
+              <a:rPr lang="en-US" altLang="ko-KR" sz="1000" dirty="0"/>
+              <a:t>.</a:t>
+            </a:r>
+            <a:endParaRPr lang="ko-KR" altLang="en-US" sz="1000" dirty="0"/>
+          </a:p>
+        </p:txBody>
+      </p:sp>
+      <p:sp>
+        <p:nvSpPr>
+          <p:cNvPr id="20" name="TextBox 19">
+            <a:extLst>
+              <a:ext uri="{FF2B5EF4-FFF2-40B4-BE49-F238E27FC236}">
+                <a16:creationId xmlns:a16="http://schemas.microsoft.com/office/drawing/2014/main" id="{E0DBAAE0-A807-B313-3588-6FCA829B1D71}"/>
               </a:ext>
             </a:extLst>
           </p:cNvPr>
@@ -3251,8 +2708,8 @@
         </p:nvSpPr>
         <p:spPr>
           <a:xfrm>
-            <a:off x="3873752" y="3280816"/>
-            <a:ext cx="1682895" cy="1624547"/>
+            <a:off x="5780513" y="3296925"/>
+            <a:ext cx="5296145" cy="1323439"/>
           </a:xfrm>
           <a:prstGeom prst="rect">
             <a:avLst/>
@@ -3265,271 +2722,116 @@
           </a:bodyPr>
           <a:lstStyle/>
           <a:p>
-            <a:pPr algn="just">
-              <a:lnSpc>
-                <a:spcPct val="120000"/>
-              </a:lnSpc>
+            <a:pPr marL="342900" indent="-342900">
+              <a:buFontTx/>
+              <a:buChar char="-"/>
             </a:pPr>
             <a:r>
-              <a:rPr lang="en-US" altLang="ko-KR" sz="1400" dirty="0" err="1">
-                <a:solidFill>
-                  <a:schemeClr val="tx1">
-                    <a:lumMod val="75000"/>
-                    <a:lumOff val="25000"/>
-                  </a:schemeClr>
-                </a:solidFill>
-                <a:latin typeface="+mn-ea"/>
-              </a:rPr>
-              <a:t>GameObject</a:t>
-            </a:r>
-            <a:r>
-              <a:rPr lang="ko-KR" altLang="en-US" sz="1400" dirty="0">
-                <a:solidFill>
-                  <a:schemeClr val="tx1">
-                    <a:lumMod val="75000"/>
-                    <a:lumOff val="25000"/>
-                  </a:schemeClr>
-                </a:solidFill>
-                <a:latin typeface="+mn-ea"/>
-              </a:rPr>
-              <a:t>들의 행동 </a:t>
-            </a:r>
-            <a:r>
-              <a:rPr lang="en-US" altLang="ko-KR" sz="1400" dirty="0">
-                <a:solidFill>
-                  <a:schemeClr val="tx1">
-                    <a:lumMod val="75000"/>
-                    <a:lumOff val="25000"/>
-                  </a:schemeClr>
-                </a:solidFill>
-                <a:latin typeface="+mn-ea"/>
-              </a:rPr>
-              <a:t>Script </a:t>
-            </a:r>
-            <a:r>
-              <a:rPr lang="ko-KR" altLang="en-US" sz="1400" dirty="0">
-                <a:solidFill>
-                  <a:schemeClr val="tx1">
-                    <a:lumMod val="75000"/>
-                    <a:lumOff val="25000"/>
-                  </a:schemeClr>
-                </a:solidFill>
-                <a:latin typeface="+mn-ea"/>
-              </a:rPr>
-              <a:t>제작</a:t>
-            </a:r>
-            <a:endParaRPr lang="en-US" altLang="ko-KR" sz="1400" dirty="0">
-              <a:solidFill>
-                <a:schemeClr val="tx1">
-                  <a:lumMod val="75000"/>
-                  <a:lumOff val="25000"/>
-                </a:schemeClr>
-              </a:solidFill>
-              <a:latin typeface="+mn-ea"/>
-            </a:endParaRPr>
-          </a:p>
-          <a:p>
-            <a:pPr algn="just">
-              <a:lnSpc>
-                <a:spcPct val="120000"/>
-              </a:lnSpc>
+              <a:rPr lang="en-US" altLang="ko-KR" sz="2000" dirty="0"/>
+              <a:t>Event</a:t>
+            </a:r>
+            <a:r>
+              <a:rPr lang="ko-KR" altLang="en-US" sz="2000" dirty="0"/>
+              <a:t> </a:t>
+            </a:r>
+            <a:r>
+              <a:rPr lang="en-US" altLang="ko-KR" sz="2000" dirty="0"/>
+              <a:t>List </a:t>
+            </a:r>
+            <a:r>
+              <a:rPr lang="ko-KR" altLang="en-US" sz="2000" dirty="0"/>
+              <a:t>중 랜덤 번호를 뽑음</a:t>
+            </a:r>
+            <a:endParaRPr lang="en-US" altLang="ko-KR" sz="2000" dirty="0"/>
+          </a:p>
+          <a:p>
+            <a:pPr marL="342900" indent="-342900">
+              <a:buFontTx/>
+              <a:buChar char="-"/>
             </a:pPr>
-            <a:endParaRPr lang="en-US" altLang="ko-KR" sz="1400" dirty="0">
-              <a:solidFill>
-                <a:schemeClr val="tx1">
-                  <a:lumMod val="75000"/>
-                  <a:lumOff val="25000"/>
-                </a:schemeClr>
-              </a:solidFill>
-              <a:latin typeface="+mn-ea"/>
-            </a:endParaRPr>
-          </a:p>
-          <a:p>
-            <a:pPr algn="just">
-              <a:lnSpc>
-                <a:spcPct val="120000"/>
-              </a:lnSpc>
+            <a:r>
+              <a:rPr lang="en-US" altLang="ko-KR" sz="2000" dirty="0" err="1"/>
+              <a:t>CurrentEvent</a:t>
+            </a:r>
+            <a:r>
+              <a:rPr lang="ko-KR" altLang="en-US" sz="2000" dirty="0"/>
+              <a:t>의 </a:t>
+            </a:r>
+            <a:r>
+              <a:rPr lang="en-US" altLang="ko-KR" sz="2000" dirty="0"/>
+              <a:t>Dialogue</a:t>
+            </a:r>
+            <a:r>
+              <a:rPr lang="ko-KR" altLang="en-US" sz="2000" dirty="0"/>
+              <a:t>등 관련 요소 </a:t>
+            </a:r>
+            <a:r>
+              <a:rPr lang="en-US" altLang="ko-KR" sz="2000" dirty="0"/>
+              <a:t>control</a:t>
+            </a:r>
+          </a:p>
+          <a:p>
+            <a:pPr marL="342900" indent="-342900">
+              <a:buFontTx/>
+              <a:buChar char="-"/>
             </a:pPr>
             <a:r>
-              <a:rPr lang="ko-KR" altLang="en-US" sz="1400" dirty="0">
-                <a:solidFill>
-                  <a:schemeClr val="tx1">
-                    <a:lumMod val="75000"/>
-                    <a:lumOff val="25000"/>
-                  </a:schemeClr>
-                </a:solidFill>
-                <a:latin typeface="+mn-ea"/>
-              </a:rPr>
-              <a:t>각 </a:t>
-            </a:r>
-            <a:r>
-              <a:rPr lang="en-US" altLang="ko-KR" sz="1400" dirty="0" err="1">
-                <a:solidFill>
-                  <a:schemeClr val="tx1">
-                    <a:lumMod val="75000"/>
-                    <a:lumOff val="25000"/>
-                  </a:schemeClr>
-                </a:solidFill>
-                <a:latin typeface="+mn-ea"/>
-              </a:rPr>
-              <a:t>GameObject</a:t>
-            </a:r>
-            <a:r>
-              <a:rPr lang="ko-KR" altLang="en-US" sz="1400" dirty="0">
-                <a:solidFill>
-                  <a:schemeClr val="tx1">
-                    <a:lumMod val="75000"/>
-                    <a:lumOff val="25000"/>
-                  </a:schemeClr>
-                </a:solidFill>
-                <a:latin typeface="+mn-ea"/>
-              </a:rPr>
-              <a:t>들 간의 상호작용 제작</a:t>
-            </a:r>
-          </a:p>
-        </p:txBody>
-      </p:sp>
-      <p:sp>
-        <p:nvSpPr>
-          <p:cNvPr id="33" name="TextBox 32">
-            <a:extLst>
-              <a:ext uri="{FF2B5EF4-FFF2-40B4-BE49-F238E27FC236}">
-                <a16:creationId xmlns:a16="http://schemas.microsoft.com/office/drawing/2014/main" id="{C83F283A-DB04-850F-35E8-C999885EDA49}"/>
-              </a:ext>
-            </a:extLst>
-          </p:cNvPr>
-          <p:cNvSpPr txBox="1"/>
-          <p:nvPr/>
-        </p:nvSpPr>
-        <p:spPr>
-          <a:xfrm>
-            <a:off x="9375836" y="3300731"/>
-            <a:ext cx="1682895" cy="1624547"/>
-          </a:xfrm>
-          <a:prstGeom prst="rect">
-            <a:avLst/>
-          </a:prstGeom>
-          <a:noFill/>
-        </p:spPr>
-        <p:txBody>
-          <a:bodyPr wrap="square" rtlCol="0">
-            <a:spAutoFit/>
-          </a:bodyPr>
-          <a:lstStyle/>
-          <a:p>
-            <a:pPr algn="just">
-              <a:lnSpc>
-                <a:spcPct val="120000"/>
-              </a:lnSpc>
-            </a:pPr>
-            <a:r>
-              <a:rPr lang="ko-KR" altLang="en-US" sz="1400" spc="-150" dirty="0">
-                <a:solidFill>
-                  <a:schemeClr val="tx1">
-                    <a:lumMod val="75000"/>
-                    <a:lumOff val="25000"/>
-                  </a:schemeClr>
-                </a:solidFill>
-                <a:latin typeface="+mn-ea"/>
-              </a:rPr>
-              <a:t>스토리</a:t>
-            </a:r>
-            <a:r>
-              <a:rPr lang="en-US" altLang="ko-KR" sz="1400" spc="-150" dirty="0">
-                <a:solidFill>
-                  <a:schemeClr val="tx1">
-                    <a:lumMod val="75000"/>
-                    <a:lumOff val="25000"/>
-                  </a:schemeClr>
-                </a:solidFill>
-                <a:latin typeface="+mn-ea"/>
-              </a:rPr>
-              <a:t>, </a:t>
-            </a:r>
-            <a:r>
-              <a:rPr lang="ko-KR" altLang="en-US" sz="1400" spc="-150" dirty="0">
-                <a:solidFill>
-                  <a:schemeClr val="tx1">
-                    <a:lumMod val="75000"/>
-                    <a:lumOff val="25000"/>
-                  </a:schemeClr>
-                </a:solidFill>
-                <a:latin typeface="+mn-ea"/>
-              </a:rPr>
-              <a:t>문구 등의 몰입을 높여주는 요소 들의 첨가</a:t>
-            </a:r>
-            <a:endParaRPr lang="en-US" altLang="ko-KR" sz="1400" spc="-150" dirty="0">
-              <a:solidFill>
-                <a:schemeClr val="tx1">
-                  <a:lumMod val="75000"/>
-                  <a:lumOff val="25000"/>
-                </a:schemeClr>
-              </a:solidFill>
-              <a:latin typeface="+mn-ea"/>
-            </a:endParaRPr>
-          </a:p>
-          <a:p>
-            <a:pPr algn="just">
-              <a:lnSpc>
-                <a:spcPct val="120000"/>
-              </a:lnSpc>
-            </a:pPr>
-            <a:endParaRPr lang="en-US" altLang="ko-KR" sz="1400" spc="-150" dirty="0">
-              <a:solidFill>
-                <a:schemeClr val="tx1">
-                  <a:lumMod val="75000"/>
-                  <a:lumOff val="25000"/>
-                </a:schemeClr>
-              </a:solidFill>
-              <a:latin typeface="+mn-ea"/>
-            </a:endParaRPr>
-          </a:p>
-          <a:p>
-            <a:pPr algn="just">
-              <a:lnSpc>
-                <a:spcPct val="120000"/>
-              </a:lnSpc>
-            </a:pPr>
-            <a:r>
-              <a:rPr lang="en-US" altLang="ko-KR" sz="1400" spc="-150" dirty="0">
-                <a:solidFill>
-                  <a:schemeClr val="tx1">
-                    <a:lumMod val="75000"/>
-                    <a:lumOff val="25000"/>
-                  </a:schemeClr>
-                </a:solidFill>
-                <a:latin typeface="+mn-ea"/>
-              </a:rPr>
-              <a:t>+ </a:t>
-            </a:r>
-            <a:r>
-              <a:rPr lang="ko-KR" altLang="en-US" sz="1400" spc="-150" dirty="0">
-                <a:solidFill>
-                  <a:schemeClr val="tx1">
-                    <a:lumMod val="75000"/>
-                    <a:lumOff val="25000"/>
-                  </a:schemeClr>
-                </a:solidFill>
-                <a:latin typeface="+mn-ea"/>
-              </a:rPr>
-              <a:t>개발 과정에서 떠오르는 속성 추가</a:t>
-            </a:r>
-            <a:endParaRPr lang="en-US" altLang="ko-KR" sz="1400" spc="-150" dirty="0">
-              <a:solidFill>
-                <a:schemeClr val="tx1">
-                  <a:lumMod val="75000"/>
-                  <a:lumOff val="25000"/>
-                </a:schemeClr>
-              </a:solidFill>
-              <a:latin typeface="+mn-ea"/>
-            </a:endParaRPr>
-          </a:p>
-        </p:txBody>
-      </p:sp>
+              <a:rPr lang="ko-KR" altLang="en-US" sz="2000" dirty="0"/>
+              <a:t>게임 시작 시 </a:t>
+            </a:r>
+            <a:r>
+              <a:rPr lang="en-US" altLang="ko-KR" sz="2000" dirty="0"/>
+              <a:t>Random </a:t>
+            </a:r>
+            <a:r>
+              <a:rPr lang="ko-KR" altLang="en-US" sz="2000" dirty="0"/>
+              <a:t>함수를 위한 </a:t>
+            </a:r>
+            <a:r>
+              <a:rPr lang="en-US" altLang="ko-KR" sz="2000" dirty="0"/>
+              <a:t>Seed </a:t>
+            </a:r>
+            <a:r>
+              <a:rPr lang="ko-KR" altLang="en-US" sz="2000" dirty="0"/>
+              <a:t>설정 및 저장</a:t>
+            </a:r>
+          </a:p>
+        </p:txBody>
+      </p:sp>
+      <p:pic>
+        <p:nvPicPr>
+          <p:cNvPr id="22" name="그림 21">
+            <a:extLst>
+              <a:ext uri="{FF2B5EF4-FFF2-40B4-BE49-F238E27FC236}">
+                <a16:creationId xmlns:a16="http://schemas.microsoft.com/office/drawing/2014/main" id="{4E325269-F8DA-0161-75A4-513F5133A870}"/>
+              </a:ext>
+            </a:extLst>
+          </p:cNvPr>
+          <p:cNvPicPr>
+            <a:picLocks noChangeAspect="1"/>
+          </p:cNvPicPr>
+          <p:nvPr/>
+        </p:nvPicPr>
+        <p:blipFill>
+          <a:blip r:embed="rId6"/>
+          <a:stretch>
+            <a:fillRect/>
+          </a:stretch>
+        </p:blipFill>
+        <p:spPr>
+          <a:xfrm>
+            <a:off x="3590410" y="3434552"/>
+            <a:ext cx="2042627" cy="864619"/>
+          </a:xfrm>
+          <a:prstGeom prst="rect">
+            <a:avLst/>
+          </a:prstGeom>
+        </p:spPr>
+      </p:pic>
     </p:spTree>
     <p:extLst>
       <p:ext uri="{BB962C8B-B14F-4D97-AF65-F5344CB8AC3E}">
-        <p14:creationId xmlns:p14="http://schemas.microsoft.com/office/powerpoint/2010/main" val="3116609945"/>
+        <p14:creationId xmlns:p14="http://schemas.microsoft.com/office/powerpoint/2010/main" val="1493093400"/>
       </p:ext>
     </p:extLst>
   </p:cSld>
@@ -3612,7 +2914,7 @@
         <p:spPr>
           <a:xfrm>
             <a:off x="144378" y="272716"/>
-            <a:ext cx="732893" cy="338554"/>
+            <a:ext cx="675570" cy="338554"/>
           </a:xfrm>
           <a:prstGeom prst="rect">
             <a:avLst/>
@@ -3631,7 +2933,7 @@
                   <a:schemeClr val="accent1"/>
                 </a:solidFill>
               </a:rPr>
-              <a:t>Part 3</a:t>
+              <a:t>Part 5</a:t>
             </a:r>
             <a:endParaRPr lang="ko-KR" altLang="en-US" sz="1600" dirty="0">
               <a:solidFill>
@@ -3675,7 +2977,1963 @@
                   <a:schemeClr val="accent1"/>
                 </a:solidFill>
               </a:rPr>
-              <a:t>향후 계획</a:t>
+              <a:t>실행 결과</a:t>
+            </a:r>
+          </a:p>
+        </p:txBody>
+      </p:sp>
+      <p:cxnSp>
+        <p:nvCxnSpPr>
+          <p:cNvPr id="6" name="직선 연결선 5">
+            <a:extLst>
+              <a:ext uri="{FF2B5EF4-FFF2-40B4-BE49-F238E27FC236}">
+                <a16:creationId xmlns:a16="http://schemas.microsoft.com/office/drawing/2014/main" id="{227D3D02-66A7-B0C0-2CF2-A0900C18861C}"/>
+              </a:ext>
+            </a:extLst>
+          </p:cNvPr>
+          <p:cNvCxnSpPr/>
+          <p:nvPr/>
+        </p:nvCxnSpPr>
+        <p:spPr>
+          <a:xfrm>
+            <a:off x="144378" y="6737685"/>
+            <a:ext cx="12060000" cy="0"/>
+          </a:xfrm>
+          <a:prstGeom prst="line">
+            <a:avLst/>
+          </a:prstGeom>
+          <a:ln w="3175">
+            <a:solidFill>
+              <a:schemeClr val="accent1"/>
+            </a:solidFill>
+          </a:ln>
+        </p:spPr>
+        <p:style>
+          <a:lnRef idx="1">
+            <a:schemeClr val="accent1"/>
+          </a:lnRef>
+          <a:fillRef idx="0">
+            <a:schemeClr val="accent1"/>
+          </a:fillRef>
+          <a:effectRef idx="0">
+            <a:schemeClr val="accent1"/>
+          </a:effectRef>
+          <a:fontRef idx="minor">
+            <a:schemeClr val="tx1"/>
+          </a:fontRef>
+        </p:style>
+      </p:cxnSp>
+      <p:sp>
+        <p:nvSpPr>
+          <p:cNvPr id="11" name="양쪽 대괄호 10">
+            <a:extLst>
+              <a:ext uri="{FF2B5EF4-FFF2-40B4-BE49-F238E27FC236}">
+                <a16:creationId xmlns:a16="http://schemas.microsoft.com/office/drawing/2014/main" id="{BB84A156-89D3-24C7-611D-EAAE09E85E87}"/>
+              </a:ext>
+            </a:extLst>
+          </p:cNvPr>
+          <p:cNvSpPr/>
+          <p:nvPr/>
+        </p:nvSpPr>
+        <p:spPr>
+          <a:xfrm>
+            <a:off x="825479" y="1307847"/>
+            <a:ext cx="10697797" cy="3171785"/>
+          </a:xfrm>
+          <a:prstGeom prst="bracketPair">
+            <a:avLst>
+              <a:gd name="adj" fmla="val 12319"/>
+            </a:avLst>
+          </a:prstGeom>
+        </p:spPr>
+        <p:style>
+          <a:lnRef idx="1">
+            <a:schemeClr val="accent1"/>
+          </a:lnRef>
+          <a:fillRef idx="0">
+            <a:schemeClr val="accent1"/>
+          </a:fillRef>
+          <a:effectRef idx="0">
+            <a:schemeClr val="accent1"/>
+          </a:effectRef>
+          <a:fontRef idx="minor">
+            <a:schemeClr val="tx1"/>
+          </a:fontRef>
+        </p:style>
+        <p:txBody>
+          <a:bodyPr rtlCol="0" anchor="ctr"/>
+          <a:lstStyle/>
+          <a:p>
+            <a:pPr algn="ctr"/>
+            <a:endParaRPr lang="ko-KR" altLang="en-US"/>
+          </a:p>
+        </p:txBody>
+      </p:sp>
+      <p:sp>
+        <p:nvSpPr>
+          <p:cNvPr id="14" name="TextBox 13">
+            <a:extLst>
+              <a:ext uri="{FF2B5EF4-FFF2-40B4-BE49-F238E27FC236}">
+                <a16:creationId xmlns:a16="http://schemas.microsoft.com/office/drawing/2014/main" id="{22C4C9CA-FF2A-9FA9-7B1E-C6740F416733}"/>
+              </a:ext>
+            </a:extLst>
+          </p:cNvPr>
+          <p:cNvSpPr txBox="1"/>
+          <p:nvPr/>
+        </p:nvSpPr>
+        <p:spPr>
+          <a:xfrm>
+            <a:off x="3556910" y="5749391"/>
+            <a:ext cx="4967690" cy="404396"/>
+          </a:xfrm>
+          <a:prstGeom prst="rect">
+            <a:avLst/>
+          </a:prstGeom>
+          <a:noFill/>
+        </p:spPr>
+        <p:txBody>
+          <a:bodyPr wrap="square" rtlCol="0">
+            <a:spAutoFit/>
+          </a:bodyPr>
+          <a:lstStyle/>
+          <a:p>
+            <a:pPr algn="ctr"/>
+            <a:r>
+              <a:rPr lang="en-US" altLang="ko-KR" sz="2000" dirty="0"/>
+              <a:t>User </a:t>
+            </a:r>
+            <a:r>
+              <a:rPr lang="ko-KR" altLang="en-US" sz="2000" dirty="0"/>
+              <a:t>정보를 관리하는 </a:t>
+            </a:r>
+            <a:r>
+              <a:rPr lang="en-US" altLang="ko-KR" sz="2000" dirty="0" err="1"/>
+              <a:t>UserController</a:t>
+            </a:r>
+            <a:endParaRPr lang="ko-KR" altLang="en-US" sz="2000" dirty="0"/>
+          </a:p>
+        </p:txBody>
+      </p:sp>
+      <p:sp>
+        <p:nvSpPr>
+          <p:cNvPr id="20" name="TextBox 19">
+            <a:extLst>
+              <a:ext uri="{FF2B5EF4-FFF2-40B4-BE49-F238E27FC236}">
+                <a16:creationId xmlns:a16="http://schemas.microsoft.com/office/drawing/2014/main" id="{E0DBAAE0-A807-B313-3588-6FCA829B1D71}"/>
+              </a:ext>
+            </a:extLst>
+          </p:cNvPr>
+          <p:cNvSpPr txBox="1"/>
+          <p:nvPr/>
+        </p:nvSpPr>
+        <p:spPr>
+          <a:xfrm>
+            <a:off x="5876527" y="1924624"/>
+            <a:ext cx="5296145" cy="1938992"/>
+          </a:xfrm>
+          <a:prstGeom prst="rect">
+            <a:avLst/>
+          </a:prstGeom>
+          <a:noFill/>
+        </p:spPr>
+        <p:txBody>
+          <a:bodyPr wrap="square" rtlCol="0">
+            <a:spAutoFit/>
+          </a:bodyPr>
+          <a:lstStyle/>
+          <a:p>
+            <a:pPr marL="342900" indent="-342900">
+              <a:buFontTx/>
+              <a:buChar char="-"/>
+            </a:pPr>
+            <a:r>
+              <a:rPr lang="en-US" altLang="ko-KR" sz="2000" dirty="0"/>
+              <a:t>User</a:t>
+            </a:r>
+            <a:r>
+              <a:rPr lang="ko-KR" altLang="en-US" sz="2000" dirty="0"/>
+              <a:t>의 정보를 저장하고 로드 함</a:t>
+            </a:r>
+            <a:endParaRPr lang="en-US" altLang="ko-KR" sz="2000" dirty="0"/>
+          </a:p>
+          <a:p>
+            <a:pPr marL="342900" indent="-342900">
+              <a:buFontTx/>
+              <a:buChar char="-"/>
+            </a:pPr>
+            <a:endParaRPr lang="en-US" altLang="ko-KR" sz="2000" dirty="0"/>
+          </a:p>
+          <a:p>
+            <a:pPr marL="342900" indent="-342900">
+              <a:buFontTx/>
+              <a:buChar char="-"/>
+            </a:pPr>
+            <a:r>
+              <a:rPr lang="en-US" altLang="ko-KR" sz="2000" dirty="0" err="1"/>
+              <a:t>UserData</a:t>
+            </a:r>
+            <a:r>
+              <a:rPr lang="ko-KR" altLang="en-US" sz="2000" dirty="0"/>
+              <a:t> </a:t>
+            </a:r>
+            <a:r>
+              <a:rPr lang="en-US" altLang="ko-KR" sz="2000" dirty="0"/>
+              <a:t>Json </a:t>
+            </a:r>
+            <a:r>
+              <a:rPr lang="ko-KR" altLang="en-US" sz="2000" dirty="0"/>
+              <a:t>파일의 </a:t>
+            </a:r>
+            <a:r>
+              <a:rPr lang="en-US" altLang="ko-KR" sz="2000" dirty="0"/>
+              <a:t>class</a:t>
+            </a:r>
+          </a:p>
+          <a:p>
+            <a:pPr marL="342900" indent="-342900">
+              <a:buFontTx/>
+              <a:buChar char="-"/>
+            </a:pPr>
+            <a:endParaRPr lang="en-US" altLang="ko-KR" sz="2000" dirty="0"/>
+          </a:p>
+          <a:p>
+            <a:pPr marL="342900" indent="-342900">
+              <a:buFontTx/>
+              <a:buChar char="-"/>
+            </a:pPr>
+            <a:r>
+              <a:rPr lang="en-US" altLang="ko-KR" sz="2000" dirty="0" err="1"/>
+              <a:t>Application.persistentDataPath</a:t>
+            </a:r>
+            <a:r>
+              <a:rPr lang="ko-KR" altLang="en-US" sz="2000" dirty="0"/>
+              <a:t>에 </a:t>
+            </a:r>
+            <a:r>
+              <a:rPr lang="en-US" altLang="ko-KR" sz="2000" dirty="0" err="1"/>
+              <a:t>userData.json</a:t>
+            </a:r>
+            <a:r>
+              <a:rPr lang="en-US" altLang="ko-KR" sz="2000" dirty="0"/>
+              <a:t> </a:t>
+            </a:r>
+            <a:r>
+              <a:rPr lang="ko-KR" altLang="en-US" sz="2000" dirty="0"/>
+              <a:t>저장 됨</a:t>
+            </a:r>
+          </a:p>
+        </p:txBody>
+      </p:sp>
+      <p:pic>
+        <p:nvPicPr>
+          <p:cNvPr id="8" name="그림 7">
+            <a:extLst>
+              <a:ext uri="{FF2B5EF4-FFF2-40B4-BE49-F238E27FC236}">
+                <a16:creationId xmlns:a16="http://schemas.microsoft.com/office/drawing/2014/main" id="{DAAE74EB-15A9-8577-9575-66B7571F0222}"/>
+              </a:ext>
+            </a:extLst>
+          </p:cNvPr>
+          <p:cNvPicPr>
+            <a:picLocks noChangeAspect="1"/>
+          </p:cNvPicPr>
+          <p:nvPr/>
+        </p:nvPicPr>
+        <p:blipFill>
+          <a:blip r:embed="rId2"/>
+          <a:stretch>
+            <a:fillRect/>
+          </a:stretch>
+        </p:blipFill>
+        <p:spPr>
+          <a:xfrm>
+            <a:off x="1407720" y="1196721"/>
+            <a:ext cx="2261125" cy="2240828"/>
+          </a:xfrm>
+          <a:prstGeom prst="rect">
+            <a:avLst/>
+          </a:prstGeom>
+        </p:spPr>
+      </p:pic>
+      <p:pic>
+        <p:nvPicPr>
+          <p:cNvPr id="10" name="그림 9">
+            <a:extLst>
+              <a:ext uri="{FF2B5EF4-FFF2-40B4-BE49-F238E27FC236}">
+                <a16:creationId xmlns:a16="http://schemas.microsoft.com/office/drawing/2014/main" id="{69CA215C-B4A6-280F-9F47-0BE55EA318D3}"/>
+              </a:ext>
+            </a:extLst>
+          </p:cNvPr>
+          <p:cNvPicPr>
+            <a:picLocks noChangeAspect="1"/>
+          </p:cNvPicPr>
+          <p:nvPr/>
+        </p:nvPicPr>
+        <p:blipFill>
+          <a:blip r:embed="rId3"/>
+          <a:stretch>
+            <a:fillRect/>
+          </a:stretch>
+        </p:blipFill>
+        <p:spPr>
+          <a:xfrm>
+            <a:off x="3874597" y="857000"/>
+            <a:ext cx="1494413" cy="2757055"/>
+          </a:xfrm>
+          <a:prstGeom prst="rect">
+            <a:avLst/>
+          </a:prstGeom>
+        </p:spPr>
+      </p:pic>
+      <p:pic>
+        <p:nvPicPr>
+          <p:cNvPr id="24" name="그림 23">
+            <a:extLst>
+              <a:ext uri="{FF2B5EF4-FFF2-40B4-BE49-F238E27FC236}">
+                <a16:creationId xmlns:a16="http://schemas.microsoft.com/office/drawing/2014/main" id="{E228F172-98D6-3F8A-E5D5-FB887A025248}"/>
+              </a:ext>
+            </a:extLst>
+          </p:cNvPr>
+          <p:cNvPicPr>
+            <a:picLocks noChangeAspect="1"/>
+          </p:cNvPicPr>
+          <p:nvPr/>
+        </p:nvPicPr>
+        <p:blipFill>
+          <a:blip r:embed="rId4"/>
+          <a:stretch>
+            <a:fillRect/>
+          </a:stretch>
+        </p:blipFill>
+        <p:spPr>
+          <a:xfrm>
+            <a:off x="1658035" y="3854053"/>
+            <a:ext cx="3620005" cy="1000265"/>
+          </a:xfrm>
+          <a:prstGeom prst="rect">
+            <a:avLst/>
+          </a:prstGeom>
+        </p:spPr>
+      </p:pic>
+    </p:spTree>
+    <p:extLst>
+      <p:ext uri="{BB962C8B-B14F-4D97-AF65-F5344CB8AC3E}">
+        <p14:creationId xmlns:p14="http://schemas.microsoft.com/office/powerpoint/2010/main" val="2679135841"/>
+      </p:ext>
+    </p:extLst>
+  </p:cSld>
+  <p:clrMapOvr>
+    <a:masterClrMapping/>
+  </p:clrMapOvr>
+</p:sld>
+</file>
+
+<file path=ppt/slides/slide13.xml><?xml version="1.0" encoding="utf-8"?>
+<p:sld xmlns:a="http://schemas.openxmlformats.org/drawingml/2006/main" xmlns:r="http://schemas.openxmlformats.org/officeDocument/2006/relationships" xmlns:p="http://schemas.openxmlformats.org/presentationml/2006/main">
+  <p:cSld>
+    <p:spTree>
+      <p:nvGrpSpPr>
+        <p:cNvPr id="1" name=""/>
+        <p:cNvGrpSpPr/>
+        <p:nvPr/>
+      </p:nvGrpSpPr>
+      <p:grpSpPr>
+        <a:xfrm>
+          <a:off x="0" y="0"/>
+          <a:ext cx="0" cy="0"/>
+          <a:chOff x="0" y="0"/>
+          <a:chExt cx="0" cy="0"/>
+        </a:xfrm>
+      </p:grpSpPr>
+      <p:cxnSp>
+        <p:nvCxnSpPr>
+          <p:cNvPr id="3" name="직선 연결선 2">
+            <a:extLst>
+              <a:ext uri="{FF2B5EF4-FFF2-40B4-BE49-F238E27FC236}">
+                <a16:creationId xmlns:a16="http://schemas.microsoft.com/office/drawing/2014/main" id="{E3FBA607-E7FC-B7F8-2868-BC448F31F790}"/>
+              </a:ext>
+            </a:extLst>
+          </p:cNvPr>
+          <p:cNvCxnSpPr/>
+          <p:nvPr/>
+        </p:nvCxnSpPr>
+        <p:spPr>
+          <a:xfrm>
+            <a:off x="144378" y="160422"/>
+            <a:ext cx="12060000" cy="0"/>
+          </a:xfrm>
+          <a:prstGeom prst="line">
+            <a:avLst/>
+          </a:prstGeom>
+          <a:ln w="76200">
+            <a:solidFill>
+              <a:schemeClr val="accent1"/>
+            </a:solidFill>
+          </a:ln>
+        </p:spPr>
+        <p:style>
+          <a:lnRef idx="1">
+            <a:schemeClr val="accent1"/>
+          </a:lnRef>
+          <a:fillRef idx="0">
+            <a:schemeClr val="accent1"/>
+          </a:fillRef>
+          <a:effectRef idx="0">
+            <a:schemeClr val="accent1"/>
+          </a:effectRef>
+          <a:fontRef idx="minor">
+            <a:schemeClr val="tx1"/>
+          </a:fontRef>
+        </p:style>
+      </p:cxnSp>
+      <p:sp>
+        <p:nvSpPr>
+          <p:cNvPr id="4" name="TextBox 3">
+            <a:extLst>
+              <a:ext uri="{FF2B5EF4-FFF2-40B4-BE49-F238E27FC236}">
+                <a16:creationId xmlns:a16="http://schemas.microsoft.com/office/drawing/2014/main" id="{B8326A7D-F71C-ED1C-CBFD-93F557654D2A}"/>
+              </a:ext>
+            </a:extLst>
+          </p:cNvPr>
+          <p:cNvSpPr txBox="1"/>
+          <p:nvPr/>
+        </p:nvSpPr>
+        <p:spPr>
+          <a:xfrm>
+            <a:off x="144378" y="272716"/>
+            <a:ext cx="675570" cy="338554"/>
+          </a:xfrm>
+          <a:prstGeom prst="rect">
+            <a:avLst/>
+          </a:prstGeom>
+          <a:noFill/>
+        </p:spPr>
+        <p:txBody>
+          <a:bodyPr wrap="none" rtlCol="0">
+            <a:spAutoFit/>
+          </a:bodyPr>
+          <a:lstStyle/>
+          <a:p>
+            <a:r>
+              <a:rPr lang="en-US" altLang="ko-KR" sz="1600" dirty="0">
+                <a:solidFill>
+                  <a:schemeClr val="accent1"/>
+                </a:solidFill>
+              </a:rPr>
+              <a:t>Part 6</a:t>
+            </a:r>
+            <a:endParaRPr lang="ko-KR" altLang="en-US" sz="1600" dirty="0">
+              <a:solidFill>
+                <a:schemeClr val="accent1"/>
+              </a:solidFill>
+            </a:endParaRPr>
+          </a:p>
+        </p:txBody>
+      </p:sp>
+      <p:sp>
+        <p:nvSpPr>
+          <p:cNvPr id="5" name="TextBox 4">
+            <a:extLst>
+              <a:ext uri="{FF2B5EF4-FFF2-40B4-BE49-F238E27FC236}">
+                <a16:creationId xmlns:a16="http://schemas.microsoft.com/office/drawing/2014/main" id="{3251639B-29EB-6E9D-733B-6F917838F571}"/>
+              </a:ext>
+            </a:extLst>
+          </p:cNvPr>
+          <p:cNvSpPr txBox="1"/>
+          <p:nvPr/>
+        </p:nvSpPr>
+        <p:spPr>
+          <a:xfrm>
+            <a:off x="1163052" y="272716"/>
+            <a:ext cx="3243196" cy="523220"/>
+          </a:xfrm>
+          <a:prstGeom prst="rect">
+            <a:avLst/>
+          </a:prstGeom>
+          <a:noFill/>
+        </p:spPr>
+        <p:txBody>
+          <a:bodyPr wrap="none" rtlCol="0">
+            <a:spAutoFit/>
+          </a:bodyPr>
+          <a:lstStyle/>
+          <a:p>
+            <a:r>
+              <a:rPr lang="ko-KR" altLang="en-US" sz="2800" b="1" spc="-300" dirty="0">
+                <a:solidFill>
+                  <a:schemeClr val="accent1"/>
+                </a:solidFill>
+              </a:rPr>
+              <a:t>개선 사항 및 향후 계획</a:t>
+            </a:r>
+          </a:p>
+        </p:txBody>
+      </p:sp>
+      <p:cxnSp>
+        <p:nvCxnSpPr>
+          <p:cNvPr id="6" name="직선 연결선 5">
+            <a:extLst>
+              <a:ext uri="{FF2B5EF4-FFF2-40B4-BE49-F238E27FC236}">
+                <a16:creationId xmlns:a16="http://schemas.microsoft.com/office/drawing/2014/main" id="{227D3D02-66A7-B0C0-2CF2-A0900C18861C}"/>
+              </a:ext>
+            </a:extLst>
+          </p:cNvPr>
+          <p:cNvCxnSpPr/>
+          <p:nvPr/>
+        </p:nvCxnSpPr>
+        <p:spPr>
+          <a:xfrm>
+            <a:off x="144378" y="6737685"/>
+            <a:ext cx="12060000" cy="0"/>
+          </a:xfrm>
+          <a:prstGeom prst="line">
+            <a:avLst/>
+          </a:prstGeom>
+          <a:ln w="3175">
+            <a:solidFill>
+              <a:schemeClr val="accent1"/>
+            </a:solidFill>
+          </a:ln>
+        </p:spPr>
+        <p:style>
+          <a:lnRef idx="1">
+            <a:schemeClr val="accent1"/>
+          </a:lnRef>
+          <a:fillRef idx="0">
+            <a:schemeClr val="accent1"/>
+          </a:fillRef>
+          <a:effectRef idx="0">
+            <a:schemeClr val="accent1"/>
+          </a:effectRef>
+          <a:fontRef idx="minor">
+            <a:schemeClr val="tx1"/>
+          </a:fontRef>
+        </p:style>
+      </p:cxnSp>
+      <p:sp>
+        <p:nvSpPr>
+          <p:cNvPr id="2" name="직사각형 1">
+            <a:extLst>
+              <a:ext uri="{FF2B5EF4-FFF2-40B4-BE49-F238E27FC236}">
+                <a16:creationId xmlns:a16="http://schemas.microsoft.com/office/drawing/2014/main" id="{A95D356A-BDFC-C22B-264F-B4EE405A81B6}"/>
+              </a:ext>
+            </a:extLst>
+          </p:cNvPr>
+          <p:cNvSpPr/>
+          <p:nvPr/>
+        </p:nvSpPr>
+        <p:spPr>
+          <a:xfrm>
+            <a:off x="928225" y="2036558"/>
+            <a:ext cx="2041451" cy="3508786"/>
+          </a:xfrm>
+          <a:prstGeom prst="rect">
+            <a:avLst/>
+          </a:prstGeom>
+          <a:solidFill>
+            <a:schemeClr val="bg1">
+              <a:lumMod val="95000"/>
+            </a:schemeClr>
+          </a:solidFill>
+          <a:ln>
+            <a:noFill/>
+          </a:ln>
+        </p:spPr>
+        <p:style>
+          <a:lnRef idx="2">
+            <a:schemeClr val="accent1">
+              <a:shade val="50000"/>
+            </a:schemeClr>
+          </a:lnRef>
+          <a:fillRef idx="1">
+            <a:schemeClr val="accent1"/>
+          </a:fillRef>
+          <a:effectRef idx="0">
+            <a:schemeClr val="accent1"/>
+          </a:effectRef>
+          <a:fontRef idx="minor">
+            <a:schemeClr val="lt1"/>
+          </a:fontRef>
+        </p:style>
+        <p:txBody>
+          <a:bodyPr rtlCol="0" anchor="ctr"/>
+          <a:lstStyle/>
+          <a:p>
+            <a:pPr algn="ctr"/>
+            <a:endParaRPr lang="ko-KR" altLang="en-US"/>
+          </a:p>
+        </p:txBody>
+      </p:sp>
+      <p:sp>
+        <p:nvSpPr>
+          <p:cNvPr id="7" name="직사각형 6">
+            <a:extLst>
+              <a:ext uri="{FF2B5EF4-FFF2-40B4-BE49-F238E27FC236}">
+                <a16:creationId xmlns:a16="http://schemas.microsoft.com/office/drawing/2014/main" id="{D2CFF8B3-86C1-10EE-919B-F75AD0DB9317}"/>
+              </a:ext>
+            </a:extLst>
+          </p:cNvPr>
+          <p:cNvSpPr/>
+          <p:nvPr/>
+        </p:nvSpPr>
+        <p:spPr>
+          <a:xfrm>
+            <a:off x="928225" y="2036556"/>
+            <a:ext cx="2041451" cy="604280"/>
+          </a:xfrm>
+          <a:prstGeom prst="rect">
+            <a:avLst/>
+          </a:prstGeom>
+          <a:solidFill>
+            <a:schemeClr val="accent1"/>
+          </a:solidFill>
+          <a:ln>
+            <a:noFill/>
+          </a:ln>
+        </p:spPr>
+        <p:style>
+          <a:lnRef idx="2">
+            <a:schemeClr val="accent1">
+              <a:shade val="50000"/>
+            </a:schemeClr>
+          </a:lnRef>
+          <a:fillRef idx="1">
+            <a:schemeClr val="accent1"/>
+          </a:fillRef>
+          <a:effectRef idx="0">
+            <a:schemeClr val="accent1"/>
+          </a:effectRef>
+          <a:fontRef idx="minor">
+            <a:schemeClr val="lt1"/>
+          </a:fontRef>
+        </p:style>
+        <p:txBody>
+          <a:bodyPr rtlCol="0" anchor="ctr"/>
+          <a:lstStyle/>
+          <a:p>
+            <a:pPr algn="ctr"/>
+            <a:endParaRPr lang="ko-KR" altLang="en-US"/>
+          </a:p>
+        </p:txBody>
+      </p:sp>
+      <p:sp>
+        <p:nvSpPr>
+          <p:cNvPr id="9" name="직사각형 8">
+            <a:extLst>
+              <a:ext uri="{FF2B5EF4-FFF2-40B4-BE49-F238E27FC236}">
+                <a16:creationId xmlns:a16="http://schemas.microsoft.com/office/drawing/2014/main" id="{76522FC5-D4CC-D4D6-03D9-2FFA3B835623}"/>
+              </a:ext>
+            </a:extLst>
+          </p:cNvPr>
+          <p:cNvSpPr/>
+          <p:nvPr/>
+        </p:nvSpPr>
+        <p:spPr>
+          <a:xfrm>
+            <a:off x="9203900" y="2036558"/>
+            <a:ext cx="2041451" cy="3508786"/>
+          </a:xfrm>
+          <a:prstGeom prst="rect">
+            <a:avLst/>
+          </a:prstGeom>
+          <a:solidFill>
+            <a:schemeClr val="bg1">
+              <a:lumMod val="95000"/>
+            </a:schemeClr>
+          </a:solidFill>
+          <a:ln>
+            <a:noFill/>
+          </a:ln>
+        </p:spPr>
+        <p:style>
+          <a:lnRef idx="2">
+            <a:schemeClr val="accent1">
+              <a:shade val="50000"/>
+            </a:schemeClr>
+          </a:lnRef>
+          <a:fillRef idx="1">
+            <a:schemeClr val="accent1"/>
+          </a:fillRef>
+          <a:effectRef idx="0">
+            <a:schemeClr val="accent1"/>
+          </a:effectRef>
+          <a:fontRef idx="minor">
+            <a:schemeClr val="lt1"/>
+          </a:fontRef>
+        </p:style>
+        <p:txBody>
+          <a:bodyPr rtlCol="0" anchor="ctr"/>
+          <a:lstStyle/>
+          <a:p>
+            <a:pPr algn="ctr"/>
+            <a:endParaRPr lang="ko-KR" altLang="en-US"/>
+          </a:p>
+        </p:txBody>
+      </p:sp>
+      <p:sp>
+        <p:nvSpPr>
+          <p:cNvPr id="12" name="직사각형 11">
+            <a:extLst>
+              <a:ext uri="{FF2B5EF4-FFF2-40B4-BE49-F238E27FC236}">
+                <a16:creationId xmlns:a16="http://schemas.microsoft.com/office/drawing/2014/main" id="{75709C28-2CC1-A6B6-712C-3300C2E1F364}"/>
+              </a:ext>
+            </a:extLst>
+          </p:cNvPr>
+          <p:cNvSpPr/>
+          <p:nvPr/>
+        </p:nvSpPr>
+        <p:spPr>
+          <a:xfrm>
+            <a:off x="3686783" y="2036558"/>
+            <a:ext cx="2041451" cy="3508786"/>
+          </a:xfrm>
+          <a:prstGeom prst="rect">
+            <a:avLst/>
+          </a:prstGeom>
+          <a:solidFill>
+            <a:schemeClr val="bg1">
+              <a:lumMod val="95000"/>
+            </a:schemeClr>
+          </a:solidFill>
+          <a:ln>
+            <a:noFill/>
+          </a:ln>
+        </p:spPr>
+        <p:style>
+          <a:lnRef idx="2">
+            <a:schemeClr val="accent1">
+              <a:shade val="50000"/>
+            </a:schemeClr>
+          </a:lnRef>
+          <a:fillRef idx="1">
+            <a:schemeClr val="accent1"/>
+          </a:fillRef>
+          <a:effectRef idx="0">
+            <a:schemeClr val="accent1"/>
+          </a:effectRef>
+          <a:fontRef idx="minor">
+            <a:schemeClr val="lt1"/>
+          </a:fontRef>
+        </p:style>
+        <p:txBody>
+          <a:bodyPr rtlCol="0" anchor="ctr"/>
+          <a:lstStyle/>
+          <a:p>
+            <a:pPr algn="ctr"/>
+            <a:endParaRPr lang="ko-KR" altLang="en-US"/>
+          </a:p>
+        </p:txBody>
+      </p:sp>
+      <p:sp>
+        <p:nvSpPr>
+          <p:cNvPr id="13" name="직사각형 12">
+            <a:extLst>
+              <a:ext uri="{FF2B5EF4-FFF2-40B4-BE49-F238E27FC236}">
+                <a16:creationId xmlns:a16="http://schemas.microsoft.com/office/drawing/2014/main" id="{ACD18A40-92E9-A387-3E7D-F985F118E8FD}"/>
+              </a:ext>
+            </a:extLst>
+          </p:cNvPr>
+          <p:cNvSpPr/>
+          <p:nvPr/>
+        </p:nvSpPr>
+        <p:spPr>
+          <a:xfrm>
+            <a:off x="6445341" y="2036558"/>
+            <a:ext cx="2041451" cy="3508786"/>
+          </a:xfrm>
+          <a:prstGeom prst="rect">
+            <a:avLst/>
+          </a:prstGeom>
+          <a:solidFill>
+            <a:schemeClr val="bg1">
+              <a:lumMod val="95000"/>
+            </a:schemeClr>
+          </a:solidFill>
+          <a:ln>
+            <a:noFill/>
+          </a:ln>
+        </p:spPr>
+        <p:style>
+          <a:lnRef idx="2">
+            <a:schemeClr val="accent1">
+              <a:shade val="50000"/>
+            </a:schemeClr>
+          </a:lnRef>
+          <a:fillRef idx="1">
+            <a:schemeClr val="accent1"/>
+          </a:fillRef>
+          <a:effectRef idx="0">
+            <a:schemeClr val="accent1"/>
+          </a:effectRef>
+          <a:fontRef idx="minor">
+            <a:schemeClr val="lt1"/>
+          </a:fontRef>
+        </p:style>
+        <p:txBody>
+          <a:bodyPr rtlCol="0" anchor="ctr"/>
+          <a:lstStyle/>
+          <a:p>
+            <a:pPr algn="ctr"/>
+            <a:endParaRPr lang="ko-KR" altLang="en-US"/>
+          </a:p>
+        </p:txBody>
+      </p:sp>
+      <p:sp>
+        <p:nvSpPr>
+          <p:cNvPr id="15" name="TextBox 14">
+            <a:extLst>
+              <a:ext uri="{FF2B5EF4-FFF2-40B4-BE49-F238E27FC236}">
+                <a16:creationId xmlns:a16="http://schemas.microsoft.com/office/drawing/2014/main" id="{1D9B3BCB-5A49-BA6B-47C9-F8F80D10EE03}"/>
+              </a:ext>
+            </a:extLst>
+          </p:cNvPr>
+          <p:cNvSpPr txBox="1"/>
+          <p:nvPr/>
+        </p:nvSpPr>
+        <p:spPr>
+          <a:xfrm>
+            <a:off x="1122122" y="2151529"/>
+            <a:ext cx="1622560" cy="369332"/>
+          </a:xfrm>
+          <a:prstGeom prst="rect">
+            <a:avLst/>
+          </a:prstGeom>
+          <a:noFill/>
+        </p:spPr>
+        <p:txBody>
+          <a:bodyPr wrap="none" rtlCol="0">
+            <a:spAutoFit/>
+          </a:bodyPr>
+          <a:lstStyle/>
+          <a:p>
+            <a:pPr algn="ctr"/>
+            <a:r>
+              <a:rPr lang="ko-KR" altLang="en-US" dirty="0">
+                <a:solidFill>
+                  <a:schemeClr val="bg1">
+                    <a:lumMod val="95000"/>
+                  </a:schemeClr>
+                </a:solidFill>
+              </a:rPr>
+              <a:t>현재까지 진행</a:t>
+            </a:r>
+          </a:p>
+        </p:txBody>
+      </p:sp>
+      <p:sp>
+        <p:nvSpPr>
+          <p:cNvPr id="16" name="직사각형 15">
+            <a:extLst>
+              <a:ext uri="{FF2B5EF4-FFF2-40B4-BE49-F238E27FC236}">
+                <a16:creationId xmlns:a16="http://schemas.microsoft.com/office/drawing/2014/main" id="{28A6F334-1CD9-461B-579B-6350724CC407}"/>
+              </a:ext>
+            </a:extLst>
+          </p:cNvPr>
+          <p:cNvSpPr/>
+          <p:nvPr/>
+        </p:nvSpPr>
+        <p:spPr>
+          <a:xfrm>
+            <a:off x="3686782" y="2036556"/>
+            <a:ext cx="2041451" cy="604280"/>
+          </a:xfrm>
+          <a:prstGeom prst="rect">
+            <a:avLst/>
+          </a:prstGeom>
+          <a:solidFill>
+            <a:schemeClr val="accent1"/>
+          </a:solidFill>
+          <a:ln>
+            <a:noFill/>
+          </a:ln>
+        </p:spPr>
+        <p:style>
+          <a:lnRef idx="2">
+            <a:schemeClr val="accent1">
+              <a:shade val="50000"/>
+            </a:schemeClr>
+          </a:lnRef>
+          <a:fillRef idx="1">
+            <a:schemeClr val="accent1"/>
+          </a:fillRef>
+          <a:effectRef idx="0">
+            <a:schemeClr val="accent1"/>
+          </a:effectRef>
+          <a:fontRef idx="minor">
+            <a:schemeClr val="lt1"/>
+          </a:fontRef>
+        </p:style>
+        <p:txBody>
+          <a:bodyPr rtlCol="0" anchor="ctr"/>
+          <a:lstStyle/>
+          <a:p>
+            <a:pPr algn="ctr"/>
+            <a:endParaRPr lang="ko-KR" altLang="en-US"/>
+          </a:p>
+        </p:txBody>
+      </p:sp>
+      <p:sp>
+        <p:nvSpPr>
+          <p:cNvPr id="17" name="TextBox 16">
+            <a:extLst>
+              <a:ext uri="{FF2B5EF4-FFF2-40B4-BE49-F238E27FC236}">
+                <a16:creationId xmlns:a16="http://schemas.microsoft.com/office/drawing/2014/main" id="{CE50E067-ACDB-9A69-4D11-E6BF12E88C52}"/>
+              </a:ext>
+            </a:extLst>
+          </p:cNvPr>
+          <p:cNvSpPr txBox="1"/>
+          <p:nvPr/>
+        </p:nvSpPr>
+        <p:spPr>
+          <a:xfrm>
+            <a:off x="3897128" y="2151529"/>
+            <a:ext cx="1636154" cy="369332"/>
+          </a:xfrm>
+          <a:prstGeom prst="rect">
+            <a:avLst/>
+          </a:prstGeom>
+          <a:noFill/>
+        </p:spPr>
+        <p:txBody>
+          <a:bodyPr wrap="none" rtlCol="0">
+            <a:spAutoFit/>
+          </a:bodyPr>
+          <a:lstStyle/>
+          <a:p>
+            <a:pPr algn="ctr"/>
+            <a:r>
+              <a:rPr lang="ko-KR" altLang="en-US" dirty="0">
+                <a:solidFill>
+                  <a:schemeClr val="bg1">
+                    <a:lumMod val="95000"/>
+                  </a:schemeClr>
+                </a:solidFill>
+              </a:rPr>
+              <a:t>타</a:t>
+            </a:r>
+            <a:r>
+              <a:rPr lang="en-US" altLang="ko-KR" dirty="0">
+                <a:solidFill>
+                  <a:schemeClr val="bg1">
+                    <a:lumMod val="95000"/>
+                  </a:schemeClr>
+                </a:solidFill>
+              </a:rPr>
+              <a:t> Canvas </a:t>
+            </a:r>
+            <a:r>
+              <a:rPr lang="ko-KR" altLang="en-US" dirty="0">
+                <a:solidFill>
+                  <a:schemeClr val="bg1">
+                    <a:lumMod val="95000"/>
+                  </a:schemeClr>
+                </a:solidFill>
+              </a:rPr>
+              <a:t>설계</a:t>
+            </a:r>
+          </a:p>
+        </p:txBody>
+      </p:sp>
+      <p:sp>
+        <p:nvSpPr>
+          <p:cNvPr id="18" name="직사각형 17">
+            <a:extLst>
+              <a:ext uri="{FF2B5EF4-FFF2-40B4-BE49-F238E27FC236}">
+                <a16:creationId xmlns:a16="http://schemas.microsoft.com/office/drawing/2014/main" id="{C4ABD121-0022-3606-3267-D8FFEF56B2A1}"/>
+              </a:ext>
+            </a:extLst>
+          </p:cNvPr>
+          <p:cNvSpPr/>
+          <p:nvPr/>
+        </p:nvSpPr>
+        <p:spPr>
+          <a:xfrm>
+            <a:off x="6445339" y="2036556"/>
+            <a:ext cx="2041451" cy="604280"/>
+          </a:xfrm>
+          <a:prstGeom prst="rect">
+            <a:avLst/>
+          </a:prstGeom>
+          <a:solidFill>
+            <a:schemeClr val="accent1"/>
+          </a:solidFill>
+          <a:ln>
+            <a:noFill/>
+          </a:ln>
+        </p:spPr>
+        <p:style>
+          <a:lnRef idx="2">
+            <a:schemeClr val="accent1">
+              <a:shade val="50000"/>
+            </a:schemeClr>
+          </a:lnRef>
+          <a:fillRef idx="1">
+            <a:schemeClr val="accent1"/>
+          </a:fillRef>
+          <a:effectRef idx="0">
+            <a:schemeClr val="accent1"/>
+          </a:effectRef>
+          <a:fontRef idx="minor">
+            <a:schemeClr val="lt1"/>
+          </a:fontRef>
+        </p:style>
+        <p:txBody>
+          <a:bodyPr rtlCol="0" anchor="ctr"/>
+          <a:lstStyle/>
+          <a:p>
+            <a:pPr algn="ctr"/>
+            <a:endParaRPr lang="ko-KR" altLang="en-US"/>
+          </a:p>
+        </p:txBody>
+      </p:sp>
+      <p:sp>
+        <p:nvSpPr>
+          <p:cNvPr id="19" name="TextBox 18">
+            <a:extLst>
+              <a:ext uri="{FF2B5EF4-FFF2-40B4-BE49-F238E27FC236}">
+                <a16:creationId xmlns:a16="http://schemas.microsoft.com/office/drawing/2014/main" id="{586BDD24-47EA-C837-86E3-9119B2382EDA}"/>
+              </a:ext>
+            </a:extLst>
+          </p:cNvPr>
+          <p:cNvSpPr txBox="1"/>
+          <p:nvPr/>
+        </p:nvSpPr>
+        <p:spPr>
+          <a:xfrm>
+            <a:off x="6465378" y="2151529"/>
+            <a:ext cx="2018373" cy="369332"/>
+          </a:xfrm>
+          <a:prstGeom prst="rect">
+            <a:avLst/>
+          </a:prstGeom>
+          <a:noFill/>
+        </p:spPr>
+        <p:txBody>
+          <a:bodyPr wrap="none" rtlCol="0">
+            <a:spAutoFit/>
+          </a:bodyPr>
+          <a:lstStyle/>
+          <a:p>
+            <a:pPr algn="ctr"/>
+            <a:r>
+              <a:rPr lang="en-US" altLang="ko-KR" dirty="0">
+                <a:solidFill>
+                  <a:schemeClr val="bg1">
+                    <a:lumMod val="95000"/>
+                  </a:schemeClr>
+                </a:solidFill>
+              </a:rPr>
+              <a:t>Event </a:t>
+            </a:r>
+            <a:r>
+              <a:rPr lang="ko-KR" altLang="en-US" dirty="0">
+                <a:solidFill>
+                  <a:schemeClr val="bg1">
+                    <a:lumMod val="95000"/>
+                  </a:schemeClr>
+                </a:solidFill>
+              </a:rPr>
+              <a:t>등 추가 제작</a:t>
+            </a:r>
+          </a:p>
+        </p:txBody>
+      </p:sp>
+      <p:sp>
+        <p:nvSpPr>
+          <p:cNvPr id="21" name="직사각형 20">
+            <a:extLst>
+              <a:ext uri="{FF2B5EF4-FFF2-40B4-BE49-F238E27FC236}">
+                <a16:creationId xmlns:a16="http://schemas.microsoft.com/office/drawing/2014/main" id="{79B0D50C-2855-4E5E-00EE-08A318C467EE}"/>
+              </a:ext>
+            </a:extLst>
+          </p:cNvPr>
+          <p:cNvSpPr/>
+          <p:nvPr/>
+        </p:nvSpPr>
+        <p:spPr>
+          <a:xfrm>
+            <a:off x="9203896" y="2036556"/>
+            <a:ext cx="2041451" cy="604280"/>
+          </a:xfrm>
+          <a:prstGeom prst="rect">
+            <a:avLst/>
+          </a:prstGeom>
+          <a:solidFill>
+            <a:schemeClr val="accent1"/>
+          </a:solidFill>
+          <a:ln>
+            <a:noFill/>
+          </a:ln>
+        </p:spPr>
+        <p:style>
+          <a:lnRef idx="2">
+            <a:schemeClr val="accent1">
+              <a:shade val="50000"/>
+            </a:schemeClr>
+          </a:lnRef>
+          <a:fillRef idx="1">
+            <a:schemeClr val="accent1"/>
+          </a:fillRef>
+          <a:effectRef idx="0">
+            <a:schemeClr val="accent1"/>
+          </a:effectRef>
+          <a:fontRef idx="minor">
+            <a:schemeClr val="lt1"/>
+          </a:fontRef>
+        </p:style>
+        <p:txBody>
+          <a:bodyPr rtlCol="0" anchor="ctr"/>
+          <a:lstStyle/>
+          <a:p>
+            <a:pPr algn="ctr"/>
+            <a:endParaRPr lang="ko-KR" altLang="en-US"/>
+          </a:p>
+        </p:txBody>
+      </p:sp>
+      <p:sp>
+        <p:nvSpPr>
+          <p:cNvPr id="22" name="TextBox 21">
+            <a:extLst>
+              <a:ext uri="{FF2B5EF4-FFF2-40B4-BE49-F238E27FC236}">
+                <a16:creationId xmlns:a16="http://schemas.microsoft.com/office/drawing/2014/main" id="{A7E09A3C-AD29-291C-705F-CCB62D58F463}"/>
+              </a:ext>
+            </a:extLst>
+          </p:cNvPr>
+          <p:cNvSpPr txBox="1"/>
+          <p:nvPr/>
+        </p:nvSpPr>
+        <p:spPr>
+          <a:xfrm>
+            <a:off x="9375836" y="2197695"/>
+            <a:ext cx="1815819" cy="276999"/>
+          </a:xfrm>
+          <a:prstGeom prst="rect">
+            <a:avLst/>
+          </a:prstGeom>
+          <a:noFill/>
+        </p:spPr>
+        <p:txBody>
+          <a:bodyPr wrap="square" rtlCol="0">
+            <a:spAutoFit/>
+          </a:bodyPr>
+          <a:lstStyle/>
+          <a:p>
+            <a:pPr algn="ctr"/>
+            <a:r>
+              <a:rPr lang="en-US" altLang="ko-KR" sz="1200" dirty="0">
+                <a:solidFill>
+                  <a:schemeClr val="bg1">
+                    <a:lumMod val="95000"/>
+                  </a:schemeClr>
+                </a:solidFill>
+              </a:rPr>
+              <a:t>Sprite, Animation</a:t>
+            </a:r>
+            <a:r>
+              <a:rPr lang="ko-KR" altLang="en-US" sz="1200" dirty="0">
+                <a:solidFill>
+                  <a:schemeClr val="bg1">
+                    <a:lumMod val="95000"/>
+                  </a:schemeClr>
+                </a:solidFill>
+              </a:rPr>
+              <a:t> 추가</a:t>
+            </a:r>
+          </a:p>
+        </p:txBody>
+      </p:sp>
+      <p:sp>
+        <p:nvSpPr>
+          <p:cNvPr id="23" name="TextBox 22">
+            <a:extLst>
+              <a:ext uri="{FF2B5EF4-FFF2-40B4-BE49-F238E27FC236}">
+                <a16:creationId xmlns:a16="http://schemas.microsoft.com/office/drawing/2014/main" id="{DBA704BB-5DE6-2674-4B7C-FA5C65F4638A}"/>
+              </a:ext>
+            </a:extLst>
+          </p:cNvPr>
+          <p:cNvSpPr txBox="1"/>
+          <p:nvPr/>
+        </p:nvSpPr>
+        <p:spPr>
+          <a:xfrm>
+            <a:off x="1091954" y="3145960"/>
+            <a:ext cx="1682895" cy="1626279"/>
+          </a:xfrm>
+          <a:prstGeom prst="rect">
+            <a:avLst/>
+          </a:prstGeom>
+          <a:noFill/>
+        </p:spPr>
+        <p:txBody>
+          <a:bodyPr wrap="square" rtlCol="0">
+            <a:spAutoFit/>
+          </a:bodyPr>
+          <a:lstStyle/>
+          <a:p>
+            <a:pPr algn="just">
+              <a:lnSpc>
+                <a:spcPct val="120000"/>
+              </a:lnSpc>
+            </a:pPr>
+            <a:r>
+              <a:rPr lang="ko-KR" altLang="en-US" sz="1400" dirty="0">
+                <a:solidFill>
+                  <a:schemeClr val="tx1">
+                    <a:lumMod val="75000"/>
+                    <a:lumOff val="25000"/>
+                  </a:schemeClr>
+                </a:solidFill>
+                <a:latin typeface="+mn-ea"/>
+              </a:rPr>
+              <a:t>시스템의 기초</a:t>
+            </a:r>
+            <a:r>
+              <a:rPr lang="en-US" altLang="ko-KR" sz="1400" dirty="0">
+                <a:solidFill>
+                  <a:schemeClr val="tx1">
+                    <a:lumMod val="75000"/>
+                    <a:lumOff val="25000"/>
+                  </a:schemeClr>
+                </a:solidFill>
+                <a:latin typeface="+mn-ea"/>
+              </a:rPr>
+              <a:t>:</a:t>
+            </a:r>
+          </a:p>
+          <a:p>
+            <a:pPr algn="just">
+              <a:lnSpc>
+                <a:spcPct val="120000"/>
+              </a:lnSpc>
+            </a:pPr>
+            <a:r>
+              <a:rPr lang="en-US" altLang="ko-KR" sz="1400" dirty="0">
+                <a:solidFill>
+                  <a:schemeClr val="tx1">
+                    <a:lumMod val="75000"/>
+                    <a:lumOff val="25000"/>
+                  </a:schemeClr>
+                </a:solidFill>
+                <a:latin typeface="+mn-ea"/>
+              </a:rPr>
+              <a:t> </a:t>
+            </a:r>
+          </a:p>
+          <a:p>
+            <a:pPr marL="285750" indent="-285750" algn="just">
+              <a:lnSpc>
+                <a:spcPct val="120000"/>
+              </a:lnSpc>
+              <a:buFontTx/>
+              <a:buChar char="-"/>
+            </a:pPr>
+            <a:r>
+              <a:rPr lang="ko-KR" altLang="en-US" sz="1400" dirty="0">
+                <a:solidFill>
+                  <a:schemeClr val="tx1">
+                    <a:lumMod val="75000"/>
+                    <a:lumOff val="25000"/>
+                  </a:schemeClr>
+                </a:solidFill>
+                <a:latin typeface="+mn-ea"/>
+              </a:rPr>
+              <a:t>저장</a:t>
+            </a:r>
+            <a:endParaRPr lang="en-US" altLang="ko-KR" sz="1400" dirty="0">
+              <a:solidFill>
+                <a:schemeClr val="tx1">
+                  <a:lumMod val="75000"/>
+                  <a:lumOff val="25000"/>
+                </a:schemeClr>
+              </a:solidFill>
+              <a:latin typeface="+mn-ea"/>
+            </a:endParaRPr>
+          </a:p>
+          <a:p>
+            <a:pPr marL="285750" indent="-285750" algn="just">
+              <a:lnSpc>
+                <a:spcPct val="120000"/>
+              </a:lnSpc>
+              <a:buFontTx/>
+              <a:buChar char="-"/>
+            </a:pPr>
+            <a:r>
+              <a:rPr lang="en-US" altLang="ko-KR" sz="1400" dirty="0">
+                <a:solidFill>
+                  <a:schemeClr val="tx1">
+                    <a:lumMod val="75000"/>
+                    <a:lumOff val="25000"/>
+                  </a:schemeClr>
+                </a:solidFill>
+                <a:latin typeface="+mn-ea"/>
+              </a:rPr>
+              <a:t>Event</a:t>
+            </a:r>
+          </a:p>
+          <a:p>
+            <a:pPr marL="285750" indent="-285750" algn="just">
+              <a:lnSpc>
+                <a:spcPct val="120000"/>
+              </a:lnSpc>
+              <a:buFontTx/>
+              <a:buChar char="-"/>
+            </a:pPr>
+            <a:r>
+              <a:rPr lang="en-US" altLang="ko-KR" sz="1400" dirty="0">
+                <a:solidFill>
+                  <a:schemeClr val="tx1">
+                    <a:lumMod val="75000"/>
+                    <a:lumOff val="25000"/>
+                  </a:schemeClr>
+                </a:solidFill>
+                <a:latin typeface="+mn-ea"/>
+              </a:rPr>
+              <a:t>Canvas </a:t>
+            </a:r>
+            <a:r>
+              <a:rPr lang="ko-KR" altLang="en-US" sz="1400" dirty="0">
+                <a:solidFill>
+                  <a:schemeClr val="tx1">
+                    <a:lumMod val="75000"/>
+                    <a:lumOff val="25000"/>
+                  </a:schemeClr>
+                </a:solidFill>
+                <a:latin typeface="+mn-ea"/>
+              </a:rPr>
+              <a:t>등 </a:t>
+            </a:r>
+            <a:r>
+              <a:rPr lang="en-US" altLang="ko-KR" sz="1400" dirty="0">
+                <a:solidFill>
+                  <a:schemeClr val="tx1">
+                    <a:lumMod val="75000"/>
+                    <a:lumOff val="25000"/>
+                  </a:schemeClr>
+                </a:solidFill>
+                <a:latin typeface="+mn-ea"/>
+              </a:rPr>
+              <a:t>UI</a:t>
+            </a:r>
+          </a:p>
+          <a:p>
+            <a:pPr marL="285750" indent="-285750" algn="just">
+              <a:lnSpc>
+                <a:spcPct val="120000"/>
+              </a:lnSpc>
+              <a:buFontTx/>
+              <a:buChar char="-"/>
+            </a:pPr>
+            <a:r>
+              <a:rPr lang="en-US" altLang="ko-KR" sz="1400" dirty="0" err="1">
+                <a:solidFill>
+                  <a:schemeClr val="tx1">
+                    <a:lumMod val="75000"/>
+                    <a:lumOff val="25000"/>
+                  </a:schemeClr>
+                </a:solidFill>
+                <a:latin typeface="+mn-ea"/>
+              </a:rPr>
+              <a:t>ButtonControl</a:t>
+            </a:r>
+            <a:endParaRPr lang="en-US" altLang="ko-KR" sz="1400" dirty="0">
+              <a:solidFill>
+                <a:schemeClr val="tx1">
+                  <a:lumMod val="75000"/>
+                  <a:lumOff val="25000"/>
+                </a:schemeClr>
+              </a:solidFill>
+              <a:latin typeface="+mn-ea"/>
+            </a:endParaRPr>
+          </a:p>
+        </p:txBody>
+      </p:sp>
+      <p:sp>
+        <p:nvSpPr>
+          <p:cNvPr id="25" name="TextBox 24">
+            <a:extLst>
+              <a:ext uri="{FF2B5EF4-FFF2-40B4-BE49-F238E27FC236}">
+                <a16:creationId xmlns:a16="http://schemas.microsoft.com/office/drawing/2014/main" id="{CAD0BE96-5D5F-241D-6ADC-7FEC649DD1F6}"/>
+              </a:ext>
+            </a:extLst>
+          </p:cNvPr>
+          <p:cNvSpPr txBox="1"/>
+          <p:nvPr/>
+        </p:nvSpPr>
+        <p:spPr>
+          <a:xfrm>
+            <a:off x="6633116" y="3147692"/>
+            <a:ext cx="1682895" cy="1624547"/>
+          </a:xfrm>
+          <a:prstGeom prst="rect">
+            <a:avLst/>
+          </a:prstGeom>
+          <a:noFill/>
+        </p:spPr>
+        <p:txBody>
+          <a:bodyPr wrap="square" rtlCol="0">
+            <a:spAutoFit/>
+          </a:bodyPr>
+          <a:lstStyle/>
+          <a:p>
+            <a:pPr algn="just">
+              <a:lnSpc>
+                <a:spcPct val="120000"/>
+              </a:lnSpc>
+            </a:pPr>
+            <a:r>
+              <a:rPr lang="ko-KR" altLang="en-US" sz="1400" dirty="0">
+                <a:solidFill>
+                  <a:schemeClr val="tx1">
+                    <a:lumMod val="75000"/>
+                    <a:lumOff val="25000"/>
+                  </a:schemeClr>
+                </a:solidFill>
+                <a:latin typeface="+mn-ea"/>
+              </a:rPr>
+              <a:t>더 다양한 </a:t>
+            </a:r>
+            <a:r>
+              <a:rPr lang="en-US" altLang="ko-KR" sz="1400" dirty="0">
+                <a:solidFill>
+                  <a:schemeClr val="tx1">
+                    <a:lumMod val="75000"/>
+                    <a:lumOff val="25000"/>
+                  </a:schemeClr>
+                </a:solidFill>
+                <a:latin typeface="+mn-ea"/>
+              </a:rPr>
+              <a:t>Event, Item, Weapon</a:t>
+            </a:r>
+            <a:r>
+              <a:rPr lang="ko-KR" altLang="en-US" sz="1400" dirty="0">
+                <a:solidFill>
+                  <a:schemeClr val="tx1">
+                    <a:lumMod val="75000"/>
+                    <a:lumOff val="25000"/>
+                  </a:schemeClr>
+                </a:solidFill>
+                <a:latin typeface="+mn-ea"/>
+              </a:rPr>
+              <a:t>등의 요소 기획 및 제작</a:t>
+            </a:r>
+            <a:r>
+              <a:rPr lang="en-US" altLang="ko-KR" sz="1400" dirty="0">
+                <a:solidFill>
+                  <a:schemeClr val="tx1">
+                    <a:lumMod val="75000"/>
+                    <a:lumOff val="25000"/>
+                  </a:schemeClr>
+                </a:solidFill>
+                <a:latin typeface="+mn-ea"/>
+              </a:rPr>
+              <a:t>;</a:t>
+            </a:r>
+          </a:p>
+          <a:p>
+            <a:pPr algn="just">
+              <a:lnSpc>
+                <a:spcPct val="120000"/>
+              </a:lnSpc>
+            </a:pPr>
+            <a:endParaRPr lang="en-US" altLang="ko-KR" sz="1400" dirty="0">
+              <a:solidFill>
+                <a:schemeClr val="tx1">
+                  <a:lumMod val="75000"/>
+                  <a:lumOff val="25000"/>
+                </a:schemeClr>
+              </a:solidFill>
+              <a:latin typeface="+mn-ea"/>
+            </a:endParaRPr>
+          </a:p>
+          <a:p>
+            <a:pPr algn="just">
+              <a:lnSpc>
+                <a:spcPct val="120000"/>
+              </a:lnSpc>
+            </a:pPr>
+            <a:r>
+              <a:rPr lang="en-US" altLang="ko-KR" sz="1400" dirty="0">
+                <a:solidFill>
+                  <a:schemeClr val="tx1">
+                    <a:lumMod val="75000"/>
+                    <a:lumOff val="25000"/>
+                  </a:schemeClr>
+                </a:solidFill>
+                <a:latin typeface="+mn-ea"/>
+              </a:rPr>
+              <a:t>- </a:t>
+            </a:r>
+            <a:r>
+              <a:rPr lang="ko-KR" altLang="en-US" sz="1400" dirty="0">
+                <a:solidFill>
+                  <a:schemeClr val="tx1">
+                    <a:lumMod val="75000"/>
+                    <a:lumOff val="25000"/>
+                  </a:schemeClr>
+                </a:solidFill>
+                <a:latin typeface="+mn-ea"/>
+              </a:rPr>
+              <a:t>기능 설계 </a:t>
+            </a:r>
+            <a:r>
+              <a:rPr lang="en-US" altLang="ko-KR" sz="1400" dirty="0">
+                <a:solidFill>
+                  <a:schemeClr val="tx1">
+                    <a:lumMod val="75000"/>
+                    <a:lumOff val="25000"/>
+                  </a:schemeClr>
+                </a:solidFill>
+                <a:latin typeface="+mn-ea"/>
+              </a:rPr>
+              <a:t>+ </a:t>
+            </a:r>
+            <a:r>
+              <a:rPr lang="ko-KR" altLang="en-US" sz="1400" dirty="0">
+                <a:solidFill>
+                  <a:schemeClr val="tx1">
+                    <a:lumMod val="75000"/>
+                    <a:lumOff val="25000"/>
+                  </a:schemeClr>
+                </a:solidFill>
+                <a:latin typeface="+mn-ea"/>
+              </a:rPr>
+              <a:t>시스템 도입</a:t>
+            </a:r>
+          </a:p>
+        </p:txBody>
+      </p:sp>
+      <p:sp>
+        <p:nvSpPr>
+          <p:cNvPr id="26" name="TextBox 25">
+            <a:extLst>
+              <a:ext uri="{FF2B5EF4-FFF2-40B4-BE49-F238E27FC236}">
+                <a16:creationId xmlns:a16="http://schemas.microsoft.com/office/drawing/2014/main" id="{BF28018B-1A42-BF1F-9722-9478430C3418}"/>
+              </a:ext>
+            </a:extLst>
+          </p:cNvPr>
+          <p:cNvSpPr txBox="1"/>
+          <p:nvPr/>
+        </p:nvSpPr>
+        <p:spPr>
+          <a:xfrm>
+            <a:off x="3866059" y="3147692"/>
+            <a:ext cx="1682895" cy="1624547"/>
+          </a:xfrm>
+          <a:prstGeom prst="rect">
+            <a:avLst/>
+          </a:prstGeom>
+          <a:noFill/>
+        </p:spPr>
+        <p:txBody>
+          <a:bodyPr wrap="square" rtlCol="0">
+            <a:spAutoFit/>
+          </a:bodyPr>
+          <a:lstStyle/>
+          <a:p>
+            <a:pPr algn="just">
+              <a:lnSpc>
+                <a:spcPct val="120000"/>
+              </a:lnSpc>
+            </a:pPr>
+            <a:r>
+              <a:rPr lang="en-US" altLang="ko-KR" sz="1400" dirty="0">
+                <a:solidFill>
+                  <a:schemeClr val="tx1">
+                    <a:lumMod val="75000"/>
+                    <a:lumOff val="25000"/>
+                  </a:schemeClr>
+                </a:solidFill>
+                <a:latin typeface="+mn-ea"/>
+              </a:rPr>
+              <a:t>Battle, Training, Event canvas</a:t>
+            </a:r>
+            <a:r>
+              <a:rPr lang="ko-KR" altLang="en-US" sz="1400" dirty="0">
+                <a:solidFill>
+                  <a:schemeClr val="tx1">
+                    <a:lumMod val="75000"/>
+                    <a:lumOff val="25000"/>
+                  </a:schemeClr>
+                </a:solidFill>
+                <a:latin typeface="+mn-ea"/>
+              </a:rPr>
+              <a:t>의 제작 및 작동 설계</a:t>
+            </a:r>
+            <a:r>
+              <a:rPr lang="en-US" altLang="ko-KR" sz="1400" dirty="0">
+                <a:solidFill>
+                  <a:schemeClr val="tx1">
+                    <a:lumMod val="75000"/>
+                    <a:lumOff val="25000"/>
+                  </a:schemeClr>
+                </a:solidFill>
+                <a:latin typeface="+mn-ea"/>
+              </a:rPr>
+              <a:t>;</a:t>
+            </a:r>
+          </a:p>
+          <a:p>
+            <a:pPr algn="just">
+              <a:lnSpc>
+                <a:spcPct val="120000"/>
+              </a:lnSpc>
+            </a:pPr>
+            <a:endParaRPr lang="en-US" altLang="ko-KR" sz="1400" dirty="0">
+              <a:solidFill>
+                <a:schemeClr val="tx1">
+                  <a:lumMod val="75000"/>
+                  <a:lumOff val="25000"/>
+                </a:schemeClr>
+              </a:solidFill>
+              <a:latin typeface="+mn-ea"/>
+            </a:endParaRPr>
+          </a:p>
+          <a:p>
+            <a:pPr algn="just">
+              <a:lnSpc>
+                <a:spcPct val="120000"/>
+              </a:lnSpc>
+            </a:pPr>
+            <a:r>
+              <a:rPr lang="en-US" altLang="ko-KR" sz="1400" dirty="0">
+                <a:solidFill>
+                  <a:schemeClr val="tx1">
+                    <a:lumMod val="75000"/>
+                    <a:lumOff val="25000"/>
+                  </a:schemeClr>
+                </a:solidFill>
+                <a:latin typeface="+mn-ea"/>
+              </a:rPr>
+              <a:t>- </a:t>
+            </a:r>
+            <a:r>
+              <a:rPr lang="ko-KR" altLang="en-US" sz="1400" dirty="0">
+                <a:solidFill>
+                  <a:schemeClr val="tx1">
+                    <a:lumMod val="75000"/>
+                    <a:lumOff val="25000"/>
+                  </a:schemeClr>
+                </a:solidFill>
+                <a:latin typeface="+mn-ea"/>
+              </a:rPr>
+              <a:t>만들어진 기초 시스템의 대입</a:t>
+            </a:r>
+          </a:p>
+        </p:txBody>
+      </p:sp>
+      <p:sp>
+        <p:nvSpPr>
+          <p:cNvPr id="27" name="TextBox 26">
+            <a:extLst>
+              <a:ext uri="{FF2B5EF4-FFF2-40B4-BE49-F238E27FC236}">
+                <a16:creationId xmlns:a16="http://schemas.microsoft.com/office/drawing/2014/main" id="{FD67FFC6-D999-1552-F115-538837DE8EB6}"/>
+              </a:ext>
+            </a:extLst>
+          </p:cNvPr>
+          <p:cNvSpPr txBox="1"/>
+          <p:nvPr/>
+        </p:nvSpPr>
+        <p:spPr>
+          <a:xfrm>
+            <a:off x="9417151" y="3142320"/>
+            <a:ext cx="1682895" cy="1883080"/>
+          </a:xfrm>
+          <a:prstGeom prst="rect">
+            <a:avLst/>
+          </a:prstGeom>
+          <a:noFill/>
+        </p:spPr>
+        <p:txBody>
+          <a:bodyPr wrap="square" rtlCol="0">
+            <a:spAutoFit/>
+          </a:bodyPr>
+          <a:lstStyle/>
+          <a:p>
+            <a:pPr algn="just">
+              <a:lnSpc>
+                <a:spcPct val="120000"/>
+              </a:lnSpc>
+            </a:pPr>
+            <a:r>
+              <a:rPr lang="ko-KR" altLang="en-US" sz="1400" spc="-150" dirty="0">
+                <a:solidFill>
+                  <a:schemeClr val="tx1">
+                    <a:lumMod val="75000"/>
+                    <a:lumOff val="25000"/>
+                  </a:schemeClr>
+                </a:solidFill>
+                <a:latin typeface="+mn-ea"/>
+              </a:rPr>
+              <a:t>게임의 실작동에 영향을 미치지 않는 요소의 개발</a:t>
+            </a:r>
+            <a:r>
+              <a:rPr lang="en-US" altLang="ko-KR" sz="1400" spc="-150" dirty="0">
+                <a:solidFill>
+                  <a:schemeClr val="tx1">
+                    <a:lumMod val="75000"/>
+                    <a:lumOff val="25000"/>
+                  </a:schemeClr>
+                </a:solidFill>
+                <a:latin typeface="+mn-ea"/>
+              </a:rPr>
+              <a:t>;</a:t>
+            </a:r>
+          </a:p>
+          <a:p>
+            <a:pPr algn="just">
+              <a:lnSpc>
+                <a:spcPct val="120000"/>
+              </a:lnSpc>
+            </a:pPr>
+            <a:endParaRPr lang="en-US" altLang="ko-KR" sz="1400" spc="-150" dirty="0">
+              <a:solidFill>
+                <a:schemeClr val="tx1">
+                  <a:lumMod val="75000"/>
+                  <a:lumOff val="25000"/>
+                </a:schemeClr>
+              </a:solidFill>
+              <a:latin typeface="+mn-ea"/>
+            </a:endParaRPr>
+          </a:p>
+          <a:p>
+            <a:pPr algn="just">
+              <a:lnSpc>
+                <a:spcPct val="120000"/>
+              </a:lnSpc>
+            </a:pPr>
+            <a:r>
+              <a:rPr lang="en-US" altLang="ko-KR" sz="1400" spc="-150" dirty="0">
+                <a:solidFill>
+                  <a:schemeClr val="tx1">
+                    <a:lumMod val="75000"/>
+                    <a:lumOff val="25000"/>
+                  </a:schemeClr>
+                </a:solidFill>
+                <a:latin typeface="+mn-ea"/>
+              </a:rPr>
+              <a:t>-  Item</a:t>
+            </a:r>
+            <a:r>
+              <a:rPr lang="ko-KR" altLang="en-US" sz="1400" spc="-150" dirty="0">
+                <a:solidFill>
+                  <a:schemeClr val="tx1">
+                    <a:lumMod val="75000"/>
+                    <a:lumOff val="25000"/>
+                  </a:schemeClr>
+                </a:solidFill>
+                <a:latin typeface="+mn-ea"/>
+              </a:rPr>
+              <a:t>의 </a:t>
+            </a:r>
+            <a:r>
+              <a:rPr lang="en-US" altLang="ko-KR" sz="1400" spc="-150" dirty="0">
+                <a:solidFill>
+                  <a:schemeClr val="tx1">
+                    <a:lumMod val="75000"/>
+                    <a:lumOff val="25000"/>
+                  </a:schemeClr>
+                </a:solidFill>
+                <a:latin typeface="+mn-ea"/>
+              </a:rPr>
+              <a:t>Sprite, </a:t>
+            </a:r>
+            <a:r>
+              <a:rPr lang="ko-KR" altLang="en-US" sz="1400" spc="-150" dirty="0">
+                <a:solidFill>
+                  <a:schemeClr val="tx1">
+                    <a:lumMod val="75000"/>
+                    <a:lumOff val="25000"/>
+                  </a:schemeClr>
+                </a:solidFill>
+                <a:latin typeface="+mn-ea"/>
+              </a:rPr>
+              <a:t>작동 시 적합한 </a:t>
+            </a:r>
+            <a:r>
+              <a:rPr lang="en-US" altLang="ko-KR" sz="1400" spc="-150" dirty="0">
+                <a:solidFill>
+                  <a:schemeClr val="tx1">
+                    <a:lumMod val="75000"/>
+                    <a:lumOff val="25000"/>
+                  </a:schemeClr>
+                </a:solidFill>
+                <a:latin typeface="+mn-ea"/>
+              </a:rPr>
+              <a:t>Animation</a:t>
+            </a:r>
+            <a:r>
+              <a:rPr lang="ko-KR" altLang="en-US" sz="1400" spc="-150" dirty="0">
+                <a:solidFill>
+                  <a:schemeClr val="tx1">
+                    <a:lumMod val="75000"/>
+                    <a:lumOff val="25000"/>
+                  </a:schemeClr>
+                </a:solidFill>
+                <a:latin typeface="+mn-ea"/>
+              </a:rPr>
+              <a:t>들의 추가</a:t>
+            </a:r>
+            <a:endParaRPr lang="en-US" altLang="ko-KR" sz="1400" spc="-150" dirty="0">
+              <a:solidFill>
+                <a:schemeClr val="tx1">
+                  <a:lumMod val="75000"/>
+                  <a:lumOff val="25000"/>
+                </a:schemeClr>
+              </a:solidFill>
+              <a:latin typeface="+mn-ea"/>
+            </a:endParaRPr>
+          </a:p>
+        </p:txBody>
+      </p:sp>
+    </p:spTree>
+    <p:extLst>
+      <p:ext uri="{BB962C8B-B14F-4D97-AF65-F5344CB8AC3E}">
+        <p14:creationId xmlns:p14="http://schemas.microsoft.com/office/powerpoint/2010/main" val="1809154647"/>
+      </p:ext>
+    </p:extLst>
+  </p:cSld>
+  <p:clrMapOvr>
+    <a:masterClrMapping/>
+  </p:clrMapOvr>
+</p:sld>
+</file>
+
+<file path=ppt/slides/slide14.xml><?xml version="1.0" encoding="utf-8"?>
+<p:sld xmlns:a="http://schemas.openxmlformats.org/drawingml/2006/main" xmlns:r="http://schemas.openxmlformats.org/officeDocument/2006/relationships" xmlns:p="http://schemas.openxmlformats.org/presentationml/2006/main">
+  <p:cSld>
+    <p:spTree>
+      <p:nvGrpSpPr>
+        <p:cNvPr id="1" name=""/>
+        <p:cNvGrpSpPr/>
+        <p:nvPr/>
+      </p:nvGrpSpPr>
+      <p:grpSpPr>
+        <a:xfrm>
+          <a:off x="0" y="0"/>
+          <a:ext cx="0" cy="0"/>
+          <a:chOff x="0" y="0"/>
+          <a:chExt cx="0" cy="0"/>
+        </a:xfrm>
+      </p:grpSpPr>
+      <p:cxnSp>
+        <p:nvCxnSpPr>
+          <p:cNvPr id="3" name="직선 연결선 2">
+            <a:extLst>
+              <a:ext uri="{FF2B5EF4-FFF2-40B4-BE49-F238E27FC236}">
+                <a16:creationId xmlns:a16="http://schemas.microsoft.com/office/drawing/2014/main" id="{E3FBA607-E7FC-B7F8-2868-BC448F31F790}"/>
+              </a:ext>
+            </a:extLst>
+          </p:cNvPr>
+          <p:cNvCxnSpPr/>
+          <p:nvPr/>
+        </p:nvCxnSpPr>
+        <p:spPr>
+          <a:xfrm>
+            <a:off x="144378" y="160422"/>
+            <a:ext cx="12060000" cy="0"/>
+          </a:xfrm>
+          <a:prstGeom prst="line">
+            <a:avLst/>
+          </a:prstGeom>
+          <a:ln w="76200">
+            <a:solidFill>
+              <a:schemeClr val="accent1"/>
+            </a:solidFill>
+          </a:ln>
+        </p:spPr>
+        <p:style>
+          <a:lnRef idx="1">
+            <a:schemeClr val="accent1"/>
+          </a:lnRef>
+          <a:fillRef idx="0">
+            <a:schemeClr val="accent1"/>
+          </a:fillRef>
+          <a:effectRef idx="0">
+            <a:schemeClr val="accent1"/>
+          </a:effectRef>
+          <a:fontRef idx="minor">
+            <a:schemeClr val="tx1"/>
+          </a:fontRef>
+        </p:style>
+      </p:cxnSp>
+      <p:sp>
+        <p:nvSpPr>
+          <p:cNvPr id="4" name="TextBox 3">
+            <a:extLst>
+              <a:ext uri="{FF2B5EF4-FFF2-40B4-BE49-F238E27FC236}">
+                <a16:creationId xmlns:a16="http://schemas.microsoft.com/office/drawing/2014/main" id="{B8326A7D-F71C-ED1C-CBFD-93F557654D2A}"/>
+              </a:ext>
+            </a:extLst>
+          </p:cNvPr>
+          <p:cNvSpPr txBox="1"/>
+          <p:nvPr/>
+        </p:nvSpPr>
+        <p:spPr>
+          <a:xfrm>
+            <a:off x="144378" y="272716"/>
+            <a:ext cx="675570" cy="338554"/>
+          </a:xfrm>
+          <a:prstGeom prst="rect">
+            <a:avLst/>
+          </a:prstGeom>
+          <a:noFill/>
+        </p:spPr>
+        <p:txBody>
+          <a:bodyPr wrap="none" rtlCol="0">
+            <a:spAutoFit/>
+          </a:bodyPr>
+          <a:lstStyle/>
+          <a:p>
+            <a:r>
+              <a:rPr lang="en-US" altLang="ko-KR" sz="1600" dirty="0">
+                <a:solidFill>
+                  <a:schemeClr val="accent1"/>
+                </a:solidFill>
+              </a:rPr>
+              <a:t>Part 6</a:t>
+            </a:r>
+            <a:endParaRPr lang="ko-KR" altLang="en-US" sz="1600" dirty="0">
+              <a:solidFill>
+                <a:schemeClr val="accent1"/>
+              </a:solidFill>
+            </a:endParaRPr>
+          </a:p>
+        </p:txBody>
+      </p:sp>
+      <p:sp>
+        <p:nvSpPr>
+          <p:cNvPr id="5" name="TextBox 4">
+            <a:extLst>
+              <a:ext uri="{FF2B5EF4-FFF2-40B4-BE49-F238E27FC236}">
+                <a16:creationId xmlns:a16="http://schemas.microsoft.com/office/drawing/2014/main" id="{3251639B-29EB-6E9D-733B-6F917838F571}"/>
+              </a:ext>
+            </a:extLst>
+          </p:cNvPr>
+          <p:cNvSpPr txBox="1"/>
+          <p:nvPr/>
+        </p:nvSpPr>
+        <p:spPr>
+          <a:xfrm>
+            <a:off x="1163052" y="272716"/>
+            <a:ext cx="3243196" cy="523220"/>
+          </a:xfrm>
+          <a:prstGeom prst="rect">
+            <a:avLst/>
+          </a:prstGeom>
+          <a:noFill/>
+        </p:spPr>
+        <p:txBody>
+          <a:bodyPr wrap="none" rtlCol="0">
+            <a:spAutoFit/>
+          </a:bodyPr>
+          <a:lstStyle/>
+          <a:p>
+            <a:r>
+              <a:rPr lang="ko-KR" altLang="en-US" sz="2800" b="1" spc="-300" dirty="0">
+                <a:solidFill>
+                  <a:schemeClr val="accent1"/>
+                </a:solidFill>
+              </a:rPr>
+              <a:t>개선 사항 및 향후 계획</a:t>
             </a:r>
           </a:p>
         </p:txBody>
@@ -3782,7 +5040,7 @@
         </p:nvSpPr>
         <p:spPr>
           <a:xfrm>
-            <a:off x="905846" y="2291532"/>
+            <a:off x="2177466" y="2291532"/>
             <a:ext cx="422140" cy="422140"/>
           </a:xfrm>
           <a:prstGeom prst="ellipse">
@@ -3837,7 +5095,7 @@
         </p:nvSpPr>
         <p:spPr>
           <a:xfrm>
-            <a:off x="3176765" y="2291532"/>
+            <a:off x="5761994" y="2291532"/>
             <a:ext cx="422140" cy="422140"/>
           </a:xfrm>
           <a:prstGeom prst="ellipse">
@@ -3880,10 +5138,10 @@
       </p:sp>
       <p:sp>
         <p:nvSpPr>
-          <p:cNvPr id="72" name="타원 71">
-            <a:extLst>
-              <a:ext uri="{FF2B5EF4-FFF2-40B4-BE49-F238E27FC236}">
-                <a16:creationId xmlns:a16="http://schemas.microsoft.com/office/drawing/2014/main" id="{66324622-60CB-20AD-FBF4-4FAE359FB029}"/>
+          <p:cNvPr id="74" name="타원 73">
+            <a:extLst>
+              <a:ext uri="{FF2B5EF4-FFF2-40B4-BE49-F238E27FC236}">
+                <a16:creationId xmlns:a16="http://schemas.microsoft.com/office/drawing/2014/main" id="{E23949D3-9516-B8B8-5665-856EDC25FC7F}"/>
               </a:ext>
             </a:extLst>
           </p:cNvPr>
@@ -3892,7 +5150,7 @@
         </p:nvSpPr>
         <p:spPr>
           <a:xfrm>
-            <a:off x="5610470" y="2291532"/>
+            <a:off x="9363720" y="2291532"/>
             <a:ext cx="422140" cy="422140"/>
           </a:xfrm>
           <a:prstGeom prst="ellipse">
@@ -3935,116 +5193,6 @@
       </p:sp>
       <p:sp>
         <p:nvSpPr>
-          <p:cNvPr id="73" name="타원 72">
-            <a:extLst>
-              <a:ext uri="{FF2B5EF4-FFF2-40B4-BE49-F238E27FC236}">
-                <a16:creationId xmlns:a16="http://schemas.microsoft.com/office/drawing/2014/main" id="{776E812C-C2D0-A183-41A6-189DB6A97DFB}"/>
-              </a:ext>
-            </a:extLst>
-          </p:cNvPr>
-          <p:cNvSpPr/>
-          <p:nvPr/>
-        </p:nvSpPr>
-        <p:spPr>
-          <a:xfrm>
-            <a:off x="8195945" y="2291532"/>
-            <a:ext cx="422140" cy="422140"/>
-          </a:xfrm>
-          <a:prstGeom prst="ellipse">
-            <a:avLst/>
-          </a:prstGeom>
-          <a:solidFill>
-            <a:schemeClr val="accent1">
-              <a:lumMod val="20000"/>
-              <a:lumOff val="80000"/>
-            </a:schemeClr>
-          </a:solidFill>
-          <a:ln w="38100">
-            <a:prstDash val="sysDash"/>
-          </a:ln>
-        </p:spPr>
-        <p:style>
-          <a:lnRef idx="2">
-            <a:schemeClr val="accent1">
-              <a:shade val="50000"/>
-            </a:schemeClr>
-          </a:lnRef>
-          <a:fillRef idx="1">
-            <a:schemeClr val="accent1"/>
-          </a:fillRef>
-          <a:effectRef idx="0">
-            <a:schemeClr val="accent1"/>
-          </a:effectRef>
-          <a:fontRef idx="minor">
-            <a:schemeClr val="lt1"/>
-          </a:fontRef>
-        </p:style>
-        <p:txBody>
-          <a:bodyPr rtlCol="0" anchor="ctr"/>
-          <a:lstStyle/>
-          <a:p>
-            <a:pPr algn="ctr"/>
-            <a:endParaRPr lang="ko-KR" altLang="en-US"/>
-          </a:p>
-        </p:txBody>
-      </p:sp>
-      <p:sp>
-        <p:nvSpPr>
-          <p:cNvPr id="74" name="타원 73">
-            <a:extLst>
-              <a:ext uri="{FF2B5EF4-FFF2-40B4-BE49-F238E27FC236}">
-                <a16:creationId xmlns:a16="http://schemas.microsoft.com/office/drawing/2014/main" id="{E23949D3-9516-B8B8-5665-856EDC25FC7F}"/>
-              </a:ext>
-            </a:extLst>
-          </p:cNvPr>
-          <p:cNvSpPr/>
-          <p:nvPr/>
-        </p:nvSpPr>
-        <p:spPr>
-          <a:xfrm>
-            <a:off x="10648719" y="2291532"/>
-            <a:ext cx="422140" cy="422140"/>
-          </a:xfrm>
-          <a:prstGeom prst="ellipse">
-            <a:avLst/>
-          </a:prstGeom>
-          <a:solidFill>
-            <a:schemeClr val="accent1">
-              <a:lumMod val="20000"/>
-              <a:lumOff val="80000"/>
-            </a:schemeClr>
-          </a:solidFill>
-          <a:ln w="38100">
-            <a:prstDash val="sysDash"/>
-          </a:ln>
-        </p:spPr>
-        <p:style>
-          <a:lnRef idx="2">
-            <a:schemeClr val="accent1">
-              <a:shade val="50000"/>
-            </a:schemeClr>
-          </a:lnRef>
-          <a:fillRef idx="1">
-            <a:schemeClr val="accent1"/>
-          </a:fillRef>
-          <a:effectRef idx="0">
-            <a:schemeClr val="accent1"/>
-          </a:effectRef>
-          <a:fontRef idx="minor">
-            <a:schemeClr val="lt1"/>
-          </a:fontRef>
-        </p:style>
-        <p:txBody>
-          <a:bodyPr rtlCol="0" anchor="ctr"/>
-          <a:lstStyle/>
-          <a:p>
-            <a:pPr algn="ctr"/>
-            <a:endParaRPr lang="ko-KR" altLang="en-US"/>
-          </a:p>
-        </p:txBody>
-      </p:sp>
-      <p:sp>
-        <p:nvSpPr>
           <p:cNvPr id="79" name="TextBox 78">
             <a:extLst>
               <a:ext uri="{FF2B5EF4-FFF2-40B4-BE49-F238E27FC236}">
@@ -4057,7 +5205,7 @@
         </p:nvSpPr>
         <p:spPr>
           <a:xfrm>
-            <a:off x="10483681" y="2923922"/>
+            <a:off x="9198682" y="2923922"/>
             <a:ext cx="763351" cy="369332"/>
           </a:xfrm>
           <a:prstGeom prst="rect">
@@ -4097,10 +5245,10 @@
       </p:sp>
       <p:sp>
         <p:nvSpPr>
-          <p:cNvPr id="80" name="TextBox 79">
-            <a:extLst>
-              <a:ext uri="{FF2B5EF4-FFF2-40B4-BE49-F238E27FC236}">
-                <a16:creationId xmlns:a16="http://schemas.microsoft.com/office/drawing/2014/main" id="{53C68272-3D14-2B82-8675-51FB731C84C0}"/>
+          <p:cNvPr id="82" name="TextBox 81">
+            <a:extLst>
+              <a:ext uri="{FF2B5EF4-FFF2-40B4-BE49-F238E27FC236}">
+                <a16:creationId xmlns:a16="http://schemas.microsoft.com/office/drawing/2014/main" id="{87B36451-58DE-E428-E1DA-D2309FB2D62B}"/>
               </a:ext>
             </a:extLst>
           </p:cNvPr>
@@ -4109,8 +5257,8 @@
         </p:nvSpPr>
         <p:spPr>
           <a:xfrm>
-            <a:off x="8092198" y="2923102"/>
-            <a:ext cx="646332" cy="369332"/>
+            <a:off x="5720721" y="2921462"/>
+            <a:ext cx="532518" cy="369332"/>
           </a:xfrm>
           <a:prstGeom prst="rect">
             <a:avLst/>
@@ -4125,24 +5273,34 @@
           <a:p>
             <a:pPr algn="ctr"/>
             <a:r>
-              <a:rPr lang="ko-KR" altLang="en-US" b="1" dirty="0">
+              <a:rPr lang="en-US" altLang="ko-KR" b="1" dirty="0">
                 <a:solidFill>
                   <a:schemeClr val="accent1">
                     <a:lumMod val="50000"/>
                   </a:schemeClr>
                 </a:solidFill>
               </a:rPr>
-              <a:t>방학</a:t>
-            </a:r>
-          </a:p>
-        </p:txBody>
-      </p:sp>
-      <p:sp>
-        <p:nvSpPr>
-          <p:cNvPr id="81" name="TextBox 80">
-            <a:extLst>
-              <a:ext uri="{FF2B5EF4-FFF2-40B4-BE49-F238E27FC236}">
-                <a16:creationId xmlns:a16="http://schemas.microsoft.com/office/drawing/2014/main" id="{39EEBEB2-36E8-9E83-F058-F824661BBE59}"/>
+              <a:t>7</a:t>
+            </a:r>
+            <a:r>
+              <a:rPr lang="ko-KR" altLang="en-US" b="1" dirty="0">
+                <a:solidFill>
+                  <a:schemeClr val="accent1">
+                    <a:lumMod val="50000"/>
+                  </a:schemeClr>
+                </a:solidFill>
+              </a:rPr>
+              <a:t>월</a:t>
+            </a:r>
+          </a:p>
+        </p:txBody>
+      </p:sp>
+      <p:sp>
+        <p:nvSpPr>
+          <p:cNvPr id="83" name="TextBox 82">
+            <a:extLst>
+              <a:ext uri="{FF2B5EF4-FFF2-40B4-BE49-F238E27FC236}">
+                <a16:creationId xmlns:a16="http://schemas.microsoft.com/office/drawing/2014/main" id="{7ABB2A67-39E4-A36F-513B-6E2D14CDFCD7}"/>
               </a:ext>
             </a:extLst>
           </p:cNvPr>
@@ -4151,7 +5309,7 @@
         </p:nvSpPr>
         <p:spPr>
           <a:xfrm>
-            <a:off x="5566413" y="2922282"/>
+            <a:off x="2138977" y="2920642"/>
             <a:ext cx="532518" cy="369332"/>
           </a:xfrm>
           <a:prstGeom prst="rect">
@@ -4189,110 +5347,6 @@
           </a:p>
         </p:txBody>
       </p:sp>
-      <p:sp>
-        <p:nvSpPr>
-          <p:cNvPr id="82" name="TextBox 81">
-            <a:extLst>
-              <a:ext uri="{FF2B5EF4-FFF2-40B4-BE49-F238E27FC236}">
-                <a16:creationId xmlns:a16="http://schemas.microsoft.com/office/drawing/2014/main" id="{87B36451-58DE-E428-E1DA-D2309FB2D62B}"/>
-              </a:ext>
-            </a:extLst>
-          </p:cNvPr>
-          <p:cNvSpPr txBox="1"/>
-          <p:nvPr/>
-        </p:nvSpPr>
-        <p:spPr>
-          <a:xfrm>
-            <a:off x="3135492" y="2921462"/>
-            <a:ext cx="532518" cy="369332"/>
-          </a:xfrm>
-          <a:prstGeom prst="rect">
-            <a:avLst/>
-          </a:prstGeom>
-          <a:noFill/>
-        </p:spPr>
-        <p:txBody>
-          <a:bodyPr wrap="none" rtlCol="0">
-            <a:spAutoFit/>
-          </a:bodyPr>
-          <a:lstStyle/>
-          <a:p>
-            <a:pPr algn="ctr"/>
-            <a:r>
-              <a:rPr lang="en-US" altLang="ko-KR" b="1" dirty="0">
-                <a:solidFill>
-                  <a:schemeClr val="accent1">
-                    <a:lumMod val="50000"/>
-                  </a:schemeClr>
-                </a:solidFill>
-              </a:rPr>
-              <a:t>5</a:t>
-            </a:r>
-            <a:r>
-              <a:rPr lang="ko-KR" altLang="en-US" b="1" dirty="0">
-                <a:solidFill>
-                  <a:schemeClr val="accent1">
-                    <a:lumMod val="50000"/>
-                  </a:schemeClr>
-                </a:solidFill>
-              </a:rPr>
-              <a:t>월</a:t>
-            </a:r>
-          </a:p>
-        </p:txBody>
-      </p:sp>
-      <p:sp>
-        <p:nvSpPr>
-          <p:cNvPr id="83" name="TextBox 82">
-            <a:extLst>
-              <a:ext uri="{FF2B5EF4-FFF2-40B4-BE49-F238E27FC236}">
-                <a16:creationId xmlns:a16="http://schemas.microsoft.com/office/drawing/2014/main" id="{7ABB2A67-39E4-A36F-513B-6E2D14CDFCD7}"/>
-              </a:ext>
-            </a:extLst>
-          </p:cNvPr>
-          <p:cNvSpPr txBox="1"/>
-          <p:nvPr/>
-        </p:nvSpPr>
-        <p:spPr>
-          <a:xfrm>
-            <a:off x="867357" y="2920642"/>
-            <a:ext cx="532518" cy="369332"/>
-          </a:xfrm>
-          <a:prstGeom prst="rect">
-            <a:avLst/>
-          </a:prstGeom>
-          <a:noFill/>
-        </p:spPr>
-        <p:txBody>
-          <a:bodyPr wrap="none" rtlCol="0">
-            <a:spAutoFit/>
-          </a:bodyPr>
-          <a:lstStyle/>
-          <a:p>
-            <a:pPr algn="ctr"/>
-            <a:r>
-              <a:rPr lang="en-US" altLang="ko-KR" b="1" dirty="0">
-                <a:solidFill>
-                  <a:schemeClr val="accent1">
-                    <a:lumMod val="50000"/>
-                  </a:schemeClr>
-                </a:solidFill>
-              </a:rPr>
-              <a:t>4</a:t>
-            </a:r>
-            <a:r>
-              <a:rPr lang="ko-KR" altLang="en-US" b="1" dirty="0">
-                <a:solidFill>
-                  <a:schemeClr val="accent1">
-                    <a:lumMod val="50000"/>
-                  </a:schemeClr>
-                </a:solidFill>
-              </a:rPr>
-              <a:t>월</a:t>
-            </a:r>
-          </a:p>
-        </p:txBody>
-      </p:sp>
       <p:grpSp>
         <p:nvGrpSpPr>
           <p:cNvPr id="88" name="그룹 87">
@@ -4307,10 +5361,10 @@
         </p:nvGrpSpPr>
         <p:grpSpPr>
           <a:xfrm>
-            <a:off x="419287" y="3650125"/>
-            <a:ext cx="1498450" cy="1037966"/>
+            <a:off x="1690907" y="3650125"/>
+            <a:ext cx="1498450" cy="1222632"/>
             <a:chOff x="390712" y="4305966"/>
-            <a:chExt cx="1498450" cy="1037966"/>
+            <a:chExt cx="1498450" cy="1222632"/>
           </a:xfrm>
         </p:grpSpPr>
         <p:sp>
@@ -4328,7 +5382,7 @@
           <p:spPr>
             <a:xfrm>
               <a:off x="413827" y="4697601"/>
-              <a:ext cx="1475335" cy="646331"/>
+              <a:ext cx="1475335" cy="830997"/>
             </a:xfrm>
             <a:prstGeom prst="rect">
               <a:avLst/>
@@ -4357,7 +5411,7 @@
                   </a:solidFill>
                   <a:latin typeface="+mn-ea"/>
                 </a:rPr>
-                <a:t>각 </a:t>
+                <a:t>타 </a:t>
               </a:r>
               <a:r>
                 <a:rPr lang="en-US" altLang="ko-KR" sz="1200" dirty="0">
@@ -4379,7 +5433,7 @@
                   </a:solidFill>
                   <a:latin typeface="+mn-ea"/>
                 </a:rPr>
-                <a:t>들의 제작</a:t>
+                <a:t>들의 개발</a:t>
               </a:r>
               <a:endParaRPr lang="en-US" altLang="ko-KR" sz="1200" dirty="0">
                 <a:solidFill>
@@ -4396,17 +5450,6 @@
                 <a:buChar char="-"/>
               </a:pPr>
               <a:r>
-                <a:rPr lang="en-US" altLang="ko-KR" sz="1200" dirty="0">
-                  <a:solidFill>
-                    <a:schemeClr val="tx2">
-                      <a:lumMod val="50000"/>
-                    </a:schemeClr>
-                  </a:solidFill>
-                  <a:latin typeface="+mn-ea"/>
-                </a:rPr>
-                <a:t>Sprite</a:t>
-              </a:r>
-              <a:r>
                 <a:rPr lang="ko-KR" altLang="en-US" sz="1200" dirty="0">
                   <a:solidFill>
                     <a:schemeClr val="tx2">
@@ -4415,7 +5458,7 @@
                   </a:solidFill>
                   <a:latin typeface="+mn-ea"/>
                 </a:rPr>
-                <a:t>들의 제작</a:t>
+                <a:t>정상 작동 하도록 설계</a:t>
               </a:r>
             </a:p>
           </p:txBody>
@@ -4461,7 +5504,7 @@
                   </a:solidFill>
                   <a:latin typeface="+mn-ea"/>
                 </a:rPr>
-                <a:t>시각적 요소 </a:t>
+                <a:t>전체 기틀</a:t>
               </a:r>
             </a:p>
           </p:txBody>
@@ -4481,10 +5524,10 @@
         </p:nvGrpSpPr>
         <p:grpSpPr>
           <a:xfrm>
-            <a:off x="2681607" y="3650125"/>
-            <a:ext cx="1498450" cy="853300"/>
+            <a:off x="5266836" y="3650125"/>
+            <a:ext cx="1498450" cy="1222632"/>
             <a:chOff x="390712" y="4305966"/>
-            <a:chExt cx="1498450" cy="853300"/>
+            <a:chExt cx="1498450" cy="1222632"/>
           </a:xfrm>
         </p:grpSpPr>
         <p:sp>
@@ -4502,7 +5545,7 @@
           <p:spPr>
             <a:xfrm>
               <a:off x="413827" y="4697601"/>
-              <a:ext cx="1475335" cy="461665"/>
+              <a:ext cx="1475335" cy="830997"/>
             </a:xfrm>
             <a:prstGeom prst="rect">
               <a:avLst/>
@@ -4518,7 +5561,21 @@
             </a:bodyPr>
             <a:lstStyle/>
             <a:p>
-              <a:pPr algn="just"/>
+              <a:pPr marL="171450" indent="-171450" algn="just">
+                <a:buFontTx/>
+                <a:buChar char="-"/>
+              </a:pPr>
+              <a:r>
+                <a:rPr lang="ko-KR" altLang="en-US" sz="1200" dirty="0">
+                  <a:solidFill>
+                    <a:schemeClr val="tx2">
+                      <a:lumMod val="50000"/>
+                    </a:schemeClr>
+                  </a:solidFill>
+                  <a:latin typeface="+mn-ea"/>
+                </a:rPr>
+                <a:t>다양한 </a:t>
+              </a:r>
               <a:r>
                 <a:rPr lang="en-US" altLang="ko-KR" sz="1200" dirty="0">
                   <a:solidFill>
@@ -4528,18 +5585,7 @@
                   </a:solidFill>
                   <a:latin typeface="+mn-ea"/>
                 </a:rPr>
-                <a:t>- </a:t>
-              </a:r>
-              <a:r>
-                <a:rPr lang="en-US" altLang="ko-KR" sz="1200" dirty="0" err="1">
-                  <a:solidFill>
-                    <a:schemeClr val="tx2">
-                      <a:lumMod val="50000"/>
-                    </a:schemeClr>
-                  </a:solidFill>
-                  <a:latin typeface="+mn-ea"/>
-                </a:rPr>
-                <a:t>GameObject</a:t>
+                <a:t>Event, Item</a:t>
               </a:r>
               <a:r>
                 <a:rPr lang="ko-KR" altLang="en-US" sz="1200" dirty="0">
@@ -4550,19 +5596,22 @@
                   </a:solidFill>
                   <a:latin typeface="+mn-ea"/>
                 </a:rPr>
-                <a:t>들의 </a:t>
+                <a:t>의 추가</a:t>
               </a:r>
-              <a:r>
-                <a:rPr lang="en-US" altLang="ko-KR" sz="1200" dirty="0">
-                  <a:solidFill>
-                    <a:schemeClr val="tx2">
-                      <a:lumMod val="50000"/>
-                    </a:schemeClr>
-                  </a:solidFill>
-                  <a:latin typeface="+mn-ea"/>
-                </a:rPr>
-                <a:t>Script </a:t>
-              </a:r>
+              <a:endParaRPr lang="en-US" altLang="ko-KR" sz="1200" dirty="0">
+                <a:solidFill>
+                  <a:schemeClr val="tx2">
+                    <a:lumMod val="50000"/>
+                  </a:schemeClr>
+                </a:solidFill>
+                <a:latin typeface="+mn-ea"/>
+              </a:endParaRPr>
+            </a:p>
+            <a:p>
+              <a:pPr marL="171450" indent="-171450" algn="just">
+                <a:buFontTx/>
+                <a:buChar char="-"/>
+              </a:pPr>
               <a:r>
                 <a:rPr lang="ko-KR" altLang="en-US" sz="1200" dirty="0">
                   <a:solidFill>
@@ -4572,7 +5621,7 @@
                   </a:solidFill>
                   <a:latin typeface="+mn-ea"/>
                 </a:rPr>
-                <a:t>제작</a:t>
+                <a:t>각 요소들의 작동 설계</a:t>
               </a:r>
             </a:p>
           </p:txBody>
@@ -4618,329 +5667,7 @@
                   </a:solidFill>
                   <a:latin typeface="+mn-ea"/>
                 </a:rPr>
-                <a:t>기능적 요소</a:t>
-              </a:r>
-            </a:p>
-          </p:txBody>
-        </p:sp>
-      </p:grpSp>
-      <p:grpSp>
-        <p:nvGrpSpPr>
-          <p:cNvPr id="92" name="그룹 91">
-            <a:extLst>
-              <a:ext uri="{FF2B5EF4-FFF2-40B4-BE49-F238E27FC236}">
-                <a16:creationId xmlns:a16="http://schemas.microsoft.com/office/drawing/2014/main" id="{F8887DE4-83C3-804E-DF0A-B1D1CB378092}"/>
-              </a:ext>
-            </a:extLst>
-          </p:cNvPr>
-          <p:cNvGrpSpPr/>
-          <p:nvPr/>
-        </p:nvGrpSpPr>
-        <p:grpSpPr>
-          <a:xfrm>
-            <a:off x="5106713" y="3650125"/>
-            <a:ext cx="1498450" cy="1037966"/>
-            <a:chOff x="390712" y="4305966"/>
-            <a:chExt cx="1498450" cy="1037966"/>
-          </a:xfrm>
-        </p:grpSpPr>
-        <p:sp>
-          <p:nvSpPr>
-            <p:cNvPr id="93" name="TextBox 92">
-              <a:extLst>
-                <a:ext uri="{FF2B5EF4-FFF2-40B4-BE49-F238E27FC236}">
-                  <a16:creationId xmlns:a16="http://schemas.microsoft.com/office/drawing/2014/main" id="{E2AF41D9-2194-0CF2-4085-7C179B366A3F}"/>
-                </a:ext>
-              </a:extLst>
-            </p:cNvPr>
-            <p:cNvSpPr txBox="1"/>
-            <p:nvPr/>
-          </p:nvSpPr>
-          <p:spPr>
-            <a:xfrm>
-              <a:off x="413827" y="4697601"/>
-              <a:ext cx="1475335" cy="646331"/>
-            </a:xfrm>
-            <a:prstGeom prst="rect">
-              <a:avLst/>
-            </a:prstGeom>
-            <a:noFill/>
-            <a:ln>
-              <a:noFill/>
-            </a:ln>
-          </p:spPr>
-          <p:txBody>
-            <a:bodyPr wrap="square" rtlCol="0">
-              <a:spAutoFit/>
-            </a:bodyPr>
-            <a:lstStyle/>
-            <a:p>
-              <a:pPr algn="just"/>
-              <a:r>
-                <a:rPr lang="en-US" altLang="ko-KR" sz="1200" dirty="0">
-                  <a:solidFill>
-                    <a:schemeClr val="tx2">
-                      <a:lumMod val="50000"/>
-                    </a:schemeClr>
-                  </a:solidFill>
-                  <a:latin typeface="+mn-ea"/>
-                </a:rPr>
-                <a:t>- Scene </a:t>
-              </a:r>
-              <a:r>
-                <a:rPr lang="ko-KR" altLang="en-US" sz="1200" dirty="0">
-                  <a:solidFill>
-                    <a:schemeClr val="tx2">
-                      <a:lumMod val="50000"/>
-                    </a:schemeClr>
-                  </a:solidFill>
-                  <a:latin typeface="+mn-ea"/>
-                </a:rPr>
-                <a:t>내</a:t>
-              </a:r>
-              <a:r>
-                <a:rPr lang="en-US" altLang="ko-KR" sz="1200" dirty="0">
-                  <a:solidFill>
-                    <a:schemeClr val="tx2">
-                      <a:lumMod val="50000"/>
-                    </a:schemeClr>
-                  </a:solidFill>
-                  <a:latin typeface="+mn-ea"/>
-                </a:rPr>
-                <a:t>,</a:t>
-              </a:r>
-              <a:r>
-                <a:rPr lang="ko-KR" altLang="en-US" sz="1200" dirty="0">
-                  <a:solidFill>
-                    <a:schemeClr val="tx2">
-                      <a:lumMod val="50000"/>
-                    </a:schemeClr>
-                  </a:solidFill>
-                  <a:latin typeface="+mn-ea"/>
-                </a:rPr>
-                <a:t>외적으로 연결되는 상호작용들의 제작</a:t>
-              </a:r>
-              <a:r>
-                <a:rPr lang="en-US" altLang="ko-KR" sz="1200" dirty="0">
-                  <a:solidFill>
-                    <a:schemeClr val="tx2">
-                      <a:lumMod val="50000"/>
-                    </a:schemeClr>
-                  </a:solidFill>
-                  <a:latin typeface="+mn-ea"/>
-                </a:rPr>
-                <a:t> </a:t>
-              </a:r>
-              <a:endParaRPr lang="ko-KR" altLang="en-US" sz="1200" dirty="0">
-                <a:solidFill>
-                  <a:schemeClr val="tx2">
-                    <a:lumMod val="50000"/>
-                  </a:schemeClr>
-                </a:solidFill>
-                <a:latin typeface="+mn-ea"/>
-              </a:endParaRPr>
-            </a:p>
-          </p:txBody>
-        </p:sp>
-        <p:sp>
-          <p:nvSpPr>
-            <p:cNvPr id="94" name="TextBox 93">
-              <a:extLst>
-                <a:ext uri="{FF2B5EF4-FFF2-40B4-BE49-F238E27FC236}">
-                  <a16:creationId xmlns:a16="http://schemas.microsoft.com/office/drawing/2014/main" id="{89F27188-03F0-0164-529E-C3A7003CF884}"/>
-                </a:ext>
-              </a:extLst>
-            </p:cNvPr>
-            <p:cNvSpPr txBox="1"/>
-            <p:nvPr/>
-          </p:nvSpPr>
-          <p:spPr>
-            <a:xfrm>
-              <a:off x="390712" y="4305966"/>
-              <a:ext cx="1498450" cy="338554"/>
-            </a:xfrm>
-            <a:prstGeom prst="rect">
-              <a:avLst/>
-            </a:prstGeom>
-            <a:noFill/>
-            <a:ln>
-              <a:noFill/>
-            </a:ln>
-          </p:spPr>
-          <p:txBody>
-            <a:bodyPr wrap="square" rtlCol="0">
-              <a:spAutoFit/>
-            </a:bodyPr>
-            <a:lstStyle/>
-            <a:p>
-              <a:pPr algn="ctr"/>
-              <a:r>
-                <a:rPr lang="ko-KR" altLang="en-US" sz="1600" b="1" spc="-150" dirty="0">
-                  <a:solidFill>
-                    <a:schemeClr val="accent1">
-                      <a:lumMod val="50000"/>
-                    </a:schemeClr>
-                  </a:solidFill>
-                  <a:latin typeface="+mn-ea"/>
-                </a:rPr>
-                <a:t>상호작용</a:t>
-              </a:r>
-            </a:p>
-          </p:txBody>
-        </p:sp>
-      </p:grpSp>
-      <p:grpSp>
-        <p:nvGrpSpPr>
-          <p:cNvPr id="95" name="그룹 94">
-            <a:extLst>
-              <a:ext uri="{FF2B5EF4-FFF2-40B4-BE49-F238E27FC236}">
-                <a16:creationId xmlns:a16="http://schemas.microsoft.com/office/drawing/2014/main" id="{8E3D58E8-CC3D-5862-0221-6FA746CD44E8}"/>
-              </a:ext>
-            </a:extLst>
-          </p:cNvPr>
-          <p:cNvGrpSpPr/>
-          <p:nvPr/>
-        </p:nvGrpSpPr>
-        <p:grpSpPr>
-          <a:xfrm>
-            <a:off x="7683589" y="3650125"/>
-            <a:ext cx="1498450" cy="1407298"/>
-            <a:chOff x="390712" y="4305966"/>
-            <a:chExt cx="1498450" cy="1407298"/>
-          </a:xfrm>
-        </p:grpSpPr>
-        <p:sp>
-          <p:nvSpPr>
-            <p:cNvPr id="96" name="TextBox 95">
-              <a:extLst>
-                <a:ext uri="{FF2B5EF4-FFF2-40B4-BE49-F238E27FC236}">
-                  <a16:creationId xmlns:a16="http://schemas.microsoft.com/office/drawing/2014/main" id="{53144F2E-39BC-42FF-9C37-86AD1C9D43B0}"/>
-                </a:ext>
-              </a:extLst>
-            </p:cNvPr>
-            <p:cNvSpPr txBox="1"/>
-            <p:nvPr/>
-          </p:nvSpPr>
-          <p:spPr>
-            <a:xfrm>
-              <a:off x="413827" y="4697601"/>
-              <a:ext cx="1475335" cy="1015663"/>
-            </a:xfrm>
-            <a:prstGeom prst="rect">
-              <a:avLst/>
-            </a:prstGeom>
-            <a:noFill/>
-            <a:ln>
-              <a:noFill/>
-            </a:ln>
-          </p:spPr>
-          <p:txBody>
-            <a:bodyPr wrap="square" rtlCol="0">
-              <a:spAutoFit/>
-            </a:bodyPr>
-            <a:lstStyle/>
-            <a:p>
-              <a:pPr algn="just"/>
-              <a:r>
-                <a:rPr lang="en-US" altLang="ko-KR" sz="1200" dirty="0">
-                  <a:solidFill>
-                    <a:schemeClr val="tx2">
-                      <a:lumMod val="50000"/>
-                    </a:schemeClr>
-                  </a:solidFill>
-                  <a:latin typeface="+mn-ea"/>
-                </a:rPr>
-                <a:t>- </a:t>
-              </a:r>
-              <a:r>
-                <a:rPr lang="ko-KR" altLang="en-US" sz="1200" dirty="0">
-                  <a:solidFill>
-                    <a:schemeClr val="tx2">
-                      <a:lumMod val="50000"/>
-                    </a:schemeClr>
-                  </a:solidFill>
-                  <a:latin typeface="+mn-ea"/>
-                </a:rPr>
-                <a:t>의도한대로 플레이 할 수 있고</a:t>
-              </a:r>
-              <a:r>
-                <a:rPr lang="en-US" altLang="ko-KR" sz="1200" dirty="0">
-                  <a:solidFill>
-                    <a:schemeClr val="tx2">
-                      <a:lumMod val="50000"/>
-                    </a:schemeClr>
-                  </a:solidFill>
-                  <a:latin typeface="+mn-ea"/>
-                </a:rPr>
-                <a:t>, </a:t>
-              </a:r>
-              <a:r>
-                <a:rPr lang="ko-KR" altLang="en-US" sz="1200" dirty="0">
-                  <a:solidFill>
-                    <a:schemeClr val="tx2">
-                      <a:lumMod val="50000"/>
-                    </a:schemeClr>
-                  </a:solidFill>
-                  <a:latin typeface="+mn-ea"/>
-                </a:rPr>
-                <a:t>유저에게 실제 게임으로써 경험을 줄 수 있는 수준</a:t>
-              </a:r>
-            </a:p>
-          </p:txBody>
-        </p:sp>
-        <p:sp>
-          <p:nvSpPr>
-            <p:cNvPr id="97" name="TextBox 96">
-              <a:extLst>
-                <a:ext uri="{FF2B5EF4-FFF2-40B4-BE49-F238E27FC236}">
-                  <a16:creationId xmlns:a16="http://schemas.microsoft.com/office/drawing/2014/main" id="{C38A48B4-8B68-B614-9426-26F2260D76CD}"/>
-                </a:ext>
-              </a:extLst>
-            </p:cNvPr>
-            <p:cNvSpPr txBox="1"/>
-            <p:nvPr/>
-          </p:nvSpPr>
-          <p:spPr>
-            <a:xfrm>
-              <a:off x="390712" y="4305966"/>
-              <a:ext cx="1498450" cy="338554"/>
-            </a:xfrm>
-            <a:prstGeom prst="rect">
-              <a:avLst/>
-            </a:prstGeom>
-            <a:noFill/>
-            <a:ln>
-              <a:noFill/>
-            </a:ln>
-          </p:spPr>
-          <p:txBody>
-            <a:bodyPr wrap="square" rtlCol="0">
-              <a:spAutoFit/>
-            </a:bodyPr>
-            <a:lstStyle/>
-            <a:p>
-              <a:pPr algn="ctr"/>
-              <a:r>
-                <a:rPr lang="en-US" altLang="ko-KR" sz="1600" b="1" spc="-150" dirty="0">
-                  <a:solidFill>
-                    <a:schemeClr val="accent1">
-                      <a:lumMod val="50000"/>
-                    </a:schemeClr>
-                  </a:solidFill>
-                  <a:latin typeface="+mn-ea"/>
-                </a:rPr>
-                <a:t>1</a:t>
-              </a:r>
-              <a:r>
-                <a:rPr lang="ko-KR" altLang="en-US" sz="1600" b="1" spc="-150" dirty="0">
-                  <a:solidFill>
-                    <a:schemeClr val="accent1">
-                      <a:lumMod val="50000"/>
-                    </a:schemeClr>
-                  </a:solidFill>
-                  <a:latin typeface="+mn-ea"/>
-                </a:rPr>
-                <a:t>차 마무리</a:t>
+                <a:t>추가적 요소</a:t>
               </a:r>
             </a:p>
           </p:txBody>
@@ -4960,7 +5687,7 @@
         </p:nvGrpSpPr>
         <p:grpSpPr>
           <a:xfrm>
-            <a:off x="10127764" y="3650125"/>
+            <a:off x="8842765" y="3650125"/>
             <a:ext cx="1498450" cy="1222632"/>
             <a:chOff x="390712" y="4305966"/>
             <a:chExt cx="1498450" cy="1222632"/>
@@ -4997,18 +5724,10 @@
             </a:bodyPr>
             <a:lstStyle/>
             <a:p>
-              <a:pPr algn="just"/>
-              <a:r>
-                <a:rPr lang="en-US" altLang="ko-KR" sz="1200" dirty="0">
-                  <a:solidFill>
-                    <a:schemeClr val="tx2">
-                      <a:lumMod val="50000"/>
-                    </a:schemeClr>
-                  </a:solidFill>
-                  <a:latin typeface="+mn-ea"/>
-                </a:rPr>
-                <a:t>- </a:t>
-              </a:r>
+              <a:pPr marL="171450" indent="-171450" algn="just">
+                <a:buFontTx/>
+                <a:buChar char="-"/>
+              </a:pPr>
               <a:r>
                 <a:rPr lang="ko-KR" altLang="en-US" sz="1200" dirty="0">
                   <a:solidFill>
@@ -5018,7 +5737,32 @@
                   </a:solidFill>
                   <a:latin typeface="+mn-ea"/>
                 </a:rPr>
-                <a:t>마무리 된 작업물에 대해 피드백을 받고 수정할 것과 새로운 요소들 추가</a:t>
+                <a:t>작동하는 게임의 수정 단계</a:t>
+              </a:r>
+              <a:endParaRPr lang="en-US" altLang="ko-KR" sz="1200" dirty="0">
+                <a:solidFill>
+                  <a:schemeClr val="tx2">
+                    <a:lumMod val="50000"/>
+                  </a:schemeClr>
+                </a:solidFill>
+                <a:latin typeface="+mn-ea"/>
+              </a:endParaRPr>
+            </a:p>
+            <a:p>
+              <a:pPr marL="171450" indent="-171450" algn="just">
+                <a:buFontTx/>
+                <a:buChar char="-"/>
+              </a:pPr>
+              <a:r>
+                <a:rPr lang="ko-KR" altLang="en-US" sz="1200" dirty="0">
+                  <a:solidFill>
+                    <a:schemeClr val="tx2">
+                      <a:lumMod val="50000"/>
+                    </a:schemeClr>
+                  </a:solidFill>
+                  <a:latin typeface="+mn-ea"/>
+                </a:rPr>
+                <a:t>게임의 전체 퀄리티 향상</a:t>
               </a:r>
             </a:p>
           </p:txBody>
@@ -5056,6 +5800,17 @@
             <a:p>
               <a:pPr algn="ctr"/>
               <a:r>
+                <a:rPr lang="en-US" altLang="ko-KR" sz="1600" b="1" spc="-150" dirty="0">
+                  <a:solidFill>
+                    <a:schemeClr val="accent1">
+                      <a:lumMod val="50000"/>
+                    </a:schemeClr>
+                  </a:solidFill>
+                  <a:latin typeface="+mn-ea"/>
+                </a:rPr>
+                <a:t>Sprite,</a:t>
+              </a:r>
+              <a:r>
                 <a:rPr lang="ko-KR" altLang="en-US" sz="1600" b="1" spc="-150" dirty="0">
                   <a:solidFill>
                     <a:schemeClr val="accent1">
@@ -5064,8 +5819,27 @@
                   </a:solidFill>
                   <a:latin typeface="+mn-ea"/>
                 </a:rPr>
-                <a:t>피드백 및  수정</a:t>
+                <a:t> </a:t>
               </a:r>
+              <a:r>
+                <a:rPr lang="en-US" altLang="ko-KR" sz="1600" b="1" spc="-150" dirty="0">
+                  <a:solidFill>
+                    <a:schemeClr val="accent1">
+                      <a:lumMod val="50000"/>
+                    </a:schemeClr>
+                  </a:solidFill>
+                  <a:latin typeface="+mn-ea"/>
+                </a:rPr>
+                <a:t>Animation</a:t>
+              </a:r>
+              <a:endParaRPr lang="ko-KR" altLang="en-US" sz="1600" b="1" spc="-150" dirty="0">
+                <a:solidFill>
+                  <a:schemeClr val="accent1">
+                    <a:lumMod val="50000"/>
+                  </a:schemeClr>
+                </a:solidFill>
+                <a:latin typeface="+mn-ea"/>
+              </a:endParaRPr>
             </a:p>
           </p:txBody>
         </p:sp>
@@ -5083,7 +5857,7 @@
 </p:sld>
 </file>
 
-<file path=ppt/slides/slide13.xml><?xml version="1.0" encoding="utf-8"?>
+<file path=ppt/slides/slide15.xml><?xml version="1.0" encoding="utf-8"?>
 <p:sld xmlns:a="http://schemas.openxmlformats.org/drawingml/2006/main" xmlns:r="http://schemas.openxmlformats.org/officeDocument/2006/relationships" xmlns:p="http://schemas.openxmlformats.org/presentationml/2006/main">
   <p:cSld>
     <p:bg>
@@ -5442,7 +6216,7 @@
         </p:nvSpPr>
         <p:spPr>
           <a:xfrm>
-            <a:off x="1856247" y="2184245"/>
+            <a:off x="408132" y="1979143"/>
             <a:ext cx="304892" cy="400110"/>
           </a:xfrm>
           <a:prstGeom prst="rect">
@@ -5486,7 +6260,7 @@
         </p:nvSpPr>
         <p:spPr>
           <a:xfrm>
-            <a:off x="2585007" y="2122690"/>
+            <a:off x="1136892" y="1917588"/>
             <a:ext cx="2151551" cy="523220"/>
           </a:xfrm>
           <a:prstGeom prst="rect">
@@ -5525,7 +6299,7 @@
         </p:nvSpPr>
         <p:spPr>
           <a:xfrm>
-            <a:off x="1856247" y="3797195"/>
+            <a:off x="408132" y="2778067"/>
             <a:ext cx="341760" cy="400110"/>
           </a:xfrm>
           <a:prstGeom prst="rect">
@@ -5569,8 +6343,8 @@
         </p:nvSpPr>
         <p:spPr>
           <a:xfrm>
-            <a:off x="2585007" y="3735640"/>
-            <a:ext cx="1510350" cy="523220"/>
+            <a:off x="1136892" y="2716512"/>
+            <a:ext cx="1830950" cy="523220"/>
           </a:xfrm>
           <a:prstGeom prst="rect">
             <a:avLst/>
@@ -5589,7 +6363,7 @@
                   <a:schemeClr val="accent1"/>
                 </a:solidFill>
               </a:rPr>
-              <a:t>진행 상황</a:t>
+              <a:t>배경과 과정</a:t>
             </a:r>
           </a:p>
         </p:txBody>
@@ -5608,7 +6382,7 @@
         </p:nvSpPr>
         <p:spPr>
           <a:xfrm>
-            <a:off x="1856247" y="5410145"/>
+            <a:off x="408132" y="3514646"/>
             <a:ext cx="348172" cy="400110"/>
           </a:xfrm>
           <a:prstGeom prst="rect">
@@ -5652,8 +6426,8 @@
         </p:nvSpPr>
         <p:spPr>
           <a:xfrm>
-            <a:off x="2585007" y="5348590"/>
-            <a:ext cx="1510350" cy="523220"/>
+            <a:off x="1136892" y="3453091"/>
+            <a:ext cx="2194832" cy="523220"/>
           </a:xfrm>
           <a:prstGeom prst="rect">
             <a:avLst/>
@@ -5672,7 +6446,7 @@
                   <a:schemeClr val="accent1"/>
                 </a:solidFill>
               </a:rPr>
-              <a:t>향후 계획</a:t>
+              <a:t>기능 요구명세</a:t>
             </a:r>
           </a:p>
         </p:txBody>
@@ -5814,10 +6588,10 @@
       </p:sp>
       <p:sp>
         <p:nvSpPr>
-          <p:cNvPr id="2" name="TextBox 1">
-            <a:extLst>
-              <a:ext uri="{FF2B5EF4-FFF2-40B4-BE49-F238E27FC236}">
-                <a16:creationId xmlns:a16="http://schemas.microsoft.com/office/drawing/2014/main" id="{72723628-6F82-D262-0CB2-A9B8E244EFB1}"/>
+          <p:cNvPr id="6" name="TextBox 5">
+            <a:extLst>
+              <a:ext uri="{FF2B5EF4-FFF2-40B4-BE49-F238E27FC236}">
+                <a16:creationId xmlns:a16="http://schemas.microsoft.com/office/drawing/2014/main" id="{6728B664-259E-2BC0-E87E-408FA020A689}"/>
               </a:ext>
             </a:extLst>
           </p:cNvPr>
@@ -5826,8 +6600,8 @@
         </p:nvSpPr>
         <p:spPr>
           <a:xfrm>
-            <a:off x="3097550" y="2655628"/>
-            <a:ext cx="1576025" cy="246221"/>
+            <a:off x="408132" y="4312508"/>
+            <a:ext cx="314510" cy="400110"/>
           </a:xfrm>
           <a:prstGeom prst="rect">
             <a:avLst/>
@@ -5835,24 +6609,504 @@
           <a:noFill/>
         </p:spPr>
         <p:txBody>
-          <a:bodyPr wrap="square" rtlCol="0">
+          <a:bodyPr wrap="none" rtlCol="0">
             <a:spAutoFit/>
           </a:bodyPr>
           <a:lstStyle/>
           <a:p>
-            <a:pPr algn="r"/>
-            <a:r>
-              <a:rPr lang="en-US" altLang="ko-KR" sz="1000" spc="300" dirty="0">
+            <a:r>
+              <a:rPr lang="en-US" altLang="ko-KR" sz="2000" b="1" dirty="0">
                 <a:solidFill>
                   <a:schemeClr val="accent1"/>
                 </a:solidFill>
               </a:rPr>
-              <a:t>- 3 ~8</a:t>
-            </a:r>
-            <a:endParaRPr lang="ko-KR" altLang="en-US" sz="1000" spc="300" dirty="0">
+              <a:t>4</a:t>
+            </a:r>
+            <a:endParaRPr lang="ko-KR" altLang="en-US" sz="2000" b="1" dirty="0">
               <a:solidFill>
                 <a:schemeClr val="accent1"/>
               </a:solidFill>
+            </a:endParaRPr>
+          </a:p>
+        </p:txBody>
+      </p:sp>
+      <p:sp>
+        <p:nvSpPr>
+          <p:cNvPr id="13" name="TextBox 12">
+            <a:extLst>
+              <a:ext uri="{FF2B5EF4-FFF2-40B4-BE49-F238E27FC236}">
+                <a16:creationId xmlns:a16="http://schemas.microsoft.com/office/drawing/2014/main" id="{F60546CF-A22D-A59E-3113-75012730C69A}"/>
+              </a:ext>
+            </a:extLst>
+          </p:cNvPr>
+          <p:cNvSpPr txBox="1"/>
+          <p:nvPr/>
+        </p:nvSpPr>
+        <p:spPr>
+          <a:xfrm>
+            <a:off x="1136892" y="4250953"/>
+            <a:ext cx="1874231" cy="523220"/>
+          </a:xfrm>
+          <a:prstGeom prst="rect">
+            <a:avLst/>
+          </a:prstGeom>
+          <a:noFill/>
+        </p:spPr>
+        <p:txBody>
+          <a:bodyPr wrap="none" rtlCol="0">
+            <a:spAutoFit/>
+          </a:bodyPr>
+          <a:lstStyle/>
+          <a:p>
+            <a:r>
+              <a:rPr lang="ko-KR" altLang="en-US" sz="2800" spc="-300" dirty="0">
+                <a:solidFill>
+                  <a:schemeClr val="accent1"/>
+                </a:solidFill>
+              </a:rPr>
+              <a:t>설계 및 구현</a:t>
+            </a:r>
+          </a:p>
+        </p:txBody>
+      </p:sp>
+      <p:sp>
+        <p:nvSpPr>
+          <p:cNvPr id="14" name="TextBox 13">
+            <a:extLst>
+              <a:ext uri="{FF2B5EF4-FFF2-40B4-BE49-F238E27FC236}">
+                <a16:creationId xmlns:a16="http://schemas.microsoft.com/office/drawing/2014/main" id="{0D5211EF-A52D-18ED-0C39-B9BB0DCCC46D}"/>
+              </a:ext>
+            </a:extLst>
+          </p:cNvPr>
+          <p:cNvSpPr txBox="1"/>
+          <p:nvPr/>
+        </p:nvSpPr>
+        <p:spPr>
+          <a:xfrm>
+            <a:off x="408132" y="5042834"/>
+            <a:ext cx="314510" cy="400110"/>
+          </a:xfrm>
+          <a:prstGeom prst="rect">
+            <a:avLst/>
+          </a:prstGeom>
+          <a:noFill/>
+        </p:spPr>
+        <p:txBody>
+          <a:bodyPr wrap="none" rtlCol="0">
+            <a:spAutoFit/>
+          </a:bodyPr>
+          <a:lstStyle/>
+          <a:p>
+            <a:r>
+              <a:rPr lang="en-US" altLang="ko-KR" sz="2000" b="1" dirty="0">
+                <a:solidFill>
+                  <a:schemeClr val="accent1"/>
+                </a:solidFill>
+              </a:rPr>
+              <a:t>5</a:t>
+            </a:r>
+            <a:endParaRPr lang="ko-KR" altLang="en-US" sz="2000" b="1" dirty="0">
+              <a:solidFill>
+                <a:schemeClr val="accent1"/>
+              </a:solidFill>
+            </a:endParaRPr>
+          </a:p>
+        </p:txBody>
+      </p:sp>
+      <p:sp>
+        <p:nvSpPr>
+          <p:cNvPr id="16" name="TextBox 15">
+            <a:extLst>
+              <a:ext uri="{FF2B5EF4-FFF2-40B4-BE49-F238E27FC236}">
+                <a16:creationId xmlns:a16="http://schemas.microsoft.com/office/drawing/2014/main" id="{7B0EE8EF-A207-38B4-DD07-6AEF7A637713}"/>
+              </a:ext>
+            </a:extLst>
+          </p:cNvPr>
+          <p:cNvSpPr txBox="1"/>
+          <p:nvPr/>
+        </p:nvSpPr>
+        <p:spPr>
+          <a:xfrm>
+            <a:off x="1136892" y="4981279"/>
+            <a:ext cx="1510350" cy="523220"/>
+          </a:xfrm>
+          <a:prstGeom prst="rect">
+            <a:avLst/>
+          </a:prstGeom>
+          <a:noFill/>
+        </p:spPr>
+        <p:txBody>
+          <a:bodyPr wrap="none" rtlCol="0">
+            <a:spAutoFit/>
+          </a:bodyPr>
+          <a:lstStyle/>
+          <a:p>
+            <a:r>
+              <a:rPr lang="ko-KR" altLang="en-US" sz="2800" spc="-300" dirty="0">
+                <a:solidFill>
+                  <a:schemeClr val="accent1"/>
+                </a:solidFill>
+              </a:rPr>
+              <a:t>실행 결과</a:t>
+            </a:r>
+          </a:p>
+        </p:txBody>
+      </p:sp>
+      <p:sp>
+        <p:nvSpPr>
+          <p:cNvPr id="17" name="TextBox 16">
+            <a:extLst>
+              <a:ext uri="{FF2B5EF4-FFF2-40B4-BE49-F238E27FC236}">
+                <a16:creationId xmlns:a16="http://schemas.microsoft.com/office/drawing/2014/main" id="{9821A5DB-EEDA-F929-C587-BEA4A35C1D18}"/>
+              </a:ext>
+            </a:extLst>
+          </p:cNvPr>
+          <p:cNvSpPr txBox="1"/>
+          <p:nvPr/>
+        </p:nvSpPr>
+        <p:spPr>
+          <a:xfrm>
+            <a:off x="408132" y="5834715"/>
+            <a:ext cx="314510" cy="400110"/>
+          </a:xfrm>
+          <a:prstGeom prst="rect">
+            <a:avLst/>
+          </a:prstGeom>
+          <a:noFill/>
+        </p:spPr>
+        <p:txBody>
+          <a:bodyPr wrap="none" rtlCol="0">
+            <a:spAutoFit/>
+          </a:bodyPr>
+          <a:lstStyle/>
+          <a:p>
+            <a:r>
+              <a:rPr lang="en-US" altLang="ko-KR" sz="2000" b="1" dirty="0">
+                <a:solidFill>
+                  <a:schemeClr val="accent1"/>
+                </a:solidFill>
+              </a:rPr>
+              <a:t>6</a:t>
+            </a:r>
+            <a:endParaRPr lang="ko-KR" altLang="en-US" sz="2000" b="1" dirty="0">
+              <a:solidFill>
+                <a:schemeClr val="accent1"/>
+              </a:solidFill>
+            </a:endParaRPr>
+          </a:p>
+        </p:txBody>
+      </p:sp>
+      <p:sp>
+        <p:nvSpPr>
+          <p:cNvPr id="20" name="TextBox 19">
+            <a:extLst>
+              <a:ext uri="{FF2B5EF4-FFF2-40B4-BE49-F238E27FC236}">
+                <a16:creationId xmlns:a16="http://schemas.microsoft.com/office/drawing/2014/main" id="{010C2403-1E7A-8F78-0F03-62E43B7975FF}"/>
+              </a:ext>
+            </a:extLst>
+          </p:cNvPr>
+          <p:cNvSpPr txBox="1"/>
+          <p:nvPr/>
+        </p:nvSpPr>
+        <p:spPr>
+          <a:xfrm>
+            <a:off x="1136892" y="5773160"/>
+            <a:ext cx="3243196" cy="523220"/>
+          </a:xfrm>
+          <a:prstGeom prst="rect">
+            <a:avLst/>
+          </a:prstGeom>
+          <a:noFill/>
+        </p:spPr>
+        <p:txBody>
+          <a:bodyPr wrap="none" rtlCol="0">
+            <a:spAutoFit/>
+          </a:bodyPr>
+          <a:lstStyle/>
+          <a:p>
+            <a:r>
+              <a:rPr lang="ko-KR" altLang="en-US" sz="2800" spc="-300" dirty="0">
+                <a:solidFill>
+                  <a:schemeClr val="accent1"/>
+                </a:solidFill>
+              </a:rPr>
+              <a:t>개선 사항 및 향후 계획</a:t>
+            </a:r>
+          </a:p>
+        </p:txBody>
+      </p:sp>
+      <p:sp>
+        <p:nvSpPr>
+          <p:cNvPr id="2" name="TextBox 1">
+            <a:extLst>
+              <a:ext uri="{FF2B5EF4-FFF2-40B4-BE49-F238E27FC236}">
+                <a16:creationId xmlns:a16="http://schemas.microsoft.com/office/drawing/2014/main" id="{B8B4D4A7-5800-313A-CAA9-5D1ACA808FCF}"/>
+              </a:ext>
+            </a:extLst>
+          </p:cNvPr>
+          <p:cNvSpPr txBox="1"/>
+          <p:nvPr/>
+        </p:nvSpPr>
+        <p:spPr>
+          <a:xfrm>
+            <a:off x="3274371" y="2371695"/>
+            <a:ext cx="437940" cy="246221"/>
+          </a:xfrm>
+          <a:prstGeom prst="rect">
+            <a:avLst/>
+          </a:prstGeom>
+          <a:noFill/>
+        </p:spPr>
+        <p:txBody>
+          <a:bodyPr wrap="none" rtlCol="0">
+            <a:spAutoFit/>
+          </a:bodyPr>
+          <a:lstStyle/>
+          <a:p>
+            <a:r>
+              <a:rPr lang="en-US" altLang="ko-KR" sz="1000" dirty="0">
+                <a:solidFill>
+                  <a:schemeClr val="accent1"/>
+                </a:solidFill>
+                <a:latin typeface="+mn-ea"/>
+              </a:rPr>
+              <a:t>Pg. 3</a:t>
+            </a:r>
+            <a:endParaRPr lang="ko-KR" altLang="en-US" sz="1000" dirty="0">
+              <a:solidFill>
+                <a:schemeClr val="accent1"/>
+              </a:solidFill>
+              <a:latin typeface="+mn-ea"/>
+            </a:endParaRPr>
+          </a:p>
+        </p:txBody>
+      </p:sp>
+      <p:sp>
+        <p:nvSpPr>
+          <p:cNvPr id="21" name="TextBox 20">
+            <a:extLst>
+              <a:ext uri="{FF2B5EF4-FFF2-40B4-BE49-F238E27FC236}">
+                <a16:creationId xmlns:a16="http://schemas.microsoft.com/office/drawing/2014/main" id="{030A5056-9744-ADBD-1C98-08488646BB9C}"/>
+              </a:ext>
+            </a:extLst>
+          </p:cNvPr>
+          <p:cNvSpPr txBox="1"/>
+          <p:nvPr/>
+        </p:nvSpPr>
+        <p:spPr>
+          <a:xfrm>
+            <a:off x="3274371" y="3178177"/>
+            <a:ext cx="437940" cy="246221"/>
+          </a:xfrm>
+          <a:prstGeom prst="rect">
+            <a:avLst/>
+          </a:prstGeom>
+          <a:noFill/>
+        </p:spPr>
+        <p:txBody>
+          <a:bodyPr wrap="none" rtlCol="0">
+            <a:spAutoFit/>
+          </a:bodyPr>
+          <a:lstStyle/>
+          <a:p>
+            <a:r>
+              <a:rPr lang="en-US" altLang="ko-KR" sz="1000" dirty="0">
+                <a:solidFill>
+                  <a:schemeClr val="accent1"/>
+                </a:solidFill>
+                <a:latin typeface="+mn-ea"/>
+              </a:rPr>
+              <a:t>Pg. 4</a:t>
+            </a:r>
+            <a:endParaRPr lang="ko-KR" altLang="en-US" sz="1000" dirty="0">
+              <a:solidFill>
+                <a:schemeClr val="accent1"/>
+              </a:solidFill>
+              <a:latin typeface="+mn-ea"/>
+            </a:endParaRPr>
+          </a:p>
+        </p:txBody>
+      </p:sp>
+      <p:sp>
+        <p:nvSpPr>
+          <p:cNvPr id="22" name="TextBox 21">
+            <a:extLst>
+              <a:ext uri="{FF2B5EF4-FFF2-40B4-BE49-F238E27FC236}">
+                <a16:creationId xmlns:a16="http://schemas.microsoft.com/office/drawing/2014/main" id="{76A26344-5E4C-F8F4-987C-854F2681BA5C}"/>
+              </a:ext>
+            </a:extLst>
+          </p:cNvPr>
+          <p:cNvSpPr txBox="1"/>
+          <p:nvPr/>
+        </p:nvSpPr>
+        <p:spPr>
+          <a:xfrm>
+            <a:off x="3274371" y="3920415"/>
+            <a:ext cx="625492" cy="246221"/>
+          </a:xfrm>
+          <a:prstGeom prst="rect">
+            <a:avLst/>
+          </a:prstGeom>
+          <a:noFill/>
+        </p:spPr>
+        <p:txBody>
+          <a:bodyPr wrap="none" rtlCol="0">
+            <a:spAutoFit/>
+          </a:bodyPr>
+          <a:lstStyle/>
+          <a:p>
+            <a:r>
+              <a:rPr lang="en-US" altLang="ko-KR" sz="1000" dirty="0">
+                <a:solidFill>
+                  <a:schemeClr val="accent1"/>
+                </a:solidFill>
+                <a:latin typeface="+mn-ea"/>
+              </a:rPr>
+              <a:t>Pg. 5 ~ 6</a:t>
+            </a:r>
+            <a:endParaRPr lang="ko-KR" altLang="en-US" sz="1000" dirty="0">
+              <a:solidFill>
+                <a:schemeClr val="accent1"/>
+              </a:solidFill>
+              <a:latin typeface="+mn-ea"/>
+            </a:endParaRPr>
+          </a:p>
+        </p:txBody>
+      </p:sp>
+      <p:sp>
+        <p:nvSpPr>
+          <p:cNvPr id="23" name="TextBox 22">
+            <a:extLst>
+              <a:ext uri="{FF2B5EF4-FFF2-40B4-BE49-F238E27FC236}">
+                <a16:creationId xmlns:a16="http://schemas.microsoft.com/office/drawing/2014/main" id="{D29849D8-813F-9F51-B84B-9C98B2CD9D5B}"/>
+              </a:ext>
+            </a:extLst>
+          </p:cNvPr>
+          <p:cNvSpPr txBox="1"/>
+          <p:nvPr/>
+        </p:nvSpPr>
+        <p:spPr>
+          <a:xfrm>
+            <a:off x="3270775" y="4729077"/>
+            <a:ext cx="625492" cy="246221"/>
+          </a:xfrm>
+          <a:prstGeom prst="rect">
+            <a:avLst/>
+          </a:prstGeom>
+          <a:noFill/>
+        </p:spPr>
+        <p:txBody>
+          <a:bodyPr wrap="none" rtlCol="0">
+            <a:spAutoFit/>
+          </a:bodyPr>
+          <a:lstStyle/>
+          <a:p>
+            <a:r>
+              <a:rPr lang="en-US" altLang="ko-KR" sz="1000" dirty="0">
+                <a:solidFill>
+                  <a:schemeClr val="accent1"/>
+                </a:solidFill>
+                <a:latin typeface="+mn-ea"/>
+              </a:rPr>
+              <a:t>Pg. 7 ~ 8</a:t>
+            </a:r>
+            <a:endParaRPr lang="ko-KR" altLang="en-US" sz="1000" dirty="0">
+              <a:solidFill>
+                <a:schemeClr val="accent1"/>
+              </a:solidFill>
+              <a:latin typeface="+mn-ea"/>
+            </a:endParaRPr>
+          </a:p>
+        </p:txBody>
+      </p:sp>
+      <p:sp>
+        <p:nvSpPr>
+          <p:cNvPr id="24" name="TextBox 23">
+            <a:extLst>
+              <a:ext uri="{FF2B5EF4-FFF2-40B4-BE49-F238E27FC236}">
+                <a16:creationId xmlns:a16="http://schemas.microsoft.com/office/drawing/2014/main" id="{FBB5BAA0-E20F-EF35-7C25-BCDABB7EE106}"/>
+              </a:ext>
+            </a:extLst>
+          </p:cNvPr>
+          <p:cNvSpPr txBox="1"/>
+          <p:nvPr/>
+        </p:nvSpPr>
+        <p:spPr>
+          <a:xfrm>
+            <a:off x="3288443" y="5442944"/>
+            <a:ext cx="691215" cy="246221"/>
+          </a:xfrm>
+          <a:prstGeom prst="rect">
+            <a:avLst/>
+          </a:prstGeom>
+          <a:noFill/>
+        </p:spPr>
+        <p:txBody>
+          <a:bodyPr wrap="none" rtlCol="0">
+            <a:spAutoFit/>
+          </a:bodyPr>
+          <a:lstStyle/>
+          <a:p>
+            <a:r>
+              <a:rPr lang="en-US" altLang="ko-KR" sz="1000" dirty="0">
+                <a:solidFill>
+                  <a:schemeClr val="accent1"/>
+                </a:solidFill>
+                <a:latin typeface="+mn-ea"/>
+              </a:rPr>
+              <a:t>Pg. 9 ~ 12</a:t>
+            </a:r>
+            <a:endParaRPr lang="ko-KR" altLang="en-US" sz="1000" dirty="0">
+              <a:solidFill>
+                <a:schemeClr val="accent1"/>
+              </a:solidFill>
+              <a:latin typeface="+mn-ea"/>
+            </a:endParaRPr>
+          </a:p>
+        </p:txBody>
+      </p:sp>
+      <p:sp>
+        <p:nvSpPr>
+          <p:cNvPr id="25" name="TextBox 24">
+            <a:extLst>
+              <a:ext uri="{FF2B5EF4-FFF2-40B4-BE49-F238E27FC236}">
+                <a16:creationId xmlns:a16="http://schemas.microsoft.com/office/drawing/2014/main" id="{60CE13B2-1C30-F5B4-48AA-E4EB065ED9B4}"/>
+              </a:ext>
+            </a:extLst>
+          </p:cNvPr>
+          <p:cNvSpPr txBox="1"/>
+          <p:nvPr/>
+        </p:nvSpPr>
+        <p:spPr>
+          <a:xfrm>
+            <a:off x="3288443" y="6234825"/>
+            <a:ext cx="756938" cy="246221"/>
+          </a:xfrm>
+          <a:prstGeom prst="rect">
+            <a:avLst/>
+          </a:prstGeom>
+          <a:noFill/>
+        </p:spPr>
+        <p:txBody>
+          <a:bodyPr wrap="none" rtlCol="0">
+            <a:spAutoFit/>
+          </a:bodyPr>
+          <a:lstStyle/>
+          <a:p>
+            <a:r>
+              <a:rPr lang="en-US" altLang="ko-KR" sz="1000" dirty="0">
+                <a:solidFill>
+                  <a:schemeClr val="accent1"/>
+                </a:solidFill>
+                <a:latin typeface="+mn-ea"/>
+              </a:rPr>
+              <a:t>Pg. 13 ~ 14</a:t>
+            </a:r>
+            <a:endParaRPr lang="ko-KR" altLang="en-US" sz="1000" dirty="0">
+              <a:solidFill>
+                <a:schemeClr val="accent1"/>
+              </a:solidFill>
+              <a:latin typeface="+mn-ea"/>
             </a:endParaRPr>
           </a:p>
         </p:txBody>
@@ -5873,14 +7127,6 @@
 <file path=ppt/slides/slide3.xml><?xml version="1.0" encoding="utf-8"?>
 <p:sld xmlns:a="http://schemas.openxmlformats.org/drawingml/2006/main" xmlns:r="http://schemas.openxmlformats.org/officeDocument/2006/relationships" xmlns:p="http://schemas.openxmlformats.org/presentationml/2006/main">
   <p:cSld>
-    <p:bg>
-      <p:bgPr>
-        <a:solidFill>
-          <a:schemeClr val="accent1"/>
-        </a:solidFill>
-        <a:effectLst/>
-      </p:bgPr>
-    </p:bg>
     <p:spTree>
       <p:nvGrpSpPr>
         <p:cNvPr id="1" name=""/>
@@ -5895,205 +7141,492 @@
           <a:chExt cx="0" cy="0"/>
         </a:xfrm>
       </p:grpSpPr>
-      <p:grpSp>
-        <p:nvGrpSpPr>
-          <p:cNvPr id="7" name="그룹 6">
-            <a:extLst>
-              <a:ext uri="{FF2B5EF4-FFF2-40B4-BE49-F238E27FC236}">
-                <a16:creationId xmlns:a16="http://schemas.microsoft.com/office/drawing/2014/main" id="{ADC16E78-8819-8219-C770-75C3BD1E4D45}"/>
-              </a:ext>
-            </a:extLst>
-          </p:cNvPr>
-          <p:cNvGrpSpPr/>
-          <p:nvPr/>
-        </p:nvGrpSpPr>
-        <p:grpSpPr>
-          <a:xfrm>
-            <a:off x="6817895" y="872277"/>
-            <a:ext cx="5374105" cy="4483771"/>
-            <a:chOff x="6817895" y="310803"/>
-            <a:chExt cx="5374105" cy="4483771"/>
-          </a:xfrm>
-        </p:grpSpPr>
-        <p:sp>
-          <p:nvSpPr>
-            <p:cNvPr id="2" name="TextBox 1">
-              <a:extLst>
-                <a:ext uri="{FF2B5EF4-FFF2-40B4-BE49-F238E27FC236}">
-                  <a16:creationId xmlns:a16="http://schemas.microsoft.com/office/drawing/2014/main" id="{1E4D379F-0D7A-E10A-C2FD-B3F877B38412}"/>
-                </a:ext>
-              </a:extLst>
-            </p:cNvPr>
-            <p:cNvSpPr txBox="1"/>
-            <p:nvPr/>
-          </p:nvSpPr>
-          <p:spPr>
-            <a:xfrm>
-              <a:off x="6817895" y="310803"/>
-              <a:ext cx="1430200" cy="3154710"/>
-            </a:xfrm>
-            <a:prstGeom prst="rect">
-              <a:avLst/>
-            </a:prstGeom>
+      <p:cxnSp>
+        <p:nvCxnSpPr>
+          <p:cNvPr id="3" name="직선 연결선 2">
+            <a:extLst>
+              <a:ext uri="{FF2B5EF4-FFF2-40B4-BE49-F238E27FC236}">
+                <a16:creationId xmlns:a16="http://schemas.microsoft.com/office/drawing/2014/main" id="{E3FBA607-E7FC-B7F8-2868-BC448F31F790}"/>
+              </a:ext>
+            </a:extLst>
+          </p:cNvPr>
+          <p:cNvCxnSpPr/>
+          <p:nvPr/>
+        </p:nvCxnSpPr>
+        <p:spPr>
+          <a:xfrm>
+            <a:off x="144378" y="160422"/>
+            <a:ext cx="12060000" cy="0"/>
+          </a:xfrm>
+          <a:prstGeom prst="line">
+            <a:avLst/>
+          </a:prstGeom>
+          <a:ln w="76200">
+            <a:solidFill>
+              <a:schemeClr val="accent1"/>
+            </a:solidFill>
+          </a:ln>
+        </p:spPr>
+        <p:style>
+          <a:lnRef idx="1">
+            <a:schemeClr val="accent1"/>
+          </a:lnRef>
+          <a:fillRef idx="0">
+            <a:schemeClr val="accent1"/>
+          </a:fillRef>
+          <a:effectRef idx="0">
+            <a:schemeClr val="accent1"/>
+          </a:effectRef>
+          <a:fontRef idx="minor">
+            <a:schemeClr val="tx1"/>
+          </a:fontRef>
+        </p:style>
+      </p:cxnSp>
+      <p:sp>
+        <p:nvSpPr>
+          <p:cNvPr id="4" name="TextBox 3">
+            <a:extLst>
+              <a:ext uri="{FF2B5EF4-FFF2-40B4-BE49-F238E27FC236}">
+                <a16:creationId xmlns:a16="http://schemas.microsoft.com/office/drawing/2014/main" id="{B8326A7D-F71C-ED1C-CBFD-93F557654D2A}"/>
+              </a:ext>
+            </a:extLst>
+          </p:cNvPr>
+          <p:cNvSpPr txBox="1"/>
+          <p:nvPr/>
+        </p:nvSpPr>
+        <p:spPr>
+          <a:xfrm>
+            <a:off x="144378" y="272716"/>
+            <a:ext cx="702436" cy="338554"/>
+          </a:xfrm>
+          <a:prstGeom prst="rect">
+            <a:avLst/>
+          </a:prstGeom>
+          <a:noFill/>
+        </p:spPr>
+        <p:txBody>
+          <a:bodyPr wrap="none" rtlCol="0">
+            <a:spAutoFit/>
+          </a:bodyPr>
+          <a:lstStyle/>
+          <a:p>
+            <a:r>
+              <a:rPr lang="en-US" altLang="ko-KR" sz="1600" dirty="0">
+                <a:solidFill>
+                  <a:schemeClr val="accent1"/>
+                </a:solidFill>
+              </a:rPr>
+              <a:t>Part 1</a:t>
+            </a:r>
+            <a:endParaRPr lang="ko-KR" altLang="en-US" sz="1600" dirty="0">
+              <a:solidFill>
+                <a:schemeClr val="accent1"/>
+              </a:solidFill>
+            </a:endParaRPr>
+          </a:p>
+        </p:txBody>
+      </p:sp>
+      <p:sp>
+        <p:nvSpPr>
+          <p:cNvPr id="5" name="TextBox 4">
+            <a:extLst>
+              <a:ext uri="{FF2B5EF4-FFF2-40B4-BE49-F238E27FC236}">
+                <a16:creationId xmlns:a16="http://schemas.microsoft.com/office/drawing/2014/main" id="{3251639B-29EB-6E9D-733B-6F917838F571}"/>
+              </a:ext>
+            </a:extLst>
+          </p:cNvPr>
+          <p:cNvSpPr txBox="1"/>
+          <p:nvPr/>
+        </p:nvSpPr>
+        <p:spPr>
+          <a:xfrm>
+            <a:off x="1163052" y="272716"/>
+            <a:ext cx="2880340" cy="523220"/>
+          </a:xfrm>
+          <a:prstGeom prst="rect">
+            <a:avLst/>
+          </a:prstGeom>
+          <a:noFill/>
+        </p:spPr>
+        <p:txBody>
+          <a:bodyPr wrap="none" rtlCol="0">
+            <a:spAutoFit/>
+          </a:bodyPr>
+          <a:lstStyle/>
+          <a:p>
+            <a:r>
+              <a:rPr lang="en-US" altLang="ko-KR" sz="2800" b="1" spc="-300" dirty="0">
+                <a:solidFill>
+                  <a:schemeClr val="accent1"/>
+                </a:solidFill>
+              </a:rPr>
+              <a:t>Motivation, </a:t>
+            </a:r>
+            <a:r>
+              <a:rPr lang="ko-KR" altLang="en-US" sz="2800" b="1" spc="-300" dirty="0">
+                <a:solidFill>
+                  <a:schemeClr val="accent1"/>
+                </a:solidFill>
+              </a:rPr>
+              <a:t>주요 기능</a:t>
+            </a:r>
+          </a:p>
+        </p:txBody>
+      </p:sp>
+      <p:cxnSp>
+        <p:nvCxnSpPr>
+          <p:cNvPr id="6" name="직선 연결선 5">
+            <a:extLst>
+              <a:ext uri="{FF2B5EF4-FFF2-40B4-BE49-F238E27FC236}">
+                <a16:creationId xmlns:a16="http://schemas.microsoft.com/office/drawing/2014/main" id="{227D3D02-66A7-B0C0-2CF2-A0900C18861C}"/>
+              </a:ext>
+            </a:extLst>
+          </p:cNvPr>
+          <p:cNvCxnSpPr/>
+          <p:nvPr/>
+        </p:nvCxnSpPr>
+        <p:spPr>
+          <a:xfrm>
+            <a:off x="144378" y="6737685"/>
+            <a:ext cx="12060000" cy="0"/>
+          </a:xfrm>
+          <a:prstGeom prst="line">
+            <a:avLst/>
+          </a:prstGeom>
+          <a:ln w="3175">
+            <a:solidFill>
+              <a:schemeClr val="accent1"/>
+            </a:solidFill>
+          </a:ln>
+        </p:spPr>
+        <p:style>
+          <a:lnRef idx="1">
+            <a:schemeClr val="accent1"/>
+          </a:lnRef>
+          <a:fillRef idx="0">
+            <a:schemeClr val="accent1"/>
+          </a:fillRef>
+          <a:effectRef idx="0">
+            <a:schemeClr val="accent1"/>
+          </a:effectRef>
+          <a:fontRef idx="minor">
+            <a:schemeClr val="tx1"/>
+          </a:fontRef>
+        </p:style>
+      </p:cxnSp>
+      <p:sp>
+        <p:nvSpPr>
+          <p:cNvPr id="8" name="직사각형 7">
+            <a:extLst>
+              <a:ext uri="{FF2B5EF4-FFF2-40B4-BE49-F238E27FC236}">
+                <a16:creationId xmlns:a16="http://schemas.microsoft.com/office/drawing/2014/main" id="{4108304A-B30E-64A5-FF83-30FCD194D59D}"/>
+              </a:ext>
+            </a:extLst>
+          </p:cNvPr>
+          <p:cNvSpPr/>
+          <p:nvPr/>
+        </p:nvSpPr>
+        <p:spPr>
+          <a:xfrm>
+            <a:off x="846814" y="1116378"/>
+            <a:ext cx="10615513" cy="2005505"/>
+          </a:xfrm>
+          <a:prstGeom prst="rect">
+            <a:avLst/>
+          </a:prstGeom>
+          <a:ln>
             <a:noFill/>
-          </p:spPr>
-          <p:txBody>
-            <a:bodyPr wrap="none" rtlCol="0">
-              <a:spAutoFit/>
-            </a:bodyPr>
-            <a:lstStyle/>
-            <a:p>
-              <a:r>
-                <a:rPr lang="en-US" altLang="ko-KR" sz="19900" b="1" dirty="0">
-                  <a:solidFill>
-                    <a:schemeClr val="bg1"/>
-                  </a:solidFill>
-                  <a:latin typeface="+mj-ea"/>
-                  <a:ea typeface="+mj-ea"/>
-                </a:rPr>
-                <a:t>1</a:t>
-              </a:r>
-              <a:endParaRPr lang="ko-KR" altLang="en-US" sz="19900" b="1" dirty="0">
+          </a:ln>
+        </p:spPr>
+        <p:style>
+          <a:lnRef idx="2">
+            <a:schemeClr val="accent1">
+              <a:shade val="50000"/>
+            </a:schemeClr>
+          </a:lnRef>
+          <a:fillRef idx="1">
+            <a:schemeClr val="accent1"/>
+          </a:fillRef>
+          <a:effectRef idx="0">
+            <a:schemeClr val="accent1"/>
+          </a:effectRef>
+          <a:fontRef idx="minor">
+            <a:schemeClr val="lt1"/>
+          </a:fontRef>
+        </p:style>
+        <p:txBody>
+          <a:bodyPr rtlCol="0" anchor="ctr"/>
+          <a:lstStyle/>
+          <a:p>
+            <a:pPr algn="ctr"/>
+            <a:endParaRPr lang="ko-KR" altLang="en-US"/>
+          </a:p>
+        </p:txBody>
+      </p:sp>
+      <p:sp>
+        <p:nvSpPr>
+          <p:cNvPr id="18" name="TextBox 17">
+            <a:extLst>
+              <a:ext uri="{FF2B5EF4-FFF2-40B4-BE49-F238E27FC236}">
+                <a16:creationId xmlns:a16="http://schemas.microsoft.com/office/drawing/2014/main" id="{FAF06162-E4D3-7C24-ACD5-4E0E6B585E58}"/>
+              </a:ext>
+            </a:extLst>
+          </p:cNvPr>
+          <p:cNvSpPr txBox="1"/>
+          <p:nvPr/>
+        </p:nvSpPr>
+        <p:spPr>
+          <a:xfrm>
+            <a:off x="1069460" y="1301044"/>
+            <a:ext cx="3067523" cy="400110"/>
+          </a:xfrm>
+          <a:prstGeom prst="rect">
+            <a:avLst/>
+          </a:prstGeom>
+          <a:noFill/>
+        </p:spPr>
+        <p:txBody>
+          <a:bodyPr wrap="square" rtlCol="0">
+            <a:spAutoFit/>
+          </a:bodyPr>
+          <a:lstStyle/>
+          <a:p>
+            <a:r>
+              <a:rPr lang="en-US" altLang="ko-KR" sz="2000" spc="-150" dirty="0">
                 <a:solidFill>
                   <a:schemeClr val="bg1"/>
                 </a:solidFill>
-                <a:latin typeface="+mj-ea"/>
-                <a:ea typeface="+mj-ea"/>
-              </a:endParaRPr>
-            </a:p>
-          </p:txBody>
-        </p:sp>
-        <p:sp>
-          <p:nvSpPr>
-            <p:cNvPr id="3" name="TextBox 2">
-              <a:extLst>
-                <a:ext uri="{FF2B5EF4-FFF2-40B4-BE49-F238E27FC236}">
-                  <a16:creationId xmlns:a16="http://schemas.microsoft.com/office/drawing/2014/main" id="{773F2969-8E1F-0403-B6B6-037C4B0D5DB2}"/>
-                </a:ext>
-              </a:extLst>
-            </p:cNvPr>
-            <p:cNvSpPr txBox="1"/>
-            <p:nvPr/>
-          </p:nvSpPr>
-          <p:spPr>
-            <a:xfrm>
-              <a:off x="6817895" y="3350782"/>
-              <a:ext cx="3748142" cy="830997"/>
-            </a:xfrm>
-            <a:prstGeom prst="rect">
-              <a:avLst/>
-            </a:prstGeom>
-            <a:noFill/>
-          </p:spPr>
-          <p:txBody>
-            <a:bodyPr wrap="none" rtlCol="0">
-              <a:spAutoFit/>
-            </a:bodyPr>
-            <a:lstStyle/>
-            <a:p>
-              <a:r>
-                <a:rPr lang="ko-KR" altLang="en-US" sz="4800" b="1" spc="-300" dirty="0">
-                  <a:solidFill>
-                    <a:schemeClr val="bg1"/>
-                  </a:solidFill>
-                  <a:latin typeface="+mn-ea"/>
-                </a:rPr>
-                <a:t>프로젝트 소개</a:t>
-              </a:r>
-            </a:p>
-          </p:txBody>
-        </p:sp>
-        <p:cxnSp>
-          <p:nvCxnSpPr>
-            <p:cNvPr id="4" name="직선 연결선 3">
-              <a:extLst>
-                <a:ext uri="{FF2B5EF4-FFF2-40B4-BE49-F238E27FC236}">
-                  <a16:creationId xmlns:a16="http://schemas.microsoft.com/office/drawing/2014/main" id="{F9894119-F233-DC33-68F5-7374CF0E569E}"/>
-                </a:ext>
-              </a:extLst>
-            </p:cNvPr>
-            <p:cNvCxnSpPr>
-              <a:cxnSpLocks/>
-            </p:cNvCxnSpPr>
-            <p:nvPr/>
-          </p:nvCxnSpPr>
-          <p:spPr>
-            <a:xfrm>
-              <a:off x="6817895" y="4545921"/>
-              <a:ext cx="5374105" cy="0"/>
-            </a:xfrm>
-            <a:prstGeom prst="line">
-              <a:avLst/>
-            </a:prstGeom>
-            <a:ln w="76200">
+              </a:rPr>
+              <a:t>- Motivation</a:t>
+            </a:r>
+            <a:endParaRPr lang="ko-KR" altLang="en-US" sz="2000" spc="-150" dirty="0">
               <a:solidFill>
                 <a:schemeClr val="bg1"/>
               </a:solidFill>
-            </a:ln>
-          </p:spPr>
-          <p:style>
-            <a:lnRef idx="1">
-              <a:schemeClr val="accent1"/>
-            </a:lnRef>
-            <a:fillRef idx="0">
-              <a:schemeClr val="accent1"/>
-            </a:fillRef>
-            <a:effectRef idx="0">
-              <a:schemeClr val="accent1"/>
-            </a:effectRef>
-            <a:fontRef idx="minor">
-              <a:schemeClr val="tx1"/>
-            </a:fontRef>
-          </p:style>
-        </p:cxnSp>
-        <p:cxnSp>
-          <p:nvCxnSpPr>
-            <p:cNvPr id="6" name="직선 연결선 5">
-              <a:extLst>
-                <a:ext uri="{FF2B5EF4-FFF2-40B4-BE49-F238E27FC236}">
-                  <a16:creationId xmlns:a16="http://schemas.microsoft.com/office/drawing/2014/main" id="{01021128-BA25-D6FF-656C-87D086ADE451}"/>
-                </a:ext>
-              </a:extLst>
-            </p:cNvPr>
-            <p:cNvCxnSpPr>
-              <a:cxnSpLocks/>
-            </p:cNvCxnSpPr>
-            <p:nvPr/>
-          </p:nvCxnSpPr>
-          <p:spPr>
-            <a:xfrm>
-              <a:off x="6817895" y="4794574"/>
-              <a:ext cx="5374105" cy="0"/>
-            </a:xfrm>
-            <a:prstGeom prst="line">
-              <a:avLst/>
-            </a:prstGeom>
-            <a:ln w="3175">
+            </a:endParaRPr>
+          </a:p>
+        </p:txBody>
+      </p:sp>
+      <p:sp>
+        <p:nvSpPr>
+          <p:cNvPr id="20" name="TextBox 19">
+            <a:extLst>
+              <a:ext uri="{FF2B5EF4-FFF2-40B4-BE49-F238E27FC236}">
+                <a16:creationId xmlns:a16="http://schemas.microsoft.com/office/drawing/2014/main" id="{D9CC60FB-5314-7FA8-F2CB-100357E3E116}"/>
+              </a:ext>
+            </a:extLst>
+          </p:cNvPr>
+          <p:cNvSpPr txBox="1"/>
+          <p:nvPr/>
+        </p:nvSpPr>
+        <p:spPr>
+          <a:xfrm>
+            <a:off x="1265868" y="1765187"/>
+            <a:ext cx="9660263" cy="707886"/>
+          </a:xfrm>
+          <a:prstGeom prst="rect">
+            <a:avLst/>
+          </a:prstGeom>
+          <a:noFill/>
+        </p:spPr>
+        <p:txBody>
+          <a:bodyPr wrap="square" rtlCol="0">
+            <a:spAutoFit/>
+          </a:bodyPr>
+          <a:lstStyle/>
+          <a:p>
+            <a:r>
+              <a:rPr lang="ko-KR" altLang="en-US" sz="2000" spc="-150" dirty="0">
+                <a:solidFill>
+                  <a:schemeClr val="bg1"/>
+                </a:solidFill>
+              </a:rPr>
+              <a:t>과거 어느때보다도 빠르게 성장하고 있는 게임 시장의 흐름에 맞춰 상품의 장르적 특성들을 연구하고  게임 개발 과정을 직접 경험해 보는 것</a:t>
+            </a:r>
+            <a:r>
+              <a:rPr lang="en-US" altLang="ko-KR" sz="2000" spc="-150" dirty="0">
+                <a:solidFill>
+                  <a:schemeClr val="bg1"/>
+                </a:solidFill>
+              </a:rPr>
+              <a:t>.</a:t>
+            </a:r>
+            <a:endParaRPr lang="ko-KR" altLang="en-US" sz="2000" spc="-150" dirty="0">
               <a:solidFill>
                 <a:schemeClr val="bg1"/>
               </a:solidFill>
-            </a:ln>
-          </p:spPr>
-          <p:style>
-            <a:lnRef idx="1">
-              <a:schemeClr val="accent1"/>
-            </a:lnRef>
-            <a:fillRef idx="0">
-              <a:schemeClr val="accent1"/>
-            </a:fillRef>
-            <a:effectRef idx="0">
-              <a:schemeClr val="accent1"/>
-            </a:effectRef>
-            <a:fontRef idx="minor">
-              <a:schemeClr val="tx1"/>
-            </a:fontRef>
-          </p:style>
-        </p:cxnSp>
-      </p:grpSp>
+            </a:endParaRPr>
+          </a:p>
+        </p:txBody>
+      </p:sp>
+      <p:sp>
+        <p:nvSpPr>
+          <p:cNvPr id="21" name="직사각형 20">
+            <a:extLst>
+              <a:ext uri="{FF2B5EF4-FFF2-40B4-BE49-F238E27FC236}">
+                <a16:creationId xmlns:a16="http://schemas.microsoft.com/office/drawing/2014/main" id="{D0C56EAD-1DAA-A5B1-5508-BFB6A649D796}"/>
+              </a:ext>
+            </a:extLst>
+          </p:cNvPr>
+          <p:cNvSpPr/>
+          <p:nvPr/>
+        </p:nvSpPr>
+        <p:spPr>
+          <a:xfrm>
+            <a:off x="846814" y="3551451"/>
+            <a:ext cx="10615513" cy="2005505"/>
+          </a:xfrm>
+          <a:prstGeom prst="rect">
+            <a:avLst/>
+          </a:prstGeom>
+          <a:ln>
+            <a:noFill/>
+          </a:ln>
+        </p:spPr>
+        <p:style>
+          <a:lnRef idx="2">
+            <a:schemeClr val="accent1">
+              <a:shade val="50000"/>
+            </a:schemeClr>
+          </a:lnRef>
+          <a:fillRef idx="1">
+            <a:schemeClr val="accent1"/>
+          </a:fillRef>
+          <a:effectRef idx="0">
+            <a:schemeClr val="accent1"/>
+          </a:effectRef>
+          <a:fontRef idx="minor">
+            <a:schemeClr val="lt1"/>
+          </a:fontRef>
+        </p:style>
+        <p:txBody>
+          <a:bodyPr rtlCol="0" anchor="ctr"/>
+          <a:lstStyle/>
+          <a:p>
+            <a:pPr algn="ctr"/>
+            <a:endParaRPr lang="ko-KR" altLang="en-US"/>
+          </a:p>
+        </p:txBody>
+      </p:sp>
+      <p:sp>
+        <p:nvSpPr>
+          <p:cNvPr id="22" name="TextBox 21">
+            <a:extLst>
+              <a:ext uri="{FF2B5EF4-FFF2-40B4-BE49-F238E27FC236}">
+                <a16:creationId xmlns:a16="http://schemas.microsoft.com/office/drawing/2014/main" id="{473B821B-A375-60EE-B8A5-7D4A96BC97F4}"/>
+              </a:ext>
+            </a:extLst>
+          </p:cNvPr>
+          <p:cNvSpPr txBox="1"/>
+          <p:nvPr/>
+        </p:nvSpPr>
+        <p:spPr>
+          <a:xfrm>
+            <a:off x="1069460" y="3736117"/>
+            <a:ext cx="3067523" cy="400110"/>
+          </a:xfrm>
+          <a:prstGeom prst="rect">
+            <a:avLst/>
+          </a:prstGeom>
+          <a:noFill/>
+        </p:spPr>
+        <p:txBody>
+          <a:bodyPr wrap="square" rtlCol="0">
+            <a:spAutoFit/>
+          </a:bodyPr>
+          <a:lstStyle/>
+          <a:p>
+            <a:r>
+              <a:rPr lang="en-US" altLang="ko-KR" sz="2000" spc="-150" dirty="0">
+                <a:solidFill>
+                  <a:schemeClr val="bg1"/>
+                </a:solidFill>
+              </a:rPr>
+              <a:t>- </a:t>
+            </a:r>
+            <a:r>
+              <a:rPr lang="ko-KR" altLang="en-US" sz="2000" spc="-150" dirty="0">
+                <a:solidFill>
+                  <a:schemeClr val="bg1"/>
+                </a:solidFill>
+              </a:rPr>
+              <a:t>주요 기능</a:t>
+            </a:r>
+          </a:p>
+        </p:txBody>
+      </p:sp>
+      <p:sp>
+        <p:nvSpPr>
+          <p:cNvPr id="24" name="TextBox 23">
+            <a:extLst>
+              <a:ext uri="{FF2B5EF4-FFF2-40B4-BE49-F238E27FC236}">
+                <a16:creationId xmlns:a16="http://schemas.microsoft.com/office/drawing/2014/main" id="{C0AFB364-6FE8-89BD-1A27-1BDA9FCBEC09}"/>
+              </a:ext>
+            </a:extLst>
+          </p:cNvPr>
+          <p:cNvSpPr txBox="1"/>
+          <p:nvPr/>
+        </p:nvSpPr>
+        <p:spPr>
+          <a:xfrm>
+            <a:off x="1344246" y="4244594"/>
+            <a:ext cx="9660263" cy="400110"/>
+          </a:xfrm>
+          <a:prstGeom prst="rect">
+            <a:avLst/>
+          </a:prstGeom>
+          <a:noFill/>
+        </p:spPr>
+        <p:txBody>
+          <a:bodyPr wrap="square" rtlCol="0">
+            <a:spAutoFit/>
+          </a:bodyPr>
+          <a:lstStyle/>
+          <a:p>
+            <a:r>
+              <a:rPr lang="ko-KR" altLang="en-US" sz="2000" spc="-150" dirty="0">
+                <a:solidFill>
+                  <a:schemeClr val="bg1"/>
+                </a:solidFill>
+              </a:rPr>
+              <a:t>텍스트 위주로 진행되는 </a:t>
+            </a:r>
+            <a:r>
+              <a:rPr lang="ko-KR" altLang="en-US" sz="2000" spc="-150" dirty="0" err="1">
+                <a:solidFill>
+                  <a:schemeClr val="bg1"/>
+                </a:solidFill>
+              </a:rPr>
+              <a:t>로그라이크</a:t>
+            </a:r>
+            <a:r>
+              <a:rPr lang="ko-KR" altLang="en-US" sz="2000" spc="-150" dirty="0">
+                <a:solidFill>
+                  <a:schemeClr val="bg1"/>
+                </a:solidFill>
+              </a:rPr>
+              <a:t> 속성의 육성 시뮬레이션 게임</a:t>
+            </a:r>
+            <a:r>
+              <a:rPr lang="en-US" altLang="ko-KR" sz="2000" spc="-150" dirty="0">
+                <a:solidFill>
+                  <a:schemeClr val="bg1"/>
+                </a:solidFill>
+              </a:rPr>
+              <a:t>.</a:t>
+            </a:r>
+            <a:endParaRPr lang="ko-KR" altLang="en-US" sz="2000" spc="-150" dirty="0">
+              <a:solidFill>
+                <a:schemeClr val="bg1"/>
+              </a:solidFill>
+            </a:endParaRPr>
+          </a:p>
+        </p:txBody>
+      </p:sp>
     </p:spTree>
     <p:extLst>
       <p:ext uri="{BB962C8B-B14F-4D97-AF65-F5344CB8AC3E}">
-        <p14:creationId xmlns:p14="http://schemas.microsoft.com/office/powerpoint/2010/main" val="1867445370"/>
+        <p14:creationId xmlns:p14="http://schemas.microsoft.com/office/powerpoint/2010/main" val="1636054354"/>
       </p:ext>
     </p:extLst>
   </p:cSld>
@@ -6176,7 +7709,7 @@
         <p:spPr>
           <a:xfrm>
             <a:off x="144378" y="272716"/>
-            <a:ext cx="702436" cy="338554"/>
+            <a:ext cx="675570" cy="338554"/>
           </a:xfrm>
           <a:prstGeom prst="rect">
             <a:avLst/>
@@ -6195,7 +7728,7 @@
                   <a:schemeClr val="accent1"/>
                 </a:solidFill>
               </a:rPr>
-              <a:t>Part 1</a:t>
+              <a:t>Part 2</a:t>
             </a:r>
             <a:endParaRPr lang="ko-KR" altLang="en-US" sz="1600" dirty="0">
               <a:solidFill>
@@ -6220,7 +7753,7 @@
         <p:spPr>
           <a:xfrm>
             <a:off x="1163052" y="272716"/>
-            <a:ext cx="2880340" cy="523220"/>
+            <a:ext cx="1874231" cy="523220"/>
           </a:xfrm>
           <a:prstGeom prst="rect">
             <a:avLst/>
@@ -6234,20 +7767,12 @@
           <a:lstStyle/>
           <a:p>
             <a:r>
-              <a:rPr lang="en-US" altLang="ko-KR" sz="2800" b="1" spc="-300" dirty="0">
+              <a:rPr lang="ko-KR" altLang="en-US" sz="2800" b="1" spc="-300" dirty="0">
                 <a:solidFill>
                   <a:schemeClr val="accent1"/>
                 </a:solidFill>
               </a:rPr>
-              <a:t>Motivation, </a:t>
-            </a:r>
-            <a:r>
-              <a:rPr lang="ko-KR" altLang="en-US" sz="2800" b="1" spc="-300" dirty="0">
-                <a:solidFill>
-                  <a:schemeClr val="accent1"/>
-                </a:solidFill>
-              </a:rPr>
-              <a:t>주요 기능</a:t>
+              <a:t>배경과 과정 </a:t>
             </a:r>
           </a:p>
         </p:txBody>
@@ -6295,10 +7820,10 @@
       </p:cxnSp>
       <p:sp>
         <p:nvSpPr>
-          <p:cNvPr id="8" name="직사각형 7">
-            <a:extLst>
-              <a:ext uri="{FF2B5EF4-FFF2-40B4-BE49-F238E27FC236}">
-                <a16:creationId xmlns:a16="http://schemas.microsoft.com/office/drawing/2014/main" id="{4108304A-B30E-64A5-FF83-30FCD194D59D}"/>
+          <p:cNvPr id="2" name="직사각형 1">
+            <a:extLst>
+              <a:ext uri="{FF2B5EF4-FFF2-40B4-BE49-F238E27FC236}">
+                <a16:creationId xmlns:a16="http://schemas.microsoft.com/office/drawing/2014/main" id="{4A70CD47-9D41-F1A7-3021-5D3C803A858B}"/>
               </a:ext>
             </a:extLst>
           </p:cNvPr>
@@ -6307,15 +7832,13 @@
         </p:nvSpPr>
         <p:spPr>
           <a:xfrm>
-            <a:off x="846814" y="1116378"/>
-            <a:ext cx="10615513" cy="2005505"/>
-          </a:xfrm>
-          <a:prstGeom prst="rect">
-            <a:avLst/>
-          </a:prstGeom>
-          <a:ln>
-            <a:noFill/>
-          </a:ln>
+            <a:off x="530576" y="1267736"/>
+            <a:ext cx="5232916" cy="4749331"/>
+          </a:xfrm>
+          <a:prstGeom prst="rect">
+            <a:avLst/>
+          </a:prstGeom>
+          <a:noFill/>
         </p:spPr>
         <p:style>
           <a:lnRef idx="2">
@@ -6344,106 +7867,10 @@
       </p:sp>
       <p:sp>
         <p:nvSpPr>
-          <p:cNvPr id="18" name="TextBox 17">
-            <a:extLst>
-              <a:ext uri="{FF2B5EF4-FFF2-40B4-BE49-F238E27FC236}">
-                <a16:creationId xmlns:a16="http://schemas.microsoft.com/office/drawing/2014/main" id="{FAF06162-E4D3-7C24-ACD5-4E0E6B585E58}"/>
-              </a:ext>
-            </a:extLst>
-          </p:cNvPr>
-          <p:cNvSpPr txBox="1"/>
-          <p:nvPr/>
-        </p:nvSpPr>
-        <p:spPr>
-          <a:xfrm>
-            <a:off x="1069460" y="1301044"/>
-            <a:ext cx="3067523" cy="400110"/>
-          </a:xfrm>
-          <a:prstGeom prst="rect">
-            <a:avLst/>
-          </a:prstGeom>
-          <a:noFill/>
-        </p:spPr>
-        <p:txBody>
-          <a:bodyPr wrap="square" rtlCol="0">
-            <a:spAutoFit/>
-          </a:bodyPr>
-          <a:lstStyle/>
-          <a:p>
-            <a:r>
-              <a:rPr lang="en-US" altLang="ko-KR" sz="2000" spc="-150" dirty="0">
-                <a:solidFill>
-                  <a:schemeClr val="bg1"/>
-                </a:solidFill>
-              </a:rPr>
-              <a:t>- Motivation</a:t>
-            </a:r>
-            <a:endParaRPr lang="ko-KR" altLang="en-US" sz="2000" spc="-150" dirty="0">
-              <a:solidFill>
-                <a:schemeClr val="bg1"/>
-              </a:solidFill>
-            </a:endParaRPr>
-          </a:p>
-        </p:txBody>
-      </p:sp>
-      <p:sp>
-        <p:nvSpPr>
-          <p:cNvPr id="20" name="TextBox 19">
-            <a:extLst>
-              <a:ext uri="{FF2B5EF4-FFF2-40B4-BE49-F238E27FC236}">
-                <a16:creationId xmlns:a16="http://schemas.microsoft.com/office/drawing/2014/main" id="{D9CC60FB-5314-7FA8-F2CB-100357E3E116}"/>
-              </a:ext>
-            </a:extLst>
-          </p:cNvPr>
-          <p:cNvSpPr txBox="1"/>
-          <p:nvPr/>
-        </p:nvSpPr>
-        <p:spPr>
-          <a:xfrm>
-            <a:off x="1265868" y="1765187"/>
-            <a:ext cx="9660263" cy="707886"/>
-          </a:xfrm>
-          <a:prstGeom prst="rect">
-            <a:avLst/>
-          </a:prstGeom>
-          <a:noFill/>
-        </p:spPr>
-        <p:txBody>
-          <a:bodyPr wrap="square" rtlCol="0">
-            <a:spAutoFit/>
-          </a:bodyPr>
-          <a:lstStyle/>
-          <a:p>
-            <a:r>
-              <a:rPr lang="ko-KR" altLang="en-US" sz="2000" spc="-150" dirty="0">
-                <a:solidFill>
-                  <a:schemeClr val="bg1"/>
-                </a:solidFill>
-              </a:rPr>
-              <a:t>과거 어느때보다도 빠르게 성장하고 있는 게임 시장의 흐름에 맞춰 상품의 장르적 특성들을 연구하고  게임 개발 과정을 직접 경험해 보는 것</a:t>
-            </a:r>
-            <a:r>
-              <a:rPr lang="en-US" altLang="ko-KR" sz="2000" spc="-150" dirty="0">
-                <a:solidFill>
-                  <a:schemeClr val="bg1"/>
-                </a:solidFill>
-              </a:rPr>
-              <a:t>.</a:t>
-            </a:r>
-            <a:endParaRPr lang="ko-KR" altLang="en-US" sz="2000" spc="-150" dirty="0">
-              <a:solidFill>
-                <a:schemeClr val="bg1"/>
-              </a:solidFill>
-            </a:endParaRPr>
-          </a:p>
-        </p:txBody>
-      </p:sp>
-      <p:sp>
-        <p:nvSpPr>
-          <p:cNvPr id="21" name="직사각형 20">
-            <a:extLst>
-              <a:ext uri="{FF2B5EF4-FFF2-40B4-BE49-F238E27FC236}">
-                <a16:creationId xmlns:a16="http://schemas.microsoft.com/office/drawing/2014/main" id="{D0C56EAD-1DAA-A5B1-5508-BFB6A649D796}"/>
+          <p:cNvPr id="7" name="직사각형 6">
+            <a:extLst>
+              <a:ext uri="{FF2B5EF4-FFF2-40B4-BE49-F238E27FC236}">
+                <a16:creationId xmlns:a16="http://schemas.microsoft.com/office/drawing/2014/main" id="{70F9874C-3FEF-2B68-74D2-E088F33596A2}"/>
               </a:ext>
             </a:extLst>
           </p:cNvPr>
@@ -6452,8 +7879,8 @@
         </p:nvSpPr>
         <p:spPr>
           <a:xfrm>
-            <a:off x="846814" y="3551451"/>
-            <a:ext cx="10615513" cy="2005505"/>
+            <a:off x="949540" y="1530402"/>
+            <a:ext cx="4394986" cy="3594088"/>
           </a:xfrm>
           <a:prstGeom prst="rect">
             <a:avLst/>
@@ -6489,10 +7916,10 @@
       </p:sp>
       <p:sp>
         <p:nvSpPr>
-          <p:cNvPr id="22" name="TextBox 21">
-            <a:extLst>
-              <a:ext uri="{FF2B5EF4-FFF2-40B4-BE49-F238E27FC236}">
-                <a16:creationId xmlns:a16="http://schemas.microsoft.com/office/drawing/2014/main" id="{473B821B-A375-60EE-B8A5-7D4A96BC97F4}"/>
+          <p:cNvPr id="9" name="TextBox 8">
+            <a:extLst>
+              <a:ext uri="{FF2B5EF4-FFF2-40B4-BE49-F238E27FC236}">
+                <a16:creationId xmlns:a16="http://schemas.microsoft.com/office/drawing/2014/main" id="{EE083189-B1B5-E180-999B-E02F8EE2E5D1}"/>
               </a:ext>
             </a:extLst>
           </p:cNvPr>
@@ -6501,8 +7928,8 @@
         </p:nvSpPr>
         <p:spPr>
           <a:xfrm>
-            <a:off x="1069460" y="3736117"/>
-            <a:ext cx="3067523" cy="400110"/>
+            <a:off x="737754" y="5290026"/>
+            <a:ext cx="4818556" cy="338554"/>
           </a:xfrm>
           <a:prstGeom prst="rect">
             <a:avLst/>
@@ -6515,31 +7942,137 @@
           </a:bodyPr>
           <a:lstStyle/>
           <a:p>
-            <a:r>
-              <a:rPr lang="en-US" altLang="ko-KR" sz="2000" spc="-150" dirty="0">
-                <a:solidFill>
-                  <a:schemeClr val="bg1"/>
-                </a:solidFill>
-              </a:rPr>
-              <a:t>- </a:t>
-            </a:r>
-            <a:r>
-              <a:rPr lang="ko-KR" altLang="en-US" sz="2000" spc="-150" dirty="0">
-                <a:solidFill>
-                  <a:schemeClr val="bg1"/>
-                </a:solidFill>
-              </a:rPr>
-              <a:t>주요 기능</a:t>
-            </a:r>
-          </a:p>
-        </p:txBody>
-      </p:sp>
-      <p:sp>
-        <p:nvSpPr>
-          <p:cNvPr id="24" name="TextBox 23">
-            <a:extLst>
-              <a:ext uri="{FF2B5EF4-FFF2-40B4-BE49-F238E27FC236}">
-                <a16:creationId xmlns:a16="http://schemas.microsoft.com/office/drawing/2014/main" id="{C0AFB364-6FE8-89BD-1A27-1BDA9FCBEC09}"/>
+            <a:pPr algn="ctr"/>
+            <a:r>
+              <a:rPr lang="en-US" altLang="ko-KR" sz="1600" dirty="0"/>
+              <a:t>-</a:t>
+            </a:r>
+            <a:r>
+              <a:rPr lang="ko-KR" altLang="en-US" sz="1600" dirty="0"/>
+              <a:t> 유물</a:t>
+            </a:r>
+            <a:r>
+              <a:rPr lang="en-US" altLang="ko-KR" sz="1600" dirty="0"/>
+              <a:t>, </a:t>
+            </a:r>
+            <a:r>
+              <a:rPr lang="ko-KR" altLang="en-US" sz="1600" dirty="0" err="1"/>
+              <a:t>로그라이크</a:t>
+            </a:r>
+            <a:r>
+              <a:rPr lang="ko-KR" altLang="en-US" sz="1600" dirty="0"/>
+              <a:t> 시스템을 참고한 </a:t>
+            </a:r>
+            <a:r>
+              <a:rPr lang="en-US" altLang="ko-KR" sz="1600" dirty="0"/>
+              <a:t>‘Slay The Spire’</a:t>
+            </a:r>
+            <a:endParaRPr lang="ko-KR" altLang="en-US" sz="1600" dirty="0"/>
+          </a:p>
+        </p:txBody>
+      </p:sp>
+      <p:sp>
+        <p:nvSpPr>
+          <p:cNvPr id="10" name="직사각형 9">
+            <a:extLst>
+              <a:ext uri="{FF2B5EF4-FFF2-40B4-BE49-F238E27FC236}">
+                <a16:creationId xmlns:a16="http://schemas.microsoft.com/office/drawing/2014/main" id="{525D493B-FB98-B1B0-E851-B043B7ED8D0F}"/>
+              </a:ext>
+            </a:extLst>
+          </p:cNvPr>
+          <p:cNvSpPr/>
+          <p:nvPr/>
+        </p:nvSpPr>
+        <p:spPr>
+          <a:xfrm>
+            <a:off x="6761862" y="1267736"/>
+            <a:ext cx="4583324" cy="4749331"/>
+          </a:xfrm>
+          <a:prstGeom prst="rect">
+            <a:avLst/>
+          </a:prstGeom>
+          <a:noFill/>
+        </p:spPr>
+        <p:style>
+          <a:lnRef idx="2">
+            <a:schemeClr val="accent1">
+              <a:shade val="50000"/>
+            </a:schemeClr>
+          </a:lnRef>
+          <a:fillRef idx="1">
+            <a:schemeClr val="accent1"/>
+          </a:fillRef>
+          <a:effectRef idx="0">
+            <a:schemeClr val="accent1"/>
+          </a:effectRef>
+          <a:fontRef idx="minor">
+            <a:schemeClr val="lt1"/>
+          </a:fontRef>
+        </p:style>
+        <p:txBody>
+          <a:bodyPr rtlCol="0" anchor="ctr"/>
+          <a:lstStyle/>
+          <a:p>
+            <a:pPr algn="ctr"/>
+            <a:endParaRPr lang="ko-KR" altLang="en-US"/>
+          </a:p>
+        </p:txBody>
+      </p:sp>
+      <p:sp>
+        <p:nvSpPr>
+          <p:cNvPr id="11" name="직사각형 10">
+            <a:extLst>
+              <a:ext uri="{FF2B5EF4-FFF2-40B4-BE49-F238E27FC236}">
+                <a16:creationId xmlns:a16="http://schemas.microsoft.com/office/drawing/2014/main" id="{91AFA0AC-59A8-9C95-F6F0-D0502E2E440D}"/>
+              </a:ext>
+            </a:extLst>
+          </p:cNvPr>
+          <p:cNvSpPr/>
+          <p:nvPr/>
+        </p:nvSpPr>
+        <p:spPr>
+          <a:xfrm>
+            <a:off x="7121734" y="1523491"/>
+            <a:ext cx="3966228" cy="3594088"/>
+          </a:xfrm>
+          <a:prstGeom prst="rect">
+            <a:avLst/>
+          </a:prstGeom>
+          <a:ln>
+            <a:noFill/>
+          </a:ln>
+        </p:spPr>
+        <p:style>
+          <a:lnRef idx="2">
+            <a:schemeClr val="accent1">
+              <a:shade val="50000"/>
+            </a:schemeClr>
+          </a:lnRef>
+          <a:fillRef idx="1">
+            <a:schemeClr val="accent1"/>
+          </a:fillRef>
+          <a:effectRef idx="0">
+            <a:schemeClr val="accent1"/>
+          </a:effectRef>
+          <a:fontRef idx="minor">
+            <a:schemeClr val="lt1"/>
+          </a:fontRef>
+        </p:style>
+        <p:txBody>
+          <a:bodyPr rtlCol="0" anchor="ctr"/>
+          <a:lstStyle/>
+          <a:p>
+            <a:pPr algn="ctr"/>
+            <a:endParaRPr lang="ko-KR" altLang="en-US"/>
+          </a:p>
+        </p:txBody>
+      </p:sp>
+      <p:sp>
+        <p:nvSpPr>
+          <p:cNvPr id="12" name="TextBox 11">
+            <a:extLst>
+              <a:ext uri="{FF2B5EF4-FFF2-40B4-BE49-F238E27FC236}">
+                <a16:creationId xmlns:a16="http://schemas.microsoft.com/office/drawing/2014/main" id="{0FB3F957-EF9E-A062-6F69-27118605DE08}"/>
               </a:ext>
             </a:extLst>
           </p:cNvPr>
@@ -6548,8 +8081,8 @@
         </p:nvSpPr>
         <p:spPr>
           <a:xfrm>
-            <a:off x="1344246" y="4244594"/>
-            <a:ext cx="9660263" cy="400110"/>
+            <a:off x="6919924" y="5274935"/>
+            <a:ext cx="4267200" cy="584775"/>
           </a:xfrm>
           <a:prstGeom prst="rect">
             <a:avLst/>
@@ -6562,50 +8095,219 @@
           </a:bodyPr>
           <a:lstStyle/>
           <a:p>
-            <a:r>
-              <a:rPr lang="ko-KR" altLang="en-US" sz="2000" spc="-150" dirty="0">
-                <a:solidFill>
-                  <a:schemeClr val="bg1"/>
-                </a:solidFill>
-              </a:rPr>
-              <a:t>텍스트 위주로 진행되는 </a:t>
-            </a:r>
-            <a:r>
-              <a:rPr lang="ko-KR" altLang="en-US" sz="2000" spc="-150" dirty="0" err="1">
-                <a:solidFill>
-                  <a:schemeClr val="bg1"/>
-                </a:solidFill>
-              </a:rPr>
-              <a:t>로그라이크</a:t>
-            </a:r>
-            <a:r>
-              <a:rPr lang="ko-KR" altLang="en-US" sz="2000" spc="-150" dirty="0">
-                <a:solidFill>
-                  <a:schemeClr val="bg1"/>
-                </a:solidFill>
-              </a:rPr>
-              <a:t> 속성의 육성 시뮬레이션 게임</a:t>
-            </a:r>
-            <a:r>
-              <a:rPr lang="en-US" altLang="ko-KR" sz="2000" spc="-150" dirty="0">
-                <a:solidFill>
-                  <a:schemeClr val="bg1"/>
-                </a:solidFill>
-              </a:rPr>
-              <a:t>.</a:t>
-            </a:r>
-            <a:endParaRPr lang="ko-KR" altLang="en-US" sz="2000" spc="-150" dirty="0">
-              <a:solidFill>
-                <a:schemeClr val="bg1"/>
-              </a:solidFill>
-            </a:endParaRPr>
-          </a:p>
-        </p:txBody>
-      </p:sp>
+            <a:pPr marL="285750" indent="-285750" algn="ctr">
+              <a:buFontTx/>
+              <a:buChar char="-"/>
+            </a:pPr>
+            <a:r>
+              <a:rPr lang="ko-KR" altLang="en-US" sz="1600" dirty="0"/>
+              <a:t>게임의 </a:t>
+            </a:r>
+            <a:r>
+              <a:rPr lang="en-US" altLang="ko-KR" sz="1600" dirty="0"/>
+              <a:t>UI</a:t>
+            </a:r>
+            <a:r>
+              <a:rPr lang="ko-KR" altLang="en-US" sz="1600" dirty="0"/>
+              <a:t>적 디자인</a:t>
+            </a:r>
+            <a:r>
+              <a:rPr lang="en-US" altLang="ko-KR" sz="1600" dirty="0"/>
+              <a:t>, </a:t>
+            </a:r>
+            <a:r>
+              <a:rPr lang="ko-KR" altLang="en-US" sz="1600" dirty="0"/>
+              <a:t>진행 흐름을</a:t>
+            </a:r>
+            <a:endParaRPr lang="en-US" altLang="ko-KR" sz="1600" dirty="0"/>
+          </a:p>
+          <a:p>
+            <a:pPr algn="ctr"/>
+            <a:r>
+              <a:rPr lang="ko-KR" altLang="en-US" sz="1600" dirty="0"/>
+              <a:t>참고한 </a:t>
+            </a:r>
+            <a:r>
+              <a:rPr lang="en-US" altLang="ko-KR" sz="1600" dirty="0"/>
+              <a:t>‘A Dark Room’</a:t>
+            </a:r>
+            <a:endParaRPr lang="ko-KR" altLang="en-US" sz="1600" dirty="0"/>
+          </a:p>
+        </p:txBody>
+      </p:sp>
+      <p:pic>
+        <p:nvPicPr>
+          <p:cNvPr id="23" name="그림 22" descr="텍스트, 폰트, 라인, 스크린샷이(가) 표시된 사진&#10;&#10;자동 생성된 설명">
+            <a:extLst>
+              <a:ext uri="{FF2B5EF4-FFF2-40B4-BE49-F238E27FC236}">
+                <a16:creationId xmlns:a16="http://schemas.microsoft.com/office/drawing/2014/main" id="{968774F2-9B3F-60AC-D5FE-2D890A6C20DC}"/>
+              </a:ext>
+            </a:extLst>
+          </p:cNvPr>
+          <p:cNvPicPr>
+            <a:picLocks noChangeAspect="1"/>
+          </p:cNvPicPr>
+          <p:nvPr/>
+        </p:nvPicPr>
+        <p:blipFill>
+          <a:blip r:embed="rId2"/>
+          <a:stretch>
+            <a:fillRect/>
+          </a:stretch>
+        </p:blipFill>
+        <p:spPr>
+          <a:xfrm>
+            <a:off x="1354526" y="4021695"/>
+            <a:ext cx="3600801" cy="612368"/>
+          </a:xfrm>
+          <a:prstGeom prst="rect">
+            <a:avLst/>
+          </a:prstGeom>
+        </p:spPr>
+      </p:pic>
+      <p:pic>
+        <p:nvPicPr>
+          <p:cNvPr id="25" name="Picture 2" descr="Relic - Slay the Spire | Interface In Game">
+            <a:extLst>
+              <a:ext uri="{FF2B5EF4-FFF2-40B4-BE49-F238E27FC236}">
+                <a16:creationId xmlns:a16="http://schemas.microsoft.com/office/drawing/2014/main" id="{65161EF3-FA68-2D73-0E71-6E063BE35292}"/>
+              </a:ext>
+            </a:extLst>
+          </p:cNvPr>
+          <p:cNvPicPr>
+            <a:picLocks noChangeAspect="1" noChangeArrowheads="1"/>
+          </p:cNvPicPr>
+          <p:nvPr/>
+        </p:nvPicPr>
+        <p:blipFill>
+          <a:blip r:embed="rId3">
+            <a:extLst>
+              <a:ext uri="{28A0092B-C50C-407E-A947-70E740481C1C}">
+                <a14:useLocalDpi xmlns:a14="http://schemas.microsoft.com/office/drawing/2010/main" val="0"/>
+              </a:ext>
+            </a:extLst>
+          </a:blip>
+          <a:srcRect/>
+          <a:stretch>
+            <a:fillRect/>
+          </a:stretch>
+        </p:blipFill>
+        <p:spPr bwMode="auto">
+          <a:xfrm>
+            <a:off x="1441402" y="1788934"/>
+            <a:ext cx="3427048" cy="1927714"/>
+          </a:xfrm>
+          <a:prstGeom prst="rect">
+            <a:avLst/>
+          </a:prstGeom>
+          <a:noFill/>
+          <a:extLst>
+            <a:ext uri="{909E8E84-426E-40DD-AFC4-6F175D3DCCD1}">
+              <a14:hiddenFill xmlns:a14="http://schemas.microsoft.com/office/drawing/2010/main">
+                <a:solidFill>
+                  <a:srgbClr val="FFFFFF"/>
+                </a:solidFill>
+              </a14:hiddenFill>
+            </a:ext>
+          </a:extLst>
+        </p:spPr>
+      </p:pic>
+      <p:pic>
+        <p:nvPicPr>
+          <p:cNvPr id="26" name="Picture 2" descr="This iPhone Game Is Just A Bunch Of Simple Text, And People Love It |  HuffPost Impact">
+            <a:extLst>
+              <a:ext uri="{FF2B5EF4-FFF2-40B4-BE49-F238E27FC236}">
+                <a16:creationId xmlns:a16="http://schemas.microsoft.com/office/drawing/2014/main" id="{BCABEDE2-0F9C-0ADE-F258-0467F1BAC633}"/>
+              </a:ext>
+            </a:extLst>
+          </p:cNvPr>
+          <p:cNvPicPr>
+            <a:picLocks noChangeAspect="1" noChangeArrowheads="1"/>
+          </p:cNvPicPr>
+          <p:nvPr/>
+        </p:nvPicPr>
+        <p:blipFill>
+          <a:blip r:embed="rId4">
+            <a:extLst>
+              <a:ext uri="{28A0092B-C50C-407E-A947-70E740481C1C}">
+                <a14:useLocalDpi xmlns:a14="http://schemas.microsoft.com/office/drawing/2010/main" val="0"/>
+              </a:ext>
+            </a:extLst>
+          </a:blip>
+          <a:srcRect/>
+          <a:stretch>
+            <a:fillRect/>
+          </a:stretch>
+        </p:blipFill>
+        <p:spPr bwMode="auto">
+          <a:xfrm>
+            <a:off x="7219248" y="1934937"/>
+            <a:ext cx="1658815" cy="2479613"/>
+          </a:xfrm>
+          <a:prstGeom prst="rect">
+            <a:avLst/>
+          </a:prstGeom>
+          <a:noFill/>
+          <a:extLst>
+            <a:ext uri="{909E8E84-426E-40DD-AFC4-6F175D3DCCD1}">
+              <a14:hiddenFill xmlns:a14="http://schemas.microsoft.com/office/drawing/2010/main">
+                <a:solidFill>
+                  <a:srgbClr val="FFFFFF"/>
+                </a:solidFill>
+              </a14:hiddenFill>
+            </a:ext>
+          </a:extLst>
+        </p:spPr>
+      </p:pic>
+      <p:pic>
+        <p:nvPicPr>
+          <p:cNvPr id="27" name="Picture 8" descr="A Dark Room Game - Episode 10 - The End - YouTube">
+            <a:extLst>
+              <a:ext uri="{FF2B5EF4-FFF2-40B4-BE49-F238E27FC236}">
+                <a16:creationId xmlns:a16="http://schemas.microsoft.com/office/drawing/2014/main" id="{34F534D0-2C25-3AF6-B78D-CC64FF617800}"/>
+              </a:ext>
+            </a:extLst>
+          </p:cNvPr>
+          <p:cNvPicPr>
+            <a:picLocks noChangeAspect="1" noChangeArrowheads="1"/>
+          </p:cNvPicPr>
+          <p:nvPr/>
+        </p:nvPicPr>
+        <p:blipFill rotWithShape="1">
+          <a:blip r:embed="rId5">
+            <a:extLst>
+              <a:ext uri="{28A0092B-C50C-407E-A947-70E740481C1C}">
+                <a14:useLocalDpi xmlns:a14="http://schemas.microsoft.com/office/drawing/2010/main" val="0"/>
+              </a:ext>
+            </a:extLst>
+          </a:blip>
+          <a:srcRect l="15474" t="774" r="19136"/>
+          <a:stretch/>
+        </p:blipFill>
+        <p:spPr bwMode="auto">
+          <a:xfrm>
+            <a:off x="8932657" y="2311218"/>
+            <a:ext cx="2100711" cy="1793103"/>
+          </a:xfrm>
+          <a:prstGeom prst="rect">
+            <a:avLst/>
+          </a:prstGeom>
+          <a:noFill/>
+          <a:extLst>
+            <a:ext uri="{909E8E84-426E-40DD-AFC4-6F175D3DCCD1}">
+              <a14:hiddenFill xmlns:a14="http://schemas.microsoft.com/office/drawing/2010/main">
+                <a:solidFill>
+                  <a:srgbClr val="FFFFFF"/>
+                </a:solidFill>
+              </a14:hiddenFill>
+            </a:ext>
+          </a:extLst>
+        </p:spPr>
+      </p:pic>
     </p:spTree>
     <p:extLst>
       <p:ext uri="{BB962C8B-B14F-4D97-AF65-F5344CB8AC3E}">
-        <p14:creationId xmlns:p14="http://schemas.microsoft.com/office/powerpoint/2010/main" val="1636054354"/>
+        <p14:creationId xmlns:p14="http://schemas.microsoft.com/office/powerpoint/2010/main" val="3283235192"/>
       </p:ext>
     </p:extLst>
   </p:cSld>
@@ -6673,105 +8375,6 @@
           </a:fontRef>
         </p:style>
       </p:cxnSp>
-      <p:sp>
-        <p:nvSpPr>
-          <p:cNvPr id="4" name="TextBox 3">
-            <a:extLst>
-              <a:ext uri="{FF2B5EF4-FFF2-40B4-BE49-F238E27FC236}">
-                <a16:creationId xmlns:a16="http://schemas.microsoft.com/office/drawing/2014/main" id="{B8326A7D-F71C-ED1C-CBFD-93F557654D2A}"/>
-              </a:ext>
-            </a:extLst>
-          </p:cNvPr>
-          <p:cNvSpPr txBox="1"/>
-          <p:nvPr/>
-        </p:nvSpPr>
-        <p:spPr>
-          <a:xfrm>
-            <a:off x="144378" y="272716"/>
-            <a:ext cx="702436" cy="338554"/>
-          </a:xfrm>
-          <a:prstGeom prst="rect">
-            <a:avLst/>
-          </a:prstGeom>
-          <a:noFill/>
-        </p:spPr>
-        <p:txBody>
-          <a:bodyPr wrap="none" rtlCol="0">
-            <a:spAutoFit/>
-          </a:bodyPr>
-          <a:lstStyle/>
-          <a:p>
-            <a:r>
-              <a:rPr lang="en-US" altLang="ko-KR" sz="1600" dirty="0">
-                <a:solidFill>
-                  <a:schemeClr val="accent1"/>
-                </a:solidFill>
-              </a:rPr>
-              <a:t>Part 1</a:t>
-            </a:r>
-            <a:endParaRPr lang="ko-KR" altLang="en-US" sz="1600" dirty="0">
-              <a:solidFill>
-                <a:schemeClr val="accent1"/>
-              </a:solidFill>
-            </a:endParaRPr>
-          </a:p>
-        </p:txBody>
-      </p:sp>
-      <p:sp>
-        <p:nvSpPr>
-          <p:cNvPr id="5" name="TextBox 4">
-            <a:extLst>
-              <a:ext uri="{FF2B5EF4-FFF2-40B4-BE49-F238E27FC236}">
-                <a16:creationId xmlns:a16="http://schemas.microsoft.com/office/drawing/2014/main" id="{3251639B-29EB-6E9D-733B-6F917838F571}"/>
-              </a:ext>
-            </a:extLst>
-          </p:cNvPr>
-          <p:cNvSpPr txBox="1"/>
-          <p:nvPr/>
-        </p:nvSpPr>
-        <p:spPr>
-          <a:xfrm>
-            <a:off x="1163052" y="272716"/>
-            <a:ext cx="2206053" cy="523220"/>
-          </a:xfrm>
-          <a:prstGeom prst="rect">
-            <a:avLst/>
-          </a:prstGeom>
-          <a:noFill/>
-        </p:spPr>
-        <p:txBody>
-          <a:bodyPr wrap="none" rtlCol="0">
-            <a:spAutoFit/>
-          </a:bodyPr>
-          <a:lstStyle/>
-          <a:p>
-            <a:r>
-              <a:rPr lang="ko-KR" altLang="en-US" sz="2800" b="1" spc="-300" dirty="0" err="1">
-                <a:solidFill>
-                  <a:schemeClr val="accent1"/>
-                </a:solidFill>
-              </a:rPr>
-              <a:t>아키텍쳐</a:t>
-            </a:r>
-            <a:r>
-              <a:rPr lang="en-US" altLang="ko-KR" sz="2800" b="1" spc="-300" dirty="0">
-                <a:solidFill>
-                  <a:schemeClr val="accent1"/>
-                </a:solidFill>
-              </a:rPr>
-              <a:t>, </a:t>
-            </a:r>
-            <a:r>
-              <a:rPr lang="ko-KR" altLang="en-US" sz="2800" b="1" spc="-300" dirty="0">
-                <a:solidFill>
-                  <a:schemeClr val="accent1"/>
-                </a:solidFill>
-              </a:rPr>
-              <a:t>설계</a:t>
-            </a:r>
-          </a:p>
-        </p:txBody>
-      </p:sp>
       <p:cxnSp>
         <p:nvCxnSpPr>
           <p:cNvPr id="6" name="직선 연결선 5">
@@ -6818,7 +8421,7 @@
           <p:cNvPr id="2" name="직사각형 1">
             <a:extLst>
               <a:ext uri="{FF2B5EF4-FFF2-40B4-BE49-F238E27FC236}">
-                <a16:creationId xmlns:a16="http://schemas.microsoft.com/office/drawing/2014/main" id="{B3BB2C81-2C36-BFAF-F8BF-91BC4B766C18}"/>
+                <a16:creationId xmlns:a16="http://schemas.microsoft.com/office/drawing/2014/main" id="{4A70CD47-9D41-F1A7-3021-5D3C803A858B}"/>
               </a:ext>
             </a:extLst>
           </p:cNvPr>
@@ -6827,8 +8430,8 @@
         </p:nvSpPr>
         <p:spPr>
           <a:xfrm>
-            <a:off x="846814" y="1267736"/>
-            <a:ext cx="2937893" cy="4749331"/>
+            <a:off x="530576" y="1267736"/>
+            <a:ext cx="5232916" cy="4749331"/>
           </a:xfrm>
           <a:prstGeom prst="rect">
             <a:avLst/>
@@ -6862,10 +8465,10 @@
       </p:sp>
       <p:sp>
         <p:nvSpPr>
-          <p:cNvPr id="17" name="직사각형 16">
-            <a:extLst>
-              <a:ext uri="{FF2B5EF4-FFF2-40B4-BE49-F238E27FC236}">
-                <a16:creationId xmlns:a16="http://schemas.microsoft.com/office/drawing/2014/main" id="{9F677B01-8FB5-8DC6-B676-456D321BD005}"/>
+          <p:cNvPr id="7" name="직사각형 6">
+            <a:extLst>
+              <a:ext uri="{FF2B5EF4-FFF2-40B4-BE49-F238E27FC236}">
+                <a16:creationId xmlns:a16="http://schemas.microsoft.com/office/drawing/2014/main" id="{70F9874C-3FEF-2B68-74D2-E088F33596A2}"/>
               </a:ext>
             </a:extLst>
           </p:cNvPr>
@@ -6874,8 +8477,8 @@
         </p:nvSpPr>
         <p:spPr>
           <a:xfrm>
-            <a:off x="1082031" y="1530402"/>
-            <a:ext cx="2467457" cy="3594088"/>
+            <a:off x="949540" y="1530402"/>
+            <a:ext cx="4394986" cy="3594088"/>
           </a:xfrm>
           <a:prstGeom prst="rect">
             <a:avLst/>
@@ -6911,10 +8514,10 @@
       </p:sp>
       <p:sp>
         <p:nvSpPr>
-          <p:cNvPr id="23" name="TextBox 22">
-            <a:extLst>
-              <a:ext uri="{FF2B5EF4-FFF2-40B4-BE49-F238E27FC236}">
-                <a16:creationId xmlns:a16="http://schemas.microsoft.com/office/drawing/2014/main" id="{7353C824-937A-E110-963F-5F8649640E2E}"/>
+          <p:cNvPr id="9" name="TextBox 8">
+            <a:extLst>
+              <a:ext uri="{FF2B5EF4-FFF2-40B4-BE49-F238E27FC236}">
+                <a16:creationId xmlns:a16="http://schemas.microsoft.com/office/drawing/2014/main" id="{EE083189-B1B5-E180-999B-E02F8EE2E5D1}"/>
               </a:ext>
             </a:extLst>
           </p:cNvPr>
@@ -6923,8 +8526,8 @@
         </p:nvSpPr>
         <p:spPr>
           <a:xfrm>
-            <a:off x="963128" y="5290026"/>
-            <a:ext cx="2705261" cy="584775"/>
+            <a:off x="737754" y="5290026"/>
+            <a:ext cx="4818556" cy="338554"/>
           </a:xfrm>
           <a:prstGeom prst="rect">
             <a:avLst/>
@@ -6940,41 +8543,21 @@
             <a:pPr algn="ctr"/>
             <a:r>
               <a:rPr lang="en-US" altLang="ko-KR" sz="1600" dirty="0"/>
-              <a:t>Unity</a:t>
+              <a:t>- </a:t>
             </a:r>
             <a:r>
               <a:rPr lang="ko-KR" altLang="en-US" sz="1600" dirty="0"/>
-              <a:t>를 이용한 개발</a:t>
-            </a:r>
-            <a:r>
-              <a:rPr lang="en-US" altLang="ko-KR" sz="1600" dirty="0"/>
-              <a:t>, </a:t>
-            </a:r>
-            <a:r>
-              <a:rPr lang="en-US" altLang="ko-KR" sz="1600" dirty="0" err="1"/>
-              <a:t>Aseprite</a:t>
-            </a:r>
-            <a:r>
-              <a:rPr lang="ko-KR" altLang="en-US" sz="1600" dirty="0"/>
-              <a:t>를 이용한 </a:t>
-            </a:r>
-            <a:r>
-              <a:rPr lang="en-US" altLang="ko-KR" sz="1600" dirty="0"/>
-              <a:t>sprite </a:t>
-            </a:r>
-            <a:r>
-              <a:rPr lang="ko-KR" altLang="en-US" sz="1600" dirty="0"/>
-              <a:t>제작</a:t>
-            </a:r>
-          </a:p>
-        </p:txBody>
-      </p:sp>
-      <p:sp>
-        <p:nvSpPr>
-          <p:cNvPr id="7" name="직사각형 6">
-            <a:extLst>
-              <a:ext uri="{FF2B5EF4-FFF2-40B4-BE49-F238E27FC236}">
-                <a16:creationId xmlns:a16="http://schemas.microsoft.com/office/drawing/2014/main" id="{3A57FD5E-A2C3-1F20-9682-05A77E1C00BA}"/>
+              <a:t>기본적인 선택지를 담은 메인 화면</a:t>
+            </a:r>
+          </a:p>
+        </p:txBody>
+      </p:sp>
+      <p:sp>
+        <p:nvSpPr>
+          <p:cNvPr id="10" name="직사각형 9">
+            <a:extLst>
+              <a:ext uri="{FF2B5EF4-FFF2-40B4-BE49-F238E27FC236}">
+                <a16:creationId xmlns:a16="http://schemas.microsoft.com/office/drawing/2014/main" id="{525D493B-FB98-B1B0-E851-B043B7ED8D0F}"/>
               </a:ext>
             </a:extLst>
           </p:cNvPr>
@@ -6983,8 +8566,8 @@
         </p:nvSpPr>
         <p:spPr>
           <a:xfrm>
-            <a:off x="4066089" y="1274647"/>
-            <a:ext cx="7368529" cy="4749331"/>
+            <a:off x="6761862" y="1267736"/>
+            <a:ext cx="4583324" cy="4749331"/>
           </a:xfrm>
           <a:prstGeom prst="rect">
             <a:avLst/>
@@ -7018,10 +8601,10 @@
       </p:sp>
       <p:sp>
         <p:nvSpPr>
-          <p:cNvPr id="8" name="직사각형 7">
-            <a:extLst>
-              <a:ext uri="{FF2B5EF4-FFF2-40B4-BE49-F238E27FC236}">
-                <a16:creationId xmlns:a16="http://schemas.microsoft.com/office/drawing/2014/main" id="{FF64D729-A036-4D48-54E5-D2D3F6AF49C6}"/>
+          <p:cNvPr id="11" name="직사각형 10">
+            <a:extLst>
+              <a:ext uri="{FF2B5EF4-FFF2-40B4-BE49-F238E27FC236}">
+                <a16:creationId xmlns:a16="http://schemas.microsoft.com/office/drawing/2014/main" id="{91AFA0AC-59A8-9C95-F6F0-D0502E2E440D}"/>
               </a:ext>
             </a:extLst>
           </p:cNvPr>
@@ -7030,8 +8613,8 @@
         </p:nvSpPr>
         <p:spPr>
           <a:xfrm>
-            <a:off x="4613460" y="1530402"/>
-            <a:ext cx="6376435" cy="3594088"/>
+            <a:off x="7121734" y="1523491"/>
+            <a:ext cx="3966228" cy="3594088"/>
           </a:xfrm>
           <a:prstGeom prst="rect">
             <a:avLst/>
@@ -7070,7 +8653,7 @@
           <p:cNvPr id="12" name="TextBox 11">
             <a:extLst>
               <a:ext uri="{FF2B5EF4-FFF2-40B4-BE49-F238E27FC236}">
-                <a16:creationId xmlns:a16="http://schemas.microsoft.com/office/drawing/2014/main" id="{027AB37D-13CA-FC31-7A34-0BBE4F3CA524}"/>
+                <a16:creationId xmlns:a16="http://schemas.microsoft.com/office/drawing/2014/main" id="{0FB3F957-EF9E-A062-6F69-27118605DE08}"/>
               </a:ext>
             </a:extLst>
           </p:cNvPr>
@@ -7079,8 +8662,8 @@
         </p:nvSpPr>
         <p:spPr>
           <a:xfrm>
-            <a:off x="5289707" y="5380245"/>
-            <a:ext cx="4967690" cy="404396"/>
+            <a:off x="6919924" y="5274935"/>
+            <a:ext cx="4267200" cy="338554"/>
           </a:xfrm>
           <a:prstGeom prst="rect">
             <a:avLst/>
@@ -7095,157 +8678,165 @@
           <a:p>
             <a:pPr algn="ctr"/>
             <a:r>
-              <a:rPr lang="ko-KR" altLang="en-US" sz="2000" dirty="0"/>
-              <a:t>기초적인 게임의 흐름 설계</a:t>
+              <a:rPr lang="en-US" altLang="ko-KR" sz="1600" dirty="0"/>
+              <a:t>- </a:t>
+            </a:r>
+            <a:r>
+              <a:rPr lang="ko-KR" altLang="en-US" sz="1600" dirty="0"/>
+              <a:t>캐릭터와 기타 요소의 육성 화면</a:t>
+            </a:r>
+          </a:p>
+        </p:txBody>
+      </p:sp>
+      <p:sp>
+        <p:nvSpPr>
+          <p:cNvPr id="8" name="TextBox 7">
+            <a:extLst>
+              <a:ext uri="{FF2B5EF4-FFF2-40B4-BE49-F238E27FC236}">
+                <a16:creationId xmlns:a16="http://schemas.microsoft.com/office/drawing/2014/main" id="{5F907122-738D-06FD-405E-D748068B6F8D}"/>
+              </a:ext>
+            </a:extLst>
+          </p:cNvPr>
+          <p:cNvSpPr txBox="1"/>
+          <p:nvPr/>
+        </p:nvSpPr>
+        <p:spPr>
+          <a:xfrm>
+            <a:off x="144378" y="272716"/>
+            <a:ext cx="675570" cy="338554"/>
+          </a:xfrm>
+          <a:prstGeom prst="rect">
+            <a:avLst/>
+          </a:prstGeom>
+          <a:noFill/>
+        </p:spPr>
+        <p:txBody>
+          <a:bodyPr wrap="none" rtlCol="0">
+            <a:spAutoFit/>
+          </a:bodyPr>
+          <a:lstStyle/>
+          <a:p>
+            <a:r>
+              <a:rPr lang="en-US" altLang="ko-KR" sz="1600" dirty="0">
+                <a:solidFill>
+                  <a:schemeClr val="accent1"/>
+                </a:solidFill>
+              </a:rPr>
+              <a:t>Part 3</a:t>
+            </a:r>
+            <a:endParaRPr lang="ko-KR" altLang="en-US" sz="1600" dirty="0">
+              <a:solidFill>
+                <a:schemeClr val="accent1"/>
+              </a:solidFill>
+            </a:endParaRPr>
+          </a:p>
+        </p:txBody>
+      </p:sp>
+      <p:sp>
+        <p:nvSpPr>
+          <p:cNvPr id="13" name="TextBox 12">
+            <a:extLst>
+              <a:ext uri="{FF2B5EF4-FFF2-40B4-BE49-F238E27FC236}">
+                <a16:creationId xmlns:a16="http://schemas.microsoft.com/office/drawing/2014/main" id="{433F8497-F9B1-FBA5-F4E7-1C5788FE71E4}"/>
+              </a:ext>
+            </a:extLst>
+          </p:cNvPr>
+          <p:cNvSpPr txBox="1"/>
+          <p:nvPr/>
+        </p:nvSpPr>
+        <p:spPr>
+          <a:xfrm>
+            <a:off x="1163052" y="272716"/>
+            <a:ext cx="2194832" cy="523220"/>
+          </a:xfrm>
+          <a:prstGeom prst="rect">
+            <a:avLst/>
+          </a:prstGeom>
+          <a:noFill/>
+        </p:spPr>
+        <p:txBody>
+          <a:bodyPr wrap="none" rtlCol="0">
+            <a:spAutoFit/>
+          </a:bodyPr>
+          <a:lstStyle/>
+          <a:p>
+            <a:r>
+              <a:rPr lang="ko-KR" altLang="en-US" sz="2800" b="1" spc="-300" dirty="0">
+                <a:solidFill>
+                  <a:schemeClr val="accent1"/>
+                </a:solidFill>
+              </a:rPr>
+              <a:t>기능 요구 명세</a:t>
             </a:r>
           </a:p>
         </p:txBody>
       </p:sp>
       <p:pic>
         <p:nvPicPr>
-          <p:cNvPr id="1026" name="Picture 2" descr="유니티 (게임 엔진) - 위키백과, 우리 모두의 백과사전">
-            <a:extLst>
-              <a:ext uri="{FF2B5EF4-FFF2-40B4-BE49-F238E27FC236}">
-                <a16:creationId xmlns:a16="http://schemas.microsoft.com/office/drawing/2014/main" id="{19D5A1E7-478E-6B9C-76A4-9B50407854D4}"/>
+          <p:cNvPr id="15" name="그림 14">
+            <a:extLst>
+              <a:ext uri="{FF2B5EF4-FFF2-40B4-BE49-F238E27FC236}">
+                <a16:creationId xmlns:a16="http://schemas.microsoft.com/office/drawing/2014/main" id="{169C74A3-A12A-72FD-A89B-8BDD619417EF}"/>
               </a:ext>
             </a:extLst>
           </p:cNvPr>
           <p:cNvPicPr>
-            <a:picLocks noChangeAspect="1" noChangeArrowheads="1"/>
+            <a:picLocks noChangeAspect="1"/>
           </p:cNvPicPr>
           <p:nvPr/>
         </p:nvPicPr>
         <p:blipFill>
-          <a:blip r:embed="rId3">
-            <a:extLst>
-              <a:ext uri="{28A0092B-C50C-407E-A947-70E740481C1C}">
-                <a14:useLocalDpi xmlns:a14="http://schemas.microsoft.com/office/drawing/2010/main" val="0"/>
-              </a:ext>
-            </a:extLst>
-          </a:blip>
-          <a:srcRect/>
+          <a:blip r:embed="rId2"/>
           <a:stretch>
             <a:fillRect/>
           </a:stretch>
         </p:blipFill>
-        <p:spPr bwMode="auto">
-          <a:xfrm>
-            <a:off x="1479731" y="1889950"/>
-            <a:ext cx="1572690" cy="579274"/>
-          </a:xfrm>
-          <a:prstGeom prst="rect">
-            <a:avLst/>
-          </a:prstGeom>
-          <a:noFill/>
-          <a:extLst>
-            <a:ext uri="{909E8E84-426E-40DD-AFC4-6F175D3DCCD1}">
-              <a14:hiddenFill xmlns:a14="http://schemas.microsoft.com/office/drawing/2010/main">
-                <a:solidFill>
-                  <a:srgbClr val="FFFFFF"/>
-                </a:solidFill>
-              </a14:hiddenFill>
-            </a:ext>
-          </a:extLst>
+        <p:spPr>
+          <a:xfrm>
+            <a:off x="1104038" y="2090178"/>
+            <a:ext cx="4150254" cy="2337862"/>
+          </a:xfrm>
+          <a:prstGeom prst="rect">
+            <a:avLst/>
+          </a:prstGeom>
         </p:spPr>
       </p:pic>
       <p:pic>
         <p:nvPicPr>
-          <p:cNvPr id="1028" name="Picture 4" descr="Download] Aseprite macOS Big Sur Icon - Features - Aseprite Community">
-            <a:extLst>
-              <a:ext uri="{FF2B5EF4-FFF2-40B4-BE49-F238E27FC236}">
-                <a16:creationId xmlns:a16="http://schemas.microsoft.com/office/drawing/2014/main" id="{51C95EBC-CA58-25C9-3AF5-6DFB6646011D}"/>
+          <p:cNvPr id="17" name="그림 16">
+            <a:extLst>
+              <a:ext uri="{FF2B5EF4-FFF2-40B4-BE49-F238E27FC236}">
+                <a16:creationId xmlns:a16="http://schemas.microsoft.com/office/drawing/2014/main" id="{106B2C36-B07E-976A-93A5-F97BA7913BEC}"/>
               </a:ext>
             </a:extLst>
           </p:cNvPr>
           <p:cNvPicPr>
-            <a:picLocks noChangeAspect="1" noChangeArrowheads="1"/>
+            <a:picLocks noChangeAspect="1"/>
           </p:cNvPicPr>
           <p:nvPr/>
         </p:nvPicPr>
         <p:blipFill>
-          <a:blip r:embed="rId4">
-            <a:extLst>
-              <a:ext uri="{28A0092B-C50C-407E-A947-70E740481C1C}">
-                <a14:useLocalDpi xmlns:a14="http://schemas.microsoft.com/office/drawing/2010/main" val="0"/>
-              </a:ext>
-            </a:extLst>
-          </a:blip>
-          <a:srcRect/>
+          <a:blip r:embed="rId3"/>
           <a:stretch>
             <a:fillRect/>
           </a:stretch>
         </p:blipFill>
-        <p:spPr bwMode="auto">
-          <a:xfrm>
-            <a:off x="1768308" y="3576537"/>
-            <a:ext cx="995535" cy="995535"/>
-          </a:xfrm>
-          <a:prstGeom prst="rect">
-            <a:avLst/>
-          </a:prstGeom>
-          <a:noFill/>
-          <a:extLst>
-            <a:ext uri="{909E8E84-426E-40DD-AFC4-6F175D3DCCD1}">
-              <a14:hiddenFill xmlns:a14="http://schemas.microsoft.com/office/drawing/2010/main">
-                <a:solidFill>
-                  <a:srgbClr val="FFFFFF"/>
-                </a:solidFill>
-              </a14:hiddenFill>
-            </a:ext>
-          </a:extLst>
+        <p:spPr>
+          <a:xfrm>
+            <a:off x="7249719" y="1634108"/>
+            <a:ext cx="2882572" cy="1625001"/>
+          </a:xfrm>
+          <a:prstGeom prst="rect">
+            <a:avLst/>
+          </a:prstGeom>
         </p:spPr>
       </p:pic>
-      <p:cxnSp>
-        <p:nvCxnSpPr>
-          <p:cNvPr id="15" name="직선 화살표 연결선 14">
-            <a:extLst>
-              <a:ext uri="{FF2B5EF4-FFF2-40B4-BE49-F238E27FC236}">
-                <a16:creationId xmlns:a16="http://schemas.microsoft.com/office/drawing/2014/main" id="{9B2E5725-A42E-C220-4D4F-694FC94E9678}"/>
-              </a:ext>
-            </a:extLst>
-          </p:cNvPr>
-          <p:cNvCxnSpPr>
-            <a:cxnSpLocks/>
-          </p:cNvCxnSpPr>
-          <p:nvPr/>
-        </p:nvCxnSpPr>
-        <p:spPr>
-          <a:xfrm flipV="1">
-            <a:off x="2266077" y="2782287"/>
-            <a:ext cx="0" cy="646713"/>
-          </a:xfrm>
-          <a:prstGeom prst="straightConnector1">
-            <a:avLst/>
-          </a:prstGeom>
-          <a:ln>
-            <a:solidFill>
-              <a:schemeClr val="bg1"/>
-            </a:solidFill>
-            <a:prstDash val="lgDash"/>
-            <a:tailEnd type="triangle"/>
-          </a:ln>
-        </p:spPr>
-        <p:style>
-          <a:lnRef idx="1">
-            <a:schemeClr val="accent1"/>
-          </a:lnRef>
-          <a:fillRef idx="0">
-            <a:schemeClr val="accent1"/>
-          </a:fillRef>
-          <a:effectRef idx="0">
-            <a:schemeClr val="accent1"/>
-          </a:effectRef>
-          <a:fontRef idx="minor">
-            <a:schemeClr val="tx1"/>
-          </a:fontRef>
-        </p:style>
-      </p:cxnSp>
       <p:pic>
         <p:nvPicPr>
-          <p:cNvPr id="11" name="그림 10">
-            <a:extLst>
-              <a:ext uri="{FF2B5EF4-FFF2-40B4-BE49-F238E27FC236}">
-                <a16:creationId xmlns:a16="http://schemas.microsoft.com/office/drawing/2014/main" id="{A949F3CA-5999-F26A-69B4-24C2ADD8DB3E}"/>
+          <p:cNvPr id="19" name="그림 18">
+            <a:extLst>
+              <a:ext uri="{FF2B5EF4-FFF2-40B4-BE49-F238E27FC236}">
+                <a16:creationId xmlns:a16="http://schemas.microsoft.com/office/drawing/2014/main" id="{2FBBD28A-9AFE-97F9-8657-62B63FFA6CAA}"/>
               </a:ext>
             </a:extLst>
           </p:cNvPr>
@@ -7255,15 +8846,15 @@
           <p:nvPr/>
         </p:nvPicPr>
         <p:blipFill>
-          <a:blip r:embed="rId5"/>
+          <a:blip r:embed="rId4"/>
           <a:stretch>
             <a:fillRect/>
           </a:stretch>
         </p:blipFill>
         <p:spPr>
           <a:xfrm>
-            <a:off x="4837975" y="1690106"/>
-            <a:ext cx="5927404" cy="3274679"/>
+            <a:off x="8113629" y="3369726"/>
+            <a:ext cx="2886947" cy="1625001"/>
           </a:xfrm>
           <a:prstGeom prst="rect">
             <a:avLst/>
@@ -7273,7 +8864,7 @@
     </p:spTree>
     <p:extLst>
       <p:ext uri="{BB962C8B-B14F-4D97-AF65-F5344CB8AC3E}">
-        <p14:creationId xmlns:p14="http://schemas.microsoft.com/office/powerpoint/2010/main" val="1122762649"/>
+        <p14:creationId xmlns:p14="http://schemas.microsoft.com/office/powerpoint/2010/main" val="3448003244"/>
       </p:ext>
     </p:extLst>
   </p:cSld>
@@ -7341,105 +8932,6 @@
           </a:fontRef>
         </p:style>
       </p:cxnSp>
-      <p:sp>
-        <p:nvSpPr>
-          <p:cNvPr id="4" name="TextBox 3">
-            <a:extLst>
-              <a:ext uri="{FF2B5EF4-FFF2-40B4-BE49-F238E27FC236}">
-                <a16:creationId xmlns:a16="http://schemas.microsoft.com/office/drawing/2014/main" id="{B8326A7D-F71C-ED1C-CBFD-93F557654D2A}"/>
-              </a:ext>
-            </a:extLst>
-          </p:cNvPr>
-          <p:cNvSpPr txBox="1"/>
-          <p:nvPr/>
-        </p:nvSpPr>
-        <p:spPr>
-          <a:xfrm>
-            <a:off x="144378" y="272716"/>
-            <a:ext cx="702436" cy="338554"/>
-          </a:xfrm>
-          <a:prstGeom prst="rect">
-            <a:avLst/>
-          </a:prstGeom>
-          <a:noFill/>
-        </p:spPr>
-        <p:txBody>
-          <a:bodyPr wrap="none" rtlCol="0">
-            <a:spAutoFit/>
-          </a:bodyPr>
-          <a:lstStyle/>
-          <a:p>
-            <a:r>
-              <a:rPr lang="en-US" altLang="ko-KR" sz="1600" dirty="0">
-                <a:solidFill>
-                  <a:schemeClr val="accent1"/>
-                </a:solidFill>
-              </a:rPr>
-              <a:t>Part 1</a:t>
-            </a:r>
-            <a:endParaRPr lang="ko-KR" altLang="en-US" sz="1600" dirty="0">
-              <a:solidFill>
-                <a:schemeClr val="accent1"/>
-              </a:solidFill>
-            </a:endParaRPr>
-          </a:p>
-        </p:txBody>
-      </p:sp>
-      <p:sp>
-        <p:nvSpPr>
-          <p:cNvPr id="5" name="TextBox 4">
-            <a:extLst>
-              <a:ext uri="{FF2B5EF4-FFF2-40B4-BE49-F238E27FC236}">
-                <a16:creationId xmlns:a16="http://schemas.microsoft.com/office/drawing/2014/main" id="{3251639B-29EB-6E9D-733B-6F917838F571}"/>
-              </a:ext>
-            </a:extLst>
-          </p:cNvPr>
-          <p:cNvSpPr txBox="1"/>
-          <p:nvPr/>
-        </p:nvSpPr>
-        <p:spPr>
-          <a:xfrm>
-            <a:off x="1163052" y="272716"/>
-            <a:ext cx="2206053" cy="523220"/>
-          </a:xfrm>
-          <a:prstGeom prst="rect">
-            <a:avLst/>
-          </a:prstGeom>
-          <a:noFill/>
-        </p:spPr>
-        <p:txBody>
-          <a:bodyPr wrap="none" rtlCol="0">
-            <a:spAutoFit/>
-          </a:bodyPr>
-          <a:lstStyle/>
-          <a:p>
-            <a:r>
-              <a:rPr lang="ko-KR" altLang="en-US" sz="2800" b="1" spc="-300" dirty="0" err="1">
-                <a:solidFill>
-                  <a:schemeClr val="accent1"/>
-                </a:solidFill>
-              </a:rPr>
-              <a:t>아키텍쳐</a:t>
-            </a:r>
-            <a:r>
-              <a:rPr lang="en-US" altLang="ko-KR" sz="2800" b="1" spc="-300" dirty="0">
-                <a:solidFill>
-                  <a:schemeClr val="accent1"/>
-                </a:solidFill>
-              </a:rPr>
-              <a:t>, </a:t>
-            </a:r>
-            <a:r>
-              <a:rPr lang="ko-KR" altLang="en-US" sz="2800" b="1" spc="-300" dirty="0">
-                <a:solidFill>
-                  <a:schemeClr val="accent1"/>
-                </a:solidFill>
-              </a:rPr>
-              <a:t>설계</a:t>
-            </a:r>
-          </a:p>
-        </p:txBody>
-      </p:sp>
       <p:cxnSp>
         <p:nvCxnSpPr>
           <p:cNvPr id="6" name="직선 연결선 5">
@@ -7483,10 +8975,10 @@
       </p:cxnSp>
       <p:sp>
         <p:nvSpPr>
-          <p:cNvPr id="7" name="직사각형 6">
-            <a:extLst>
-              <a:ext uri="{FF2B5EF4-FFF2-40B4-BE49-F238E27FC236}">
-                <a16:creationId xmlns:a16="http://schemas.microsoft.com/office/drawing/2014/main" id="{3A57FD5E-A2C3-1F20-9682-05A77E1C00BA}"/>
+          <p:cNvPr id="2" name="직사각형 1">
+            <a:extLst>
+              <a:ext uri="{FF2B5EF4-FFF2-40B4-BE49-F238E27FC236}">
+                <a16:creationId xmlns:a16="http://schemas.microsoft.com/office/drawing/2014/main" id="{4A70CD47-9D41-F1A7-3021-5D3C803A858B}"/>
               </a:ext>
             </a:extLst>
           </p:cNvPr>
@@ -7495,8 +8987,8 @@
         </p:nvSpPr>
         <p:spPr>
           <a:xfrm>
-            <a:off x="846815" y="908229"/>
-            <a:ext cx="10587804" cy="5115749"/>
+            <a:off x="530576" y="1267736"/>
+            <a:ext cx="5232916" cy="4749331"/>
           </a:xfrm>
           <a:prstGeom prst="rect">
             <a:avLst/>
@@ -7530,10 +9022,10 @@
       </p:sp>
       <p:sp>
         <p:nvSpPr>
-          <p:cNvPr id="8" name="직사각형 7">
-            <a:extLst>
-              <a:ext uri="{FF2B5EF4-FFF2-40B4-BE49-F238E27FC236}">
-                <a16:creationId xmlns:a16="http://schemas.microsoft.com/office/drawing/2014/main" id="{FF64D729-A036-4D48-54E5-D2D3F6AF49C6}"/>
+          <p:cNvPr id="7" name="직사각형 6">
+            <a:extLst>
+              <a:ext uri="{FF2B5EF4-FFF2-40B4-BE49-F238E27FC236}">
+                <a16:creationId xmlns:a16="http://schemas.microsoft.com/office/drawing/2014/main" id="{70F9874C-3FEF-2B68-74D2-E088F33596A2}"/>
               </a:ext>
             </a:extLst>
           </p:cNvPr>
@@ -7542,8 +9034,8 @@
         </p:nvSpPr>
         <p:spPr>
           <a:xfrm>
-            <a:off x="1330036" y="1092895"/>
-            <a:ext cx="9659859" cy="4031595"/>
+            <a:off x="949540" y="1530402"/>
+            <a:ext cx="4394986" cy="3594088"/>
           </a:xfrm>
           <a:prstGeom prst="rect">
             <a:avLst/>
@@ -7579,10 +9071,10 @@
       </p:sp>
       <p:sp>
         <p:nvSpPr>
-          <p:cNvPr id="12" name="TextBox 11">
-            <a:extLst>
-              <a:ext uri="{FF2B5EF4-FFF2-40B4-BE49-F238E27FC236}">
-                <a16:creationId xmlns:a16="http://schemas.microsoft.com/office/drawing/2014/main" id="{027AB37D-13CA-FC31-7A34-0BBE4F3CA524}"/>
+          <p:cNvPr id="9" name="TextBox 8">
+            <a:extLst>
+              <a:ext uri="{FF2B5EF4-FFF2-40B4-BE49-F238E27FC236}">
+                <a16:creationId xmlns:a16="http://schemas.microsoft.com/office/drawing/2014/main" id="{EE083189-B1B5-E180-999B-E02F8EE2E5D1}"/>
               </a:ext>
             </a:extLst>
           </p:cNvPr>
@@ -7591,8 +9083,8 @@
         </p:nvSpPr>
         <p:spPr>
           <a:xfrm>
-            <a:off x="3612155" y="5334267"/>
-            <a:ext cx="4967690" cy="404396"/>
+            <a:off x="737754" y="5290026"/>
+            <a:ext cx="4818556" cy="338554"/>
           </a:xfrm>
           <a:prstGeom prst="rect">
             <a:avLst/>
@@ -7607,23 +9099,271 @@
           <a:p>
             <a:pPr algn="ctr"/>
             <a:r>
-              <a:rPr lang="ko-KR" altLang="en-US" sz="2000" dirty="0"/>
-              <a:t>게임의 </a:t>
-            </a:r>
-            <a:r>
-              <a:rPr lang="en-US" altLang="ko-KR" sz="2000" dirty="0"/>
-              <a:t>UI</a:t>
-            </a:r>
-            <a:endParaRPr lang="ko-KR" altLang="en-US" sz="2000" dirty="0"/>
+              <a:rPr lang="en-US" altLang="ko-KR" sz="1600" dirty="0"/>
+              <a:t>-</a:t>
+            </a:r>
+            <a:r>
+              <a:rPr lang="ko-KR" altLang="en-US" sz="1600" dirty="0"/>
+              <a:t> 전투 시스템</a:t>
+            </a:r>
+          </a:p>
+        </p:txBody>
+      </p:sp>
+      <p:sp>
+        <p:nvSpPr>
+          <p:cNvPr id="10" name="직사각형 9">
+            <a:extLst>
+              <a:ext uri="{FF2B5EF4-FFF2-40B4-BE49-F238E27FC236}">
+                <a16:creationId xmlns:a16="http://schemas.microsoft.com/office/drawing/2014/main" id="{525D493B-FB98-B1B0-E851-B043B7ED8D0F}"/>
+              </a:ext>
+            </a:extLst>
+          </p:cNvPr>
+          <p:cNvSpPr/>
+          <p:nvPr/>
+        </p:nvSpPr>
+        <p:spPr>
+          <a:xfrm>
+            <a:off x="6761862" y="1267736"/>
+            <a:ext cx="4583324" cy="4749331"/>
+          </a:xfrm>
+          <a:prstGeom prst="rect">
+            <a:avLst/>
+          </a:prstGeom>
+          <a:noFill/>
+        </p:spPr>
+        <p:style>
+          <a:lnRef idx="2">
+            <a:schemeClr val="accent1">
+              <a:shade val="50000"/>
+            </a:schemeClr>
+          </a:lnRef>
+          <a:fillRef idx="1">
+            <a:schemeClr val="accent1"/>
+          </a:fillRef>
+          <a:effectRef idx="0">
+            <a:schemeClr val="accent1"/>
+          </a:effectRef>
+          <a:fontRef idx="minor">
+            <a:schemeClr val="lt1"/>
+          </a:fontRef>
+        </p:style>
+        <p:txBody>
+          <a:bodyPr rtlCol="0" anchor="ctr"/>
+          <a:lstStyle/>
+          <a:p>
+            <a:pPr algn="ctr"/>
+            <a:endParaRPr lang="ko-KR" altLang="en-US"/>
+          </a:p>
+        </p:txBody>
+      </p:sp>
+      <p:sp>
+        <p:nvSpPr>
+          <p:cNvPr id="11" name="직사각형 10">
+            <a:extLst>
+              <a:ext uri="{FF2B5EF4-FFF2-40B4-BE49-F238E27FC236}">
+                <a16:creationId xmlns:a16="http://schemas.microsoft.com/office/drawing/2014/main" id="{91AFA0AC-59A8-9C95-F6F0-D0502E2E440D}"/>
+              </a:ext>
+            </a:extLst>
+          </p:cNvPr>
+          <p:cNvSpPr/>
+          <p:nvPr/>
+        </p:nvSpPr>
+        <p:spPr>
+          <a:xfrm>
+            <a:off x="7121734" y="1523491"/>
+            <a:ext cx="3966228" cy="3594088"/>
+          </a:xfrm>
+          <a:prstGeom prst="rect">
+            <a:avLst/>
+          </a:prstGeom>
+          <a:ln>
+            <a:noFill/>
+          </a:ln>
+        </p:spPr>
+        <p:style>
+          <a:lnRef idx="2">
+            <a:schemeClr val="accent1">
+              <a:shade val="50000"/>
+            </a:schemeClr>
+          </a:lnRef>
+          <a:fillRef idx="1">
+            <a:schemeClr val="accent1"/>
+          </a:fillRef>
+          <a:effectRef idx="0">
+            <a:schemeClr val="accent1"/>
+          </a:effectRef>
+          <a:fontRef idx="minor">
+            <a:schemeClr val="lt1"/>
+          </a:fontRef>
+        </p:style>
+        <p:txBody>
+          <a:bodyPr rtlCol="0" anchor="ctr"/>
+          <a:lstStyle/>
+          <a:p>
+            <a:pPr algn="ctr"/>
+            <a:endParaRPr lang="ko-KR" altLang="en-US"/>
+          </a:p>
+        </p:txBody>
+      </p:sp>
+      <p:sp>
+        <p:nvSpPr>
+          <p:cNvPr id="12" name="TextBox 11">
+            <a:extLst>
+              <a:ext uri="{FF2B5EF4-FFF2-40B4-BE49-F238E27FC236}">
+                <a16:creationId xmlns:a16="http://schemas.microsoft.com/office/drawing/2014/main" id="{0FB3F957-EF9E-A062-6F69-27118605DE08}"/>
+              </a:ext>
+            </a:extLst>
+          </p:cNvPr>
+          <p:cNvSpPr txBox="1"/>
+          <p:nvPr/>
+        </p:nvSpPr>
+        <p:spPr>
+          <a:xfrm>
+            <a:off x="6919924" y="5274935"/>
+            <a:ext cx="4267200" cy="338554"/>
+          </a:xfrm>
+          <a:prstGeom prst="rect">
+            <a:avLst/>
+          </a:prstGeom>
+          <a:noFill/>
+        </p:spPr>
+        <p:txBody>
+          <a:bodyPr wrap="square" rtlCol="0">
+            <a:spAutoFit/>
+          </a:bodyPr>
+          <a:lstStyle/>
+          <a:p>
+            <a:pPr algn="ctr"/>
+            <a:r>
+              <a:rPr lang="en-US" altLang="ko-KR" sz="1600" dirty="0"/>
+              <a:t>- </a:t>
+            </a:r>
+            <a:r>
+              <a:rPr lang="ko-KR" altLang="en-US" sz="1600" dirty="0"/>
+              <a:t>다양한 이벤트 시스템</a:t>
+            </a:r>
+          </a:p>
+        </p:txBody>
+      </p:sp>
+      <p:sp>
+        <p:nvSpPr>
+          <p:cNvPr id="8" name="TextBox 7">
+            <a:extLst>
+              <a:ext uri="{FF2B5EF4-FFF2-40B4-BE49-F238E27FC236}">
+                <a16:creationId xmlns:a16="http://schemas.microsoft.com/office/drawing/2014/main" id="{5F907122-738D-06FD-405E-D748068B6F8D}"/>
+              </a:ext>
+            </a:extLst>
+          </p:cNvPr>
+          <p:cNvSpPr txBox="1"/>
+          <p:nvPr/>
+        </p:nvSpPr>
+        <p:spPr>
+          <a:xfrm>
+            <a:off x="144378" y="272716"/>
+            <a:ext cx="675570" cy="338554"/>
+          </a:xfrm>
+          <a:prstGeom prst="rect">
+            <a:avLst/>
+          </a:prstGeom>
+          <a:noFill/>
+        </p:spPr>
+        <p:txBody>
+          <a:bodyPr wrap="none" rtlCol="0">
+            <a:spAutoFit/>
+          </a:bodyPr>
+          <a:lstStyle/>
+          <a:p>
+            <a:r>
+              <a:rPr lang="en-US" altLang="ko-KR" sz="1600" dirty="0">
+                <a:solidFill>
+                  <a:schemeClr val="accent1"/>
+                </a:solidFill>
+              </a:rPr>
+              <a:t>Part 3</a:t>
+            </a:r>
+            <a:endParaRPr lang="ko-KR" altLang="en-US" sz="1600" dirty="0">
+              <a:solidFill>
+                <a:schemeClr val="accent1"/>
+              </a:solidFill>
+            </a:endParaRPr>
+          </a:p>
+        </p:txBody>
+      </p:sp>
+      <p:sp>
+        <p:nvSpPr>
+          <p:cNvPr id="13" name="TextBox 12">
+            <a:extLst>
+              <a:ext uri="{FF2B5EF4-FFF2-40B4-BE49-F238E27FC236}">
+                <a16:creationId xmlns:a16="http://schemas.microsoft.com/office/drawing/2014/main" id="{433F8497-F9B1-FBA5-F4E7-1C5788FE71E4}"/>
+              </a:ext>
+            </a:extLst>
+          </p:cNvPr>
+          <p:cNvSpPr txBox="1"/>
+          <p:nvPr/>
+        </p:nvSpPr>
+        <p:spPr>
+          <a:xfrm>
+            <a:off x="1163052" y="272716"/>
+            <a:ext cx="2194832" cy="523220"/>
+          </a:xfrm>
+          <a:prstGeom prst="rect">
+            <a:avLst/>
+          </a:prstGeom>
+          <a:noFill/>
+        </p:spPr>
+        <p:txBody>
+          <a:bodyPr wrap="none" rtlCol="0">
+            <a:spAutoFit/>
+          </a:bodyPr>
+          <a:lstStyle/>
+          <a:p>
+            <a:r>
+              <a:rPr lang="ko-KR" altLang="en-US" sz="2800" b="1" spc="-300" dirty="0">
+                <a:solidFill>
+                  <a:schemeClr val="accent1"/>
+                </a:solidFill>
+              </a:rPr>
+              <a:t>기능 요구 명세</a:t>
+            </a:r>
           </a:p>
         </p:txBody>
       </p:sp>
       <p:pic>
         <p:nvPicPr>
-          <p:cNvPr id="10" name="그림 9">
-            <a:extLst>
-              <a:ext uri="{FF2B5EF4-FFF2-40B4-BE49-F238E27FC236}">
-                <a16:creationId xmlns:a16="http://schemas.microsoft.com/office/drawing/2014/main" id="{52A8FDC2-1A68-6E83-2175-DBA667958E2E}"/>
+          <p:cNvPr id="5" name="그림 4">
+            <a:extLst>
+              <a:ext uri="{FF2B5EF4-FFF2-40B4-BE49-F238E27FC236}">
+                <a16:creationId xmlns:a16="http://schemas.microsoft.com/office/drawing/2014/main" id="{2D8784B0-D7E3-ED54-C57C-DBF4E29D46E3}"/>
+              </a:ext>
+            </a:extLst>
+          </p:cNvPr>
+          <p:cNvPicPr>
+            <a:picLocks noChangeAspect="1"/>
+          </p:cNvPicPr>
+          <p:nvPr/>
+        </p:nvPicPr>
+        <p:blipFill>
+          <a:blip r:embed="rId2"/>
+          <a:stretch>
+            <a:fillRect/>
+          </a:stretch>
+        </p:blipFill>
+        <p:spPr>
+          <a:xfrm>
+            <a:off x="1163052" y="2232789"/>
+            <a:ext cx="4000075" cy="2257618"/>
+          </a:xfrm>
+          <a:prstGeom prst="rect">
+            <a:avLst/>
+          </a:prstGeom>
+        </p:spPr>
+      </p:pic>
+      <p:pic>
+        <p:nvPicPr>
+          <p:cNvPr id="16" name="그림 15">
+            <a:extLst>
+              <a:ext uri="{FF2B5EF4-FFF2-40B4-BE49-F238E27FC236}">
+                <a16:creationId xmlns:a16="http://schemas.microsoft.com/office/drawing/2014/main" id="{E6D5E31C-C2CD-A179-D6EB-530451D3379B}"/>
               </a:ext>
             </a:extLst>
           </p:cNvPr>
@@ -7640,8 +9380,8 @@
         </p:blipFill>
         <p:spPr>
           <a:xfrm>
-            <a:off x="1838037" y="1347343"/>
-            <a:ext cx="3251200" cy="1551423"/>
+            <a:off x="7263877" y="1690544"/>
+            <a:ext cx="2699551" cy="1521826"/>
           </a:xfrm>
           <a:prstGeom prst="rect">
             <a:avLst/>
@@ -7650,10 +9390,10 @@
       </p:pic>
       <p:pic>
         <p:nvPicPr>
-          <p:cNvPr id="13" name="그림 12">
-            <a:extLst>
-              <a:ext uri="{FF2B5EF4-FFF2-40B4-BE49-F238E27FC236}">
-                <a16:creationId xmlns:a16="http://schemas.microsoft.com/office/drawing/2014/main" id="{0D429DA2-69A5-C577-CD0F-B1A191CD0A45}"/>
+          <p:cNvPr id="20" name="그림 19">
+            <a:extLst>
+              <a:ext uri="{FF2B5EF4-FFF2-40B4-BE49-F238E27FC236}">
+                <a16:creationId xmlns:a16="http://schemas.microsoft.com/office/drawing/2014/main" id="{0B81507C-1903-DF4E-5543-A4685CCF4F4C}"/>
               </a:ext>
             </a:extLst>
           </p:cNvPr>
@@ -7670,68 +9410,8 @@
         </p:blipFill>
         <p:spPr>
           <a:xfrm>
-            <a:off x="7213619" y="1295738"/>
-            <a:ext cx="3066454" cy="1603028"/>
-          </a:xfrm>
-          <a:prstGeom prst="rect">
-            <a:avLst/>
-          </a:prstGeom>
-        </p:spPr>
-      </p:pic>
-      <p:pic>
-        <p:nvPicPr>
-          <p:cNvPr id="16" name="그림 15">
-            <a:extLst>
-              <a:ext uri="{FF2B5EF4-FFF2-40B4-BE49-F238E27FC236}">
-                <a16:creationId xmlns:a16="http://schemas.microsoft.com/office/drawing/2014/main" id="{069461B8-F883-0EE7-0F65-0ABFFB054018}"/>
-              </a:ext>
-            </a:extLst>
-          </p:cNvPr>
-          <p:cNvPicPr>
-            <a:picLocks noChangeAspect="1"/>
-          </p:cNvPicPr>
-          <p:nvPr/>
-        </p:nvPicPr>
-        <p:blipFill>
-          <a:blip r:embed="rId5"/>
-          <a:stretch>
-            <a:fillRect/>
-          </a:stretch>
-        </p:blipFill>
-        <p:spPr>
-          <a:xfrm>
-            <a:off x="2078182" y="3153214"/>
-            <a:ext cx="2881745" cy="1778984"/>
-          </a:xfrm>
-          <a:prstGeom prst="rect">
-            <a:avLst/>
-          </a:prstGeom>
-        </p:spPr>
-      </p:pic>
-      <p:pic>
-        <p:nvPicPr>
-          <p:cNvPr id="19" name="그림 18">
-            <a:extLst>
-              <a:ext uri="{FF2B5EF4-FFF2-40B4-BE49-F238E27FC236}">
-                <a16:creationId xmlns:a16="http://schemas.microsoft.com/office/drawing/2014/main" id="{120DF177-3FB4-748C-43B2-D6C4256C36A5}"/>
-              </a:ext>
-            </a:extLst>
-          </p:cNvPr>
-          <p:cNvPicPr>
-            <a:picLocks noChangeAspect="1"/>
-          </p:cNvPicPr>
-          <p:nvPr/>
-        </p:nvPicPr>
-        <p:blipFill>
-          <a:blip r:embed="rId6"/>
-          <a:stretch>
-            <a:fillRect/>
-          </a:stretch>
-        </p:blipFill>
-        <p:spPr>
-          <a:xfrm>
-            <a:off x="7213619" y="3227219"/>
-            <a:ext cx="3066454" cy="1464031"/>
+            <a:off x="8163868" y="3375604"/>
+            <a:ext cx="2797087" cy="1577735"/>
           </a:xfrm>
           <a:prstGeom prst="rect">
             <a:avLst/>
@@ -7741,7 +9421,7 @@
     </p:spTree>
     <p:extLst>
       <p:ext uri="{BB962C8B-B14F-4D97-AF65-F5344CB8AC3E}">
-        <p14:creationId xmlns:p14="http://schemas.microsoft.com/office/powerpoint/2010/main" val="1494516991"/>
+        <p14:creationId xmlns:p14="http://schemas.microsoft.com/office/powerpoint/2010/main" val="297028126"/>
       </p:ext>
     </p:extLst>
   </p:cSld>
@@ -7754,14 +9434,6 @@
 <file path=ppt/slides/slide7.xml><?xml version="1.0" encoding="utf-8"?>
 <p:sld xmlns:a="http://schemas.openxmlformats.org/drawingml/2006/main" xmlns:r="http://schemas.openxmlformats.org/officeDocument/2006/relationships" xmlns:p="http://schemas.openxmlformats.org/presentationml/2006/main">
   <p:cSld>
-    <p:bg>
-      <p:bgPr>
-        <a:solidFill>
-          <a:schemeClr val="accent1"/>
-        </a:solidFill>
-        <a:effectLst/>
-      </p:bgPr>
-    </p:bg>
     <p:spTree>
       <p:nvGrpSpPr>
         <p:cNvPr id="1" name=""/>
@@ -7776,205 +9448,352 @@
           <a:chExt cx="0" cy="0"/>
         </a:xfrm>
       </p:grpSpPr>
-      <p:grpSp>
-        <p:nvGrpSpPr>
-          <p:cNvPr id="7" name="그룹 6">
-            <a:extLst>
-              <a:ext uri="{FF2B5EF4-FFF2-40B4-BE49-F238E27FC236}">
-                <a16:creationId xmlns:a16="http://schemas.microsoft.com/office/drawing/2014/main" id="{ADC16E78-8819-8219-C770-75C3BD1E4D45}"/>
-              </a:ext>
-            </a:extLst>
-          </p:cNvPr>
-          <p:cNvGrpSpPr/>
-          <p:nvPr/>
-        </p:nvGrpSpPr>
-        <p:grpSpPr>
-          <a:xfrm>
-            <a:off x="6817895" y="872277"/>
-            <a:ext cx="5374105" cy="4483771"/>
-            <a:chOff x="6817895" y="310803"/>
-            <a:chExt cx="5374105" cy="4483771"/>
-          </a:xfrm>
-        </p:grpSpPr>
-        <p:sp>
-          <p:nvSpPr>
-            <p:cNvPr id="2" name="TextBox 1">
-              <a:extLst>
-                <a:ext uri="{FF2B5EF4-FFF2-40B4-BE49-F238E27FC236}">
-                  <a16:creationId xmlns:a16="http://schemas.microsoft.com/office/drawing/2014/main" id="{1E4D379F-0D7A-E10A-C2FD-B3F877B38412}"/>
-                </a:ext>
-              </a:extLst>
-            </p:cNvPr>
-            <p:cNvSpPr txBox="1"/>
-            <p:nvPr/>
-          </p:nvSpPr>
-          <p:spPr>
-            <a:xfrm>
-              <a:off x="6817895" y="310803"/>
-              <a:ext cx="1782860" cy="3154710"/>
-            </a:xfrm>
-            <a:prstGeom prst="rect">
-              <a:avLst/>
-            </a:prstGeom>
-            <a:noFill/>
-          </p:spPr>
-          <p:txBody>
-            <a:bodyPr wrap="none" rtlCol="0">
-              <a:spAutoFit/>
-            </a:bodyPr>
-            <a:lstStyle/>
-            <a:p>
-              <a:r>
-                <a:rPr lang="en-US" altLang="ko-KR" sz="19900" b="1" dirty="0">
-                  <a:solidFill>
-                    <a:schemeClr val="bg1"/>
-                  </a:solidFill>
-                  <a:latin typeface="+mj-ea"/>
-                  <a:ea typeface="+mj-ea"/>
-                </a:rPr>
-                <a:t>2</a:t>
-              </a:r>
-              <a:endParaRPr lang="ko-KR" altLang="en-US" sz="19900" b="1" dirty="0">
-                <a:solidFill>
-                  <a:schemeClr val="bg1"/>
-                </a:solidFill>
-                <a:latin typeface="+mj-ea"/>
-                <a:ea typeface="+mj-ea"/>
-              </a:endParaRPr>
-            </a:p>
-          </p:txBody>
-        </p:sp>
-        <p:sp>
-          <p:nvSpPr>
-            <p:cNvPr id="3" name="TextBox 2">
-              <a:extLst>
-                <a:ext uri="{FF2B5EF4-FFF2-40B4-BE49-F238E27FC236}">
-                  <a16:creationId xmlns:a16="http://schemas.microsoft.com/office/drawing/2014/main" id="{773F2969-8E1F-0403-B6B6-037C4B0D5DB2}"/>
-                </a:ext>
-              </a:extLst>
-            </p:cNvPr>
-            <p:cNvSpPr txBox="1"/>
-            <p:nvPr/>
-          </p:nvSpPr>
-          <p:spPr>
-            <a:xfrm>
-              <a:off x="6817895" y="3350782"/>
-              <a:ext cx="2593980" cy="830997"/>
-            </a:xfrm>
-            <a:prstGeom prst="rect">
-              <a:avLst/>
-            </a:prstGeom>
-            <a:noFill/>
-          </p:spPr>
-          <p:txBody>
-            <a:bodyPr wrap="none" rtlCol="0">
-              <a:spAutoFit/>
-            </a:bodyPr>
-            <a:lstStyle/>
-            <a:p>
-              <a:r>
-                <a:rPr lang="ko-KR" altLang="en-US" sz="4800" b="1" spc="-300" dirty="0">
-                  <a:solidFill>
-                    <a:schemeClr val="bg1"/>
-                  </a:solidFill>
-                  <a:latin typeface="+mn-ea"/>
-                </a:rPr>
-                <a:t>진행 상황</a:t>
-              </a:r>
-            </a:p>
-          </p:txBody>
-        </p:sp>
-        <p:cxnSp>
-          <p:nvCxnSpPr>
-            <p:cNvPr id="4" name="직선 연결선 3">
-              <a:extLst>
-                <a:ext uri="{FF2B5EF4-FFF2-40B4-BE49-F238E27FC236}">
-                  <a16:creationId xmlns:a16="http://schemas.microsoft.com/office/drawing/2014/main" id="{F9894119-F233-DC33-68F5-7374CF0E569E}"/>
-                </a:ext>
-              </a:extLst>
-            </p:cNvPr>
-            <p:cNvCxnSpPr>
-              <a:cxnSpLocks/>
-            </p:cNvCxnSpPr>
-            <p:nvPr/>
-          </p:nvCxnSpPr>
-          <p:spPr>
-            <a:xfrm>
-              <a:off x="6817895" y="4545921"/>
-              <a:ext cx="5374105" cy="0"/>
-            </a:xfrm>
-            <a:prstGeom prst="line">
-              <a:avLst/>
-            </a:prstGeom>
-            <a:ln w="76200">
+      <p:cxnSp>
+        <p:nvCxnSpPr>
+          <p:cNvPr id="3" name="직선 연결선 2">
+            <a:extLst>
+              <a:ext uri="{FF2B5EF4-FFF2-40B4-BE49-F238E27FC236}">
+                <a16:creationId xmlns:a16="http://schemas.microsoft.com/office/drawing/2014/main" id="{E3FBA607-E7FC-B7F8-2868-BC448F31F790}"/>
+              </a:ext>
+            </a:extLst>
+          </p:cNvPr>
+          <p:cNvCxnSpPr/>
+          <p:nvPr/>
+        </p:nvCxnSpPr>
+        <p:spPr>
+          <a:xfrm>
+            <a:off x="144378" y="160422"/>
+            <a:ext cx="12060000" cy="0"/>
+          </a:xfrm>
+          <a:prstGeom prst="line">
+            <a:avLst/>
+          </a:prstGeom>
+          <a:ln w="76200">
+            <a:solidFill>
+              <a:schemeClr val="accent1"/>
+            </a:solidFill>
+          </a:ln>
+        </p:spPr>
+        <p:style>
+          <a:lnRef idx="1">
+            <a:schemeClr val="accent1"/>
+          </a:lnRef>
+          <a:fillRef idx="0">
+            <a:schemeClr val="accent1"/>
+          </a:fillRef>
+          <a:effectRef idx="0">
+            <a:schemeClr val="accent1"/>
+          </a:effectRef>
+          <a:fontRef idx="minor">
+            <a:schemeClr val="tx1"/>
+          </a:fontRef>
+        </p:style>
+      </p:cxnSp>
+      <p:sp>
+        <p:nvSpPr>
+          <p:cNvPr id="4" name="TextBox 3">
+            <a:extLst>
+              <a:ext uri="{FF2B5EF4-FFF2-40B4-BE49-F238E27FC236}">
+                <a16:creationId xmlns:a16="http://schemas.microsoft.com/office/drawing/2014/main" id="{B8326A7D-F71C-ED1C-CBFD-93F557654D2A}"/>
+              </a:ext>
+            </a:extLst>
+          </p:cNvPr>
+          <p:cNvSpPr txBox="1"/>
+          <p:nvPr/>
+        </p:nvSpPr>
+        <p:spPr>
+          <a:xfrm>
+            <a:off x="144378" y="272716"/>
+            <a:ext cx="675570" cy="338554"/>
+          </a:xfrm>
+          <a:prstGeom prst="rect">
+            <a:avLst/>
+          </a:prstGeom>
+          <a:noFill/>
+        </p:spPr>
+        <p:txBody>
+          <a:bodyPr wrap="none" rtlCol="0">
+            <a:spAutoFit/>
+          </a:bodyPr>
+          <a:lstStyle/>
+          <a:p>
+            <a:r>
+              <a:rPr lang="en-US" altLang="ko-KR" sz="1600" dirty="0">
+                <a:solidFill>
+                  <a:schemeClr val="accent1"/>
+                </a:solidFill>
+              </a:rPr>
+              <a:t>Part 4</a:t>
+            </a:r>
+            <a:endParaRPr lang="ko-KR" altLang="en-US" sz="1600" dirty="0">
               <a:solidFill>
-                <a:schemeClr val="bg1"/>
+                <a:schemeClr val="accent1"/>
               </a:solidFill>
-            </a:ln>
-          </p:spPr>
-          <p:style>
-            <a:lnRef idx="1">
+            </a:endParaRPr>
+          </a:p>
+        </p:txBody>
+      </p:sp>
+      <p:sp>
+        <p:nvSpPr>
+          <p:cNvPr id="5" name="TextBox 4">
+            <a:extLst>
+              <a:ext uri="{FF2B5EF4-FFF2-40B4-BE49-F238E27FC236}">
+                <a16:creationId xmlns:a16="http://schemas.microsoft.com/office/drawing/2014/main" id="{3251639B-29EB-6E9D-733B-6F917838F571}"/>
+              </a:ext>
+            </a:extLst>
+          </p:cNvPr>
+          <p:cNvSpPr txBox="1"/>
+          <p:nvPr/>
+        </p:nvSpPr>
+        <p:spPr>
+          <a:xfrm>
+            <a:off x="1163052" y="272716"/>
+            <a:ext cx="1874231" cy="523220"/>
+          </a:xfrm>
+          <a:prstGeom prst="rect">
+            <a:avLst/>
+          </a:prstGeom>
+          <a:noFill/>
+        </p:spPr>
+        <p:txBody>
+          <a:bodyPr wrap="none" rtlCol="0">
+            <a:spAutoFit/>
+          </a:bodyPr>
+          <a:lstStyle/>
+          <a:p>
+            <a:r>
+              <a:rPr lang="ko-KR" altLang="en-US" sz="2800" b="1" spc="-300" dirty="0">
+                <a:solidFill>
+                  <a:schemeClr val="accent1"/>
+                </a:solidFill>
+              </a:rPr>
+              <a:t>설계 및 구현</a:t>
+            </a:r>
+          </a:p>
+        </p:txBody>
+      </p:sp>
+      <p:cxnSp>
+        <p:nvCxnSpPr>
+          <p:cNvPr id="6" name="직선 연결선 5">
+            <a:extLst>
+              <a:ext uri="{FF2B5EF4-FFF2-40B4-BE49-F238E27FC236}">
+                <a16:creationId xmlns:a16="http://schemas.microsoft.com/office/drawing/2014/main" id="{227D3D02-66A7-B0C0-2CF2-A0900C18861C}"/>
+              </a:ext>
+            </a:extLst>
+          </p:cNvPr>
+          <p:cNvCxnSpPr/>
+          <p:nvPr/>
+        </p:nvCxnSpPr>
+        <p:spPr>
+          <a:xfrm>
+            <a:off x="144378" y="6737685"/>
+            <a:ext cx="12060000" cy="0"/>
+          </a:xfrm>
+          <a:prstGeom prst="line">
+            <a:avLst/>
+          </a:prstGeom>
+          <a:ln w="3175">
+            <a:solidFill>
               <a:schemeClr val="accent1"/>
-            </a:lnRef>
-            <a:fillRef idx="0">
-              <a:schemeClr val="accent1"/>
-            </a:fillRef>
-            <a:effectRef idx="0">
-              <a:schemeClr val="accent1"/>
-            </a:effectRef>
-            <a:fontRef idx="minor">
-              <a:schemeClr val="tx1"/>
-            </a:fontRef>
-          </p:style>
-        </p:cxnSp>
-        <p:cxnSp>
-          <p:nvCxnSpPr>
-            <p:cNvPr id="6" name="직선 연결선 5">
-              <a:extLst>
-                <a:ext uri="{FF2B5EF4-FFF2-40B4-BE49-F238E27FC236}">
-                  <a16:creationId xmlns:a16="http://schemas.microsoft.com/office/drawing/2014/main" id="{01021128-BA25-D6FF-656C-87D086ADE451}"/>
-                </a:ext>
-              </a:extLst>
-            </p:cNvPr>
-            <p:cNvCxnSpPr>
-              <a:cxnSpLocks/>
-            </p:cNvCxnSpPr>
-            <p:nvPr/>
-          </p:nvCxnSpPr>
-          <p:spPr>
-            <a:xfrm>
-              <a:off x="6817895" y="4794574"/>
-              <a:ext cx="5374105" cy="0"/>
-            </a:xfrm>
-            <a:prstGeom prst="line">
-              <a:avLst/>
-            </a:prstGeom>
-            <a:ln w="3175">
-              <a:solidFill>
-                <a:schemeClr val="bg1"/>
-              </a:solidFill>
-            </a:ln>
-          </p:spPr>
-          <p:style>
-            <a:lnRef idx="1">
-              <a:schemeClr val="accent1"/>
-            </a:lnRef>
-            <a:fillRef idx="0">
-              <a:schemeClr val="accent1"/>
-            </a:fillRef>
-            <a:effectRef idx="0">
-              <a:schemeClr val="accent1"/>
-            </a:effectRef>
-            <a:fontRef idx="minor">
-              <a:schemeClr val="tx1"/>
-            </a:fontRef>
-          </p:style>
-        </p:cxnSp>
-      </p:grpSp>
+            </a:solidFill>
+          </a:ln>
+        </p:spPr>
+        <p:style>
+          <a:lnRef idx="1">
+            <a:schemeClr val="accent1"/>
+          </a:lnRef>
+          <a:fillRef idx="0">
+            <a:schemeClr val="accent1"/>
+          </a:fillRef>
+          <a:effectRef idx="0">
+            <a:schemeClr val="accent1"/>
+          </a:effectRef>
+          <a:fontRef idx="minor">
+            <a:schemeClr val="tx1"/>
+          </a:fontRef>
+        </p:style>
+      </p:cxnSp>
+      <p:sp>
+        <p:nvSpPr>
+          <p:cNvPr id="11" name="양쪽 대괄호 10">
+            <a:extLst>
+              <a:ext uri="{FF2B5EF4-FFF2-40B4-BE49-F238E27FC236}">
+                <a16:creationId xmlns:a16="http://schemas.microsoft.com/office/drawing/2014/main" id="{BB84A156-89D3-24C7-611D-EAAE09E85E87}"/>
+              </a:ext>
+            </a:extLst>
+          </p:cNvPr>
+          <p:cNvSpPr/>
+          <p:nvPr/>
+        </p:nvSpPr>
+        <p:spPr>
+          <a:xfrm>
+            <a:off x="825479" y="1307847"/>
+            <a:ext cx="10697797" cy="3171785"/>
+          </a:xfrm>
+          <a:prstGeom prst="bracketPair">
+            <a:avLst>
+              <a:gd name="adj" fmla="val 12319"/>
+            </a:avLst>
+          </a:prstGeom>
+        </p:spPr>
+        <p:style>
+          <a:lnRef idx="1">
+            <a:schemeClr val="accent1"/>
+          </a:lnRef>
+          <a:fillRef idx="0">
+            <a:schemeClr val="accent1"/>
+          </a:fillRef>
+          <a:effectRef idx="0">
+            <a:schemeClr val="accent1"/>
+          </a:effectRef>
+          <a:fontRef idx="minor">
+            <a:schemeClr val="tx1"/>
+          </a:fontRef>
+        </p:style>
+        <p:txBody>
+          <a:bodyPr rtlCol="0" anchor="ctr"/>
+          <a:lstStyle/>
+          <a:p>
+            <a:pPr algn="ctr"/>
+            <a:endParaRPr lang="ko-KR" altLang="en-US"/>
+          </a:p>
+        </p:txBody>
+      </p:sp>
+      <p:sp>
+        <p:nvSpPr>
+          <p:cNvPr id="14" name="TextBox 13">
+            <a:extLst>
+              <a:ext uri="{FF2B5EF4-FFF2-40B4-BE49-F238E27FC236}">
+                <a16:creationId xmlns:a16="http://schemas.microsoft.com/office/drawing/2014/main" id="{22C4C9CA-FF2A-9FA9-7B1E-C6740F416733}"/>
+              </a:ext>
+            </a:extLst>
+          </p:cNvPr>
+          <p:cNvSpPr txBox="1"/>
+          <p:nvPr/>
+        </p:nvSpPr>
+        <p:spPr>
+          <a:xfrm>
+            <a:off x="3556910" y="5749391"/>
+            <a:ext cx="4967690" cy="404396"/>
+          </a:xfrm>
+          <a:prstGeom prst="rect">
+            <a:avLst/>
+          </a:prstGeom>
+          <a:noFill/>
+        </p:spPr>
+        <p:txBody>
+          <a:bodyPr wrap="square" rtlCol="0">
+            <a:spAutoFit/>
+          </a:bodyPr>
+          <a:lstStyle/>
+          <a:p>
+            <a:pPr algn="ctr"/>
+            <a:r>
+              <a:rPr lang="ko-KR" altLang="en-US" sz="2000" dirty="0"/>
+              <a:t>기초 게임 </a:t>
+            </a:r>
+            <a:r>
+              <a:rPr lang="ko-KR" altLang="en-US" sz="2000" dirty="0" err="1"/>
+              <a:t>아키텍쳐</a:t>
+            </a:r>
+            <a:endParaRPr lang="ko-KR" altLang="en-US" sz="2000" dirty="0"/>
+          </a:p>
+        </p:txBody>
+      </p:sp>
+      <p:pic>
+        <p:nvPicPr>
+          <p:cNvPr id="8" name="그림 7">
+            <a:extLst>
+              <a:ext uri="{FF2B5EF4-FFF2-40B4-BE49-F238E27FC236}">
+                <a16:creationId xmlns:a16="http://schemas.microsoft.com/office/drawing/2014/main" id="{924073DB-4206-31E9-980F-2DF7EC88665F}"/>
+              </a:ext>
+            </a:extLst>
+          </p:cNvPr>
+          <p:cNvPicPr>
+            <a:picLocks noChangeAspect="1"/>
+          </p:cNvPicPr>
+          <p:nvPr/>
+        </p:nvPicPr>
+        <p:blipFill>
+          <a:blip r:embed="rId2"/>
+          <a:stretch>
+            <a:fillRect/>
+          </a:stretch>
+        </p:blipFill>
+        <p:spPr>
+          <a:xfrm>
+            <a:off x="1447860" y="1013542"/>
+            <a:ext cx="4244694" cy="1404934"/>
+          </a:xfrm>
+          <a:prstGeom prst="rect">
+            <a:avLst/>
+          </a:prstGeom>
+        </p:spPr>
+      </p:pic>
+      <p:pic>
+        <p:nvPicPr>
+          <p:cNvPr id="15" name="그림 14">
+            <a:extLst>
+              <a:ext uri="{FF2B5EF4-FFF2-40B4-BE49-F238E27FC236}">
+                <a16:creationId xmlns:a16="http://schemas.microsoft.com/office/drawing/2014/main" id="{ED019D66-11A1-309A-09CC-D14D07513BEE}"/>
+              </a:ext>
+            </a:extLst>
+          </p:cNvPr>
+          <p:cNvPicPr>
+            <a:picLocks noChangeAspect="1"/>
+          </p:cNvPicPr>
+          <p:nvPr/>
+        </p:nvPicPr>
+        <p:blipFill>
+          <a:blip r:embed="rId3"/>
+          <a:stretch>
+            <a:fillRect/>
+          </a:stretch>
+        </p:blipFill>
+        <p:spPr>
+          <a:xfrm>
+            <a:off x="2855408" y="2765223"/>
+            <a:ext cx="2344664" cy="2608109"/>
+          </a:xfrm>
+          <a:prstGeom prst="rect">
+            <a:avLst/>
+          </a:prstGeom>
+        </p:spPr>
+      </p:pic>
+      <p:pic>
+        <p:nvPicPr>
+          <p:cNvPr id="17" name="그림 16">
+            <a:extLst>
+              <a:ext uri="{FF2B5EF4-FFF2-40B4-BE49-F238E27FC236}">
+                <a16:creationId xmlns:a16="http://schemas.microsoft.com/office/drawing/2014/main" id="{ACF20E77-6A5F-785E-4A5A-807C6D9899DE}"/>
+              </a:ext>
+            </a:extLst>
+          </p:cNvPr>
+          <p:cNvPicPr>
+            <a:picLocks noChangeAspect="1"/>
+          </p:cNvPicPr>
+          <p:nvPr/>
+        </p:nvPicPr>
+        <p:blipFill>
+          <a:blip r:embed="rId4"/>
+          <a:stretch>
+            <a:fillRect/>
+          </a:stretch>
+        </p:blipFill>
+        <p:spPr>
+          <a:xfrm>
+            <a:off x="7611647" y="1013542"/>
+            <a:ext cx="2286319" cy="4201111"/>
+          </a:xfrm>
+          <a:prstGeom prst="rect">
+            <a:avLst/>
+          </a:prstGeom>
+        </p:spPr>
+      </p:pic>
     </p:spTree>
     <p:extLst>
       <p:ext uri="{BB962C8B-B14F-4D97-AF65-F5344CB8AC3E}">
-        <p14:creationId xmlns:p14="http://schemas.microsoft.com/office/powerpoint/2010/main" val="484164959"/>
+        <p14:creationId xmlns:p14="http://schemas.microsoft.com/office/powerpoint/2010/main" val="4048033375"/>
       </p:ext>
     </p:extLst>
   </p:cSld>
@@ -8076,7 +9895,7 @@
                   <a:schemeClr val="accent1"/>
                 </a:solidFill>
               </a:rPr>
-              <a:t>Part 2</a:t>
+              <a:t>Part 4</a:t>
             </a:r>
             <a:endParaRPr lang="ko-KR" altLang="en-US" sz="1600" dirty="0">
               <a:solidFill>
@@ -8101,7 +9920,7 @@
         <p:spPr>
           <a:xfrm>
             <a:off x="1163052" y="272716"/>
-            <a:ext cx="1510350" cy="523220"/>
+            <a:ext cx="1874231" cy="523220"/>
           </a:xfrm>
           <a:prstGeom prst="rect">
             <a:avLst/>
@@ -8120,7 +9939,7 @@
                   <a:schemeClr val="accent1"/>
                 </a:solidFill>
               </a:rPr>
-              <a:t>진행 상황</a:t>
+              <a:t>설계 및 구현</a:t>
             </a:r>
           </a:p>
         </p:txBody>
@@ -8212,12 +10031,48 @@
           </a:p>
         </p:txBody>
       </p:sp>
+      <p:sp>
+        <p:nvSpPr>
+          <p:cNvPr id="14" name="TextBox 13">
+            <a:extLst>
+              <a:ext uri="{FF2B5EF4-FFF2-40B4-BE49-F238E27FC236}">
+                <a16:creationId xmlns:a16="http://schemas.microsoft.com/office/drawing/2014/main" id="{22C4C9CA-FF2A-9FA9-7B1E-C6740F416733}"/>
+              </a:ext>
+            </a:extLst>
+          </p:cNvPr>
+          <p:cNvSpPr txBox="1"/>
+          <p:nvPr/>
+        </p:nvSpPr>
+        <p:spPr>
+          <a:xfrm>
+            <a:off x="3556910" y="5749391"/>
+            <a:ext cx="4967690" cy="404396"/>
+          </a:xfrm>
+          <a:prstGeom prst="rect">
+            <a:avLst/>
+          </a:prstGeom>
+          <a:noFill/>
+        </p:spPr>
+        <p:txBody>
+          <a:bodyPr wrap="square" rtlCol="0">
+            <a:spAutoFit/>
+          </a:bodyPr>
+          <a:lstStyle/>
+          <a:p>
+            <a:pPr algn="ctr"/>
+            <a:r>
+              <a:rPr lang="ko-KR" altLang="en-US" sz="2000" dirty="0"/>
+              <a:t>기초 게임 플로우</a:t>
+            </a:r>
+          </a:p>
+        </p:txBody>
+      </p:sp>
       <p:pic>
         <p:nvPicPr>
-          <p:cNvPr id="2" name="그림 1">
-            <a:extLst>
-              <a:ext uri="{FF2B5EF4-FFF2-40B4-BE49-F238E27FC236}">
-                <a16:creationId xmlns:a16="http://schemas.microsoft.com/office/drawing/2014/main" id="{3730CA1C-17F3-0217-3F0B-A98199AFE074}"/>
+          <p:cNvPr id="7" name="그림 6">
+            <a:extLst>
+              <a:ext uri="{FF2B5EF4-FFF2-40B4-BE49-F238E27FC236}">
+                <a16:creationId xmlns:a16="http://schemas.microsoft.com/office/drawing/2014/main" id="{4064E61B-A2A2-74A4-C23F-76355D1EB84A}"/>
               </a:ext>
             </a:extLst>
           </p:cNvPr>
@@ -8226,197 +10081,26 @@
           </p:cNvPicPr>
           <p:nvPr/>
         </p:nvPicPr>
-        <p:blipFill rotWithShape="1">
-          <a:blip r:embed="rId2" cstate="print">
-            <a:extLst>
-              <a:ext uri="{28A0092B-C50C-407E-A947-70E740481C1C}">
-                <a14:useLocalDpi xmlns:a14="http://schemas.microsoft.com/office/drawing/2010/main" val="0"/>
-              </a:ext>
-            </a:extLst>
-          </a:blip>
-          <a:srcRect l="14687" t="16176" r="14680" b="5602"/>
-          <a:stretch/>
+        <p:blipFill>
+          <a:blip r:embed="rId2"/>
+          <a:stretch>
+            <a:fillRect/>
+          </a:stretch>
         </p:blipFill>
-        <p:spPr bwMode="auto">
-          <a:xfrm>
-            <a:off x="1523946" y="1045660"/>
-            <a:ext cx="2727325" cy="1701165"/>
-          </a:xfrm>
-          <a:prstGeom prst="rect">
-            <a:avLst/>
-          </a:prstGeom>
-          <a:noFill/>
-          <a:ln>
-            <a:noFill/>
-          </a:ln>
-          <a:extLst>
-            <a:ext uri="{53640926-AAD7-44D8-BBD7-CCE9431645EC}">
-              <a14:shadowObscured xmlns:a14="http://schemas.microsoft.com/office/drawing/2010/main"/>
-            </a:ext>
-          </a:extLst>
+        <p:spPr>
+          <a:xfrm>
+            <a:off x="2425829" y="888876"/>
+            <a:ext cx="7497095" cy="4225635"/>
+          </a:xfrm>
+          <a:prstGeom prst="rect">
+            <a:avLst/>
+          </a:prstGeom>
         </p:spPr>
       </p:pic>
-      <p:pic>
-        <p:nvPicPr>
-          <p:cNvPr id="9" name="그림 8">
-            <a:extLst>
-              <a:ext uri="{FF2B5EF4-FFF2-40B4-BE49-F238E27FC236}">
-                <a16:creationId xmlns:a16="http://schemas.microsoft.com/office/drawing/2014/main" id="{49EF68B8-F1DC-6B4E-6480-4C0C0B6A4E8A}"/>
-              </a:ext>
-            </a:extLst>
-          </p:cNvPr>
-          <p:cNvPicPr>
-            <a:picLocks noChangeAspect="1"/>
-          </p:cNvPicPr>
-          <p:nvPr/>
-        </p:nvPicPr>
-        <p:blipFill rotWithShape="1">
-          <a:blip r:embed="rId3" cstate="print">
-            <a:extLst>
-              <a:ext uri="{28A0092B-C50C-407E-A947-70E740481C1C}">
-                <a14:useLocalDpi xmlns:a14="http://schemas.microsoft.com/office/drawing/2010/main" val="0"/>
-              </a:ext>
-            </a:extLst>
-          </a:blip>
-          <a:srcRect l="15243" t="18815" r="15052" b="4941"/>
-          <a:stretch/>
-        </p:blipFill>
-        <p:spPr bwMode="auto">
-          <a:xfrm>
-            <a:off x="4694555" y="1055860"/>
-            <a:ext cx="2692400" cy="1658620"/>
-          </a:xfrm>
-          <a:prstGeom prst="rect">
-            <a:avLst/>
-          </a:prstGeom>
-          <a:noFill/>
-          <a:ln>
-            <a:noFill/>
-          </a:ln>
-          <a:extLst>
-            <a:ext uri="{53640926-AAD7-44D8-BBD7-CCE9431645EC}">
-              <a14:shadowObscured xmlns:a14="http://schemas.microsoft.com/office/drawing/2010/main"/>
-            </a:ext>
-          </a:extLst>
-        </p:spPr>
-      </p:pic>
-      <p:pic>
-        <p:nvPicPr>
-          <p:cNvPr id="10" name="그림 9">
-            <a:extLst>
-              <a:ext uri="{FF2B5EF4-FFF2-40B4-BE49-F238E27FC236}">
-                <a16:creationId xmlns:a16="http://schemas.microsoft.com/office/drawing/2014/main" id="{86F3F0A1-34D6-B6BC-6948-EB53DC99F727}"/>
-              </a:ext>
-            </a:extLst>
-          </p:cNvPr>
-          <p:cNvPicPr>
-            <a:picLocks noChangeAspect="1"/>
-          </p:cNvPicPr>
-          <p:nvPr/>
-        </p:nvPicPr>
-        <p:blipFill rotWithShape="1">
-          <a:blip r:embed="rId4" cstate="print">
-            <a:extLst>
-              <a:ext uri="{28A0092B-C50C-407E-A947-70E740481C1C}">
-                <a14:useLocalDpi xmlns:a14="http://schemas.microsoft.com/office/drawing/2010/main" val="0"/>
-              </a:ext>
-            </a:extLst>
-          </a:blip>
-          <a:srcRect l="12639" t="14838" r="12396" b="4883"/>
-          <a:stretch/>
-        </p:blipFill>
-        <p:spPr bwMode="auto">
-          <a:xfrm>
-            <a:off x="7882285" y="1003155"/>
-            <a:ext cx="2837815" cy="1711325"/>
-          </a:xfrm>
-          <a:prstGeom prst="rect">
-            <a:avLst/>
-          </a:prstGeom>
-          <a:noFill/>
-          <a:ln>
-            <a:noFill/>
-          </a:ln>
-          <a:extLst>
-            <a:ext uri="{53640926-AAD7-44D8-BBD7-CCE9431645EC}">
-              <a14:shadowObscured xmlns:a14="http://schemas.microsoft.com/office/drawing/2010/main"/>
-            </a:ext>
-          </a:extLst>
-        </p:spPr>
-      </p:pic>
-      <p:pic>
-        <p:nvPicPr>
-          <p:cNvPr id="13" name="그림 12">
-            <a:extLst>
-              <a:ext uri="{FF2B5EF4-FFF2-40B4-BE49-F238E27FC236}">
-                <a16:creationId xmlns:a16="http://schemas.microsoft.com/office/drawing/2014/main" id="{9903A38C-0C00-3055-02FC-3A1EC0AEE377}"/>
-              </a:ext>
-            </a:extLst>
-          </p:cNvPr>
-          <p:cNvPicPr>
-            <a:picLocks noChangeAspect="1"/>
-          </p:cNvPicPr>
-          <p:nvPr/>
-        </p:nvPicPr>
-        <p:blipFill rotWithShape="1">
-          <a:blip r:embed="rId5"/>
-          <a:srcRect r="176" b="7621"/>
-          <a:stretch/>
-        </p:blipFill>
-        <p:spPr>
-          <a:xfrm>
-            <a:off x="4059382" y="2893741"/>
-            <a:ext cx="4364181" cy="2271753"/>
-          </a:xfrm>
-          <a:prstGeom prst="rect">
-            <a:avLst/>
-          </a:prstGeom>
-        </p:spPr>
-      </p:pic>
-      <p:sp>
-        <p:nvSpPr>
-          <p:cNvPr id="14" name="TextBox 13">
-            <a:extLst>
-              <a:ext uri="{FF2B5EF4-FFF2-40B4-BE49-F238E27FC236}">
-                <a16:creationId xmlns:a16="http://schemas.microsoft.com/office/drawing/2014/main" id="{22C4C9CA-FF2A-9FA9-7B1E-C6740F416733}"/>
-              </a:ext>
-            </a:extLst>
-          </p:cNvPr>
-          <p:cNvSpPr txBox="1"/>
-          <p:nvPr/>
-        </p:nvSpPr>
-        <p:spPr>
-          <a:xfrm>
-            <a:off x="3556910" y="5749391"/>
-            <a:ext cx="4967690" cy="404396"/>
-          </a:xfrm>
-          <a:prstGeom prst="rect">
-            <a:avLst/>
-          </a:prstGeom>
-          <a:noFill/>
-        </p:spPr>
-        <p:txBody>
-          <a:bodyPr wrap="square" rtlCol="0">
-            <a:spAutoFit/>
-          </a:bodyPr>
-          <a:lstStyle/>
-          <a:p>
-            <a:pPr algn="ctr"/>
-            <a:r>
-              <a:rPr lang="en-US" altLang="ko-KR" sz="2000" dirty="0"/>
-              <a:t>Unity</a:t>
-            </a:r>
-            <a:r>
-              <a:rPr lang="ko-KR" altLang="en-US" sz="2000" dirty="0"/>
-              <a:t> 프로그램 공부</a:t>
-            </a:r>
-          </a:p>
-        </p:txBody>
-      </p:sp>
     </p:spTree>
     <p:extLst>
       <p:ext uri="{BB962C8B-B14F-4D97-AF65-F5344CB8AC3E}">
-        <p14:creationId xmlns:p14="http://schemas.microsoft.com/office/powerpoint/2010/main" val="3031788846"/>
+        <p14:creationId xmlns:p14="http://schemas.microsoft.com/office/powerpoint/2010/main" val="2322858081"/>
       </p:ext>
     </p:extLst>
   </p:cSld>
@@ -8518,7 +10202,7 @@
                   <a:schemeClr val="accent1"/>
                 </a:solidFill>
               </a:rPr>
-              <a:t>Part 2</a:t>
+              <a:t>Part 5</a:t>
             </a:r>
             <a:endParaRPr lang="ko-KR" altLang="en-US" sz="1600" dirty="0">
               <a:solidFill>
@@ -8562,7 +10246,7 @@
                   <a:schemeClr val="accent1"/>
                 </a:solidFill>
               </a:rPr>
-              <a:t>진행 상황</a:t>
+              <a:t>실행 결과</a:t>
             </a:r>
           </a:p>
         </p:txBody>
@@ -8685,8 +10369,13 @@
             <a:pPr algn="ctr"/>
             <a:r>
               <a:rPr lang="ko-KR" altLang="en-US" sz="2000" dirty="0"/>
-              <a:t>게임 시스템 기틀 제작</a:t>
-            </a:r>
+              <a:t>게임 화면의 </a:t>
+            </a:r>
+            <a:r>
+              <a:rPr lang="en-US" altLang="ko-KR" sz="2000" dirty="0"/>
+              <a:t>Canvas</a:t>
+            </a:r>
+            <a:endParaRPr lang="ko-KR" altLang="en-US" sz="2000" dirty="0"/>
           </a:p>
         </p:txBody>
       </p:sp>
@@ -8695,7 +10384,7 @@
           <p:cNvPr id="8" name="그림 7">
             <a:extLst>
               <a:ext uri="{FF2B5EF4-FFF2-40B4-BE49-F238E27FC236}">
-                <a16:creationId xmlns:a16="http://schemas.microsoft.com/office/drawing/2014/main" id="{E2388B9F-3C64-39FC-0A95-44F5E2909C1A}"/>
+                <a16:creationId xmlns:a16="http://schemas.microsoft.com/office/drawing/2014/main" id="{6A018E06-9914-6C98-F7CA-E7C0422EF1AB}"/>
               </a:ext>
             </a:extLst>
           </p:cNvPr>
@@ -8712,8 +10401,8 @@
         </p:blipFill>
         <p:spPr>
           <a:xfrm>
-            <a:off x="1916844" y="1075724"/>
-            <a:ext cx="3403012" cy="1478402"/>
+            <a:off x="2122952" y="1307847"/>
+            <a:ext cx="3183207" cy="3255862"/>
           </a:xfrm>
           <a:prstGeom prst="rect">
             <a:avLst/>
@@ -8722,10 +10411,10 @@
       </p:pic>
       <p:pic>
         <p:nvPicPr>
-          <p:cNvPr id="17" name="그림 16">
-            <a:extLst>
-              <a:ext uri="{FF2B5EF4-FFF2-40B4-BE49-F238E27FC236}">
-                <a16:creationId xmlns:a16="http://schemas.microsoft.com/office/drawing/2014/main" id="{2D97E937-3183-8902-9EA8-8C934636800A}"/>
+          <p:cNvPr id="10" name="그림 9">
+            <a:extLst>
+              <a:ext uri="{FF2B5EF4-FFF2-40B4-BE49-F238E27FC236}">
+                <a16:creationId xmlns:a16="http://schemas.microsoft.com/office/drawing/2014/main" id="{024FFEF7-BE85-B56B-A670-C88E9AA2D388}"/>
               </a:ext>
             </a:extLst>
           </p:cNvPr>
@@ -8742,68 +10431,8 @@
         </p:blipFill>
         <p:spPr>
           <a:xfrm>
-            <a:off x="1918227" y="3463040"/>
-            <a:ext cx="3400246" cy="1376463"/>
-          </a:xfrm>
-          <a:prstGeom prst="rect">
-            <a:avLst/>
-          </a:prstGeom>
-        </p:spPr>
-      </p:pic>
-      <p:pic>
-        <p:nvPicPr>
-          <p:cNvPr id="19" name="그림 18">
-            <a:extLst>
-              <a:ext uri="{FF2B5EF4-FFF2-40B4-BE49-F238E27FC236}">
-                <a16:creationId xmlns:a16="http://schemas.microsoft.com/office/drawing/2014/main" id="{7ABB1C97-EB5D-4520-BF04-343467CCDE87}"/>
-              </a:ext>
-            </a:extLst>
-          </p:cNvPr>
-          <p:cNvPicPr>
-            <a:picLocks noChangeAspect="1"/>
-          </p:cNvPicPr>
-          <p:nvPr/>
-        </p:nvPicPr>
-        <p:blipFill>
-          <a:blip r:embed="rId4"/>
-          <a:stretch>
-            <a:fillRect/>
-          </a:stretch>
-        </p:blipFill>
-        <p:spPr>
-          <a:xfrm>
-            <a:off x="6723509" y="3458284"/>
-            <a:ext cx="3602182" cy="1342440"/>
-          </a:xfrm>
-          <a:prstGeom prst="rect">
-            <a:avLst/>
-          </a:prstGeom>
-        </p:spPr>
-      </p:pic>
-      <p:pic>
-        <p:nvPicPr>
-          <p:cNvPr id="7" name="그림 6">
-            <a:extLst>
-              <a:ext uri="{FF2B5EF4-FFF2-40B4-BE49-F238E27FC236}">
-                <a16:creationId xmlns:a16="http://schemas.microsoft.com/office/drawing/2014/main" id="{8E6CCD4E-63A1-9C65-85B5-DBA1E88B16A9}"/>
-              </a:ext>
-            </a:extLst>
-          </p:cNvPr>
-          <p:cNvPicPr>
-            <a:picLocks noChangeAspect="1"/>
-          </p:cNvPicPr>
-          <p:nvPr/>
-        </p:nvPicPr>
-        <p:blipFill>
-          <a:blip r:embed="rId5"/>
-          <a:stretch>
-            <a:fillRect/>
-          </a:stretch>
-        </p:blipFill>
-        <p:spPr>
-          <a:xfrm>
-            <a:off x="6999066" y="947976"/>
-            <a:ext cx="3051068" cy="1704163"/>
+            <a:off x="6603632" y="1854843"/>
+            <a:ext cx="3708663" cy="2077792"/>
           </a:xfrm>
           <a:prstGeom prst="rect">
             <a:avLst/>
@@ -8813,7 +10442,7 @@
     </p:spTree>
     <p:extLst>
       <p:ext uri="{BB962C8B-B14F-4D97-AF65-F5344CB8AC3E}">
-        <p14:creationId xmlns:p14="http://schemas.microsoft.com/office/powerpoint/2010/main" val="2866400007"/>
+        <p14:creationId xmlns:p14="http://schemas.microsoft.com/office/powerpoint/2010/main" val="707764914"/>
       </p:ext>
     </p:extLst>
   </p:cSld>

--- a/for_school/[4팀] 최종발표.pptx
+++ b/for_school/[4팀] 최종발표.pptx
@@ -222,7 +222,7 @@
           <a:p>
             <a:fld id="{827246CF-372A-4D3B-8E3A-C9BABED26AD8}" type="datetimeFigureOut">
               <a:rPr lang="ko-KR" altLang="en-US" smtClean="0"/>
-              <a:t>2024-05-23</a:t>
+              <a:t>2024-05-27</a:t>
             </a:fld>
             <a:endParaRPr lang="ko-KR" altLang="en-US"/>
           </a:p>
@@ -636,7 +636,7 @@
           <a:p>
             <a:fld id="{772F5193-41CD-4063-B0C7-05E32D5C3CCF}" type="datetimeFigureOut">
               <a:rPr lang="ko-KR" altLang="en-US" smtClean="0"/>
-              <a:t>2024-05-23</a:t>
+              <a:t>2024-05-27</a:t>
             </a:fld>
             <a:endParaRPr lang="ko-KR" altLang="en-US"/>
           </a:p>
@@ -838,7 +838,7 @@
           <a:p>
             <a:fld id="{772F5193-41CD-4063-B0C7-05E32D5C3CCF}" type="datetimeFigureOut">
               <a:rPr lang="ko-KR" altLang="en-US" smtClean="0"/>
-              <a:t>2024-05-23</a:t>
+              <a:t>2024-05-27</a:t>
             </a:fld>
             <a:endParaRPr lang="ko-KR" altLang="en-US"/>
           </a:p>
@@ -1079,7 +1079,7 @@
           <a:p>
             <a:fld id="{772F5193-41CD-4063-B0C7-05E32D5C3CCF}" type="datetimeFigureOut">
               <a:rPr lang="ko-KR" altLang="en-US" smtClean="0"/>
-              <a:t>2024-05-23</a:t>
+              <a:t>2024-05-27</a:t>
             </a:fld>
             <a:endParaRPr lang="ko-KR" altLang="en-US"/>
           </a:p>
